--- a/ppt/presentation-m2-sana-alinia-29-08-2024.pptx
+++ b/ppt/presentation-m2-sana-alinia-29-08-2024.pptx
@@ -3674,7 +3674,7 @@
         <a:lstStyle/>
         <a:p>
           <a:r>
-            <a:rPr lang="en-US"/>
+            <a:rPr lang="en-US" dirty="0"/>
             <a:t>E2E Tests: Simulate real-world scenarios.</a:t>
           </a:r>
         </a:p>
@@ -3821,8 +3821,8 @@
         <a:lstStyle/>
         <a:p>
           <a:r>
-            <a:rPr lang="en-US"/>
-            <a:t>E2E: Cypress.</a:t>
+            <a:rPr lang="en-US" dirty="0"/>
+            <a:t>E2E: Playwright.</a:t>
           </a:r>
         </a:p>
       </dgm:t>
@@ -4983,7 +4983,7 @@
             <a:buNone/>
           </a:pPr>
           <a:r>
-            <a:rPr lang="en-US" sz="1700" kern="1200"/>
+            <a:rPr lang="en-US" sz="1700" kern="1200" dirty="0"/>
             <a:t>E2E Tests: Simulate real-world scenarios.</a:t>
           </a:r>
         </a:p>
@@ -5189,8 +5189,8 @@
             <a:buNone/>
           </a:pPr>
           <a:r>
-            <a:rPr lang="en-US" sz="1700" kern="1200"/>
-            <a:t>E2E: Cypress.</a:t>
+            <a:rPr lang="en-US" sz="1700" kern="1200" dirty="0"/>
+            <a:t>E2E: Playwright.</a:t>
           </a:r>
         </a:p>
       </dsp:txBody>
@@ -9332,28 +9332,30 @@
           <a:lstStyle/>
           <a:p>
             <a:r>
-              <a:t>"To manage our cloud infrastructure, we used Terraform, which allows us to define infrastructure as code. With Terraform, we were able to automate the provisioning of resources like EC2 instances, ECS clusters, and load balancers. The benefit of using infrastructure as code is that it ensures consistency across environments. For example, we could easily replicate the same infrastructure in development, testing, and production environments without worrying about manual configuration errors.</a:t>
-            </a:r>
-          </a:p>
-          <a:p>
-            <a:endParaRPr/>
-          </a:p>
-          <a:p>
-            <a:r>
-              <a:t>"Another advantage of Terraform is that it allows us to track changes to the infrastructure. Since everything is written as code, we can version control it just like we do with application code. This means we can see who made changes, what changes were made, and when they were made. If something goes wrong, we can easily roll back to a previous version of the infrastructure."</a:t>
-            </a:r>
-          </a:p>
-          <a:p>
-            <a:endParaRPr/>
-          </a:p>
-          <a:p>
-            <a:r>
-              <a:t>*Image Reference*:</a:t>
-            </a:r>
-          </a:p>
-          <a:p>
-            <a:r>
-              <a:t>"This image [point to image] shows how Terraform automates the deployment of cloud resources by defining them in code."</a:t>
+              <a:rPr lang="en-US" dirty="0"/>
+              <a:t>"In managing the cloud infrastructure for </a:t>
+            </a:r>
+            <a:r>
+              <a:rPr lang="en-US" dirty="0" err="1"/>
+              <a:t>IBTool</a:t>
+            </a:r>
+            <a:r>
+              <a:rPr lang="en-US" dirty="0"/>
+              <a:t>, we utilized Terraform, which implements the concept of infrastructure as code (</a:t>
+            </a:r>
+            <a:r>
+              <a:rPr lang="en-US" dirty="0" err="1"/>
+              <a:t>IaC</a:t>
+            </a:r>
+            <a:r>
+              <a:rPr lang="en-US" dirty="0"/>
+              <a:t>). This approach enabled us to automate the creation and management of key resources, such as EC2 instances for computing, ECS clusters for container orchestration, and Application Load Balancers (ALB) for traffic distribution. By defining our infrastructure as code, we were able to ensure that all environments—whether development, testing, or production—were provisioned consistently and free of manual errors. This significantly reduced the time and effort needed to set up new environments and made scaling much simpler.</a:t>
+            </a:r>
+          </a:p>
+          <a:p>
+            <a:r>
+              <a:rPr lang="en-US" dirty="0"/>
+              <a:t>Another key benefit of using Terraform is its ability to track and manage changes to the infrastructure, much like version control for code. Every modification is recorded, allowing us to trace back the history of infrastructure changes and, when necessary, revert to previous configurations with ease. This level of control and automation enhances both the efficiency and reliability of our cloud deployment."</a:t>
             </a:r>
           </a:p>
         </p:txBody>
@@ -9809,49 +9811,52 @@
           <a:lstStyle/>
           <a:p>
             <a:r>
-              <a:rPr dirty="0"/>
-              <a:t>"After migrating </a:t>
-            </a:r>
-            <a:r>
-              <a:rPr dirty="0" err="1"/>
+              <a:rPr lang="en-US" dirty="0"/>
+              <a:t>"Following the migration of </a:t>
+            </a:r>
+            <a:r>
+              <a:rPr lang="en-US" dirty="0" err="1"/>
               <a:t>IBTool</a:t>
             </a:r>
             <a:r>
-              <a:rPr dirty="0"/>
-              <a:t> to the cloud, we adopted a cloud-native architecture. The frontend is now hosted on Amazon S3, which is used to store and deliver static content like HTML, CSS, and JavaScript files. We also use CloudFront, which is a content delivery network that speeds up the delivery of the frontend files by caching them in locations closer to the users.</a:t>
-            </a:r>
-          </a:p>
-          <a:p>
-            <a:endParaRPr dirty="0"/>
-          </a:p>
-          <a:p>
-            <a:r>
-              <a:rPr dirty="0"/>
-              <a:t>"The backend services have been containerized and are now running on AWS ECS, which stands for Elastic Container Service. ECS makes it easy to manage and scale Docker containers automatically. The MongoDB database is also hosted in the cloud through a managed service, which means that we no longer have to worry about maintenance or downtime.</a:t>
-            </a:r>
-          </a:p>
-          <a:p>
-            <a:endParaRPr dirty="0"/>
-          </a:p>
-          <a:p>
-            <a:r>
-              <a:rPr dirty="0"/>
-              <a:t>"To handle traffic distribution, we use an Application Load Balancer, or ALB. The ALB evenly distributes incoming traffic across the backend services, ensuring that the system can handle a large number of requests efficiently."</a:t>
-            </a:r>
-          </a:p>
-          <a:p>
-            <a:endParaRPr dirty="0"/>
-          </a:p>
-          <a:p>
-            <a:r>
-              <a:rPr dirty="0"/>
-              <a:t>*Image Reference*:</a:t>
-            </a:r>
-          </a:p>
-          <a:p>
-            <a:r>
-              <a:rPr dirty="0"/>
-              <a:t>"This image [point to image] shows the new cloud-native architecture, with the frontend hosted on S3, the backend on ECS, and the database managed in the cloud."</a:t>
+              <a:rPr lang="en-US" dirty="0"/>
+              <a:t> to the cloud, we adopted a robust cloud-native architecture designed to optimize both performance and scalability. The frontend of the application is hosted on Amazon S3, providing a secure and efficient platform for serving static content such as HTML, CSS, and JavaScript files. By leveraging CloudFront, AWS's content delivery network, we ensure fast content delivery through caching, improving load times for users no matter where they are located.</a:t>
+            </a:r>
+          </a:p>
+          <a:p>
+            <a:r>
+              <a:rPr lang="en-US" dirty="0"/>
+              <a:t>Our backend services are now containerized using AWS ECS, which automates the management and scaling of Docker containers, allowing for flexible and responsive backend operations. The database layer is handled through a managed MongoDB service, eliminating the need for manual maintenance and minimizing downtime risks.</a:t>
+            </a:r>
+          </a:p>
+          <a:p>
+            <a:r>
+              <a:rPr lang="en-US" dirty="0"/>
+              <a:t>Traffic to our backend services is intelligently distributed through an Application Load Balancer (ALB), which ensures that all incoming requests are balanced across available resources, maintaining system stability even under high loads. This architecture, combined with tools like </a:t>
+            </a:r>
+            <a:r>
+              <a:rPr lang="en-US" dirty="0" err="1"/>
+              <a:t>CodePipeline</a:t>
+            </a:r>
+            <a:r>
+              <a:rPr lang="en-US" dirty="0"/>
+              <a:t> and </a:t>
+            </a:r>
+            <a:r>
+              <a:rPr lang="en-US" dirty="0" err="1"/>
+              <a:t>CodeBuild</a:t>
+            </a:r>
+            <a:r>
+              <a:rPr lang="en-US" dirty="0"/>
+              <a:t> for continuous delivery and CloudWatch for ongoing performance monitoring, enables </a:t>
+            </a:r>
+            <a:r>
+              <a:rPr lang="en-US" dirty="0" err="1"/>
+              <a:t>IBTool</a:t>
+            </a:r>
+            <a:r>
+              <a:rPr lang="en-US" dirty="0"/>
+              <a:t> to meet the demands of a dynamic environment with ease."</a:t>
             </a:r>
           </a:p>
         </p:txBody>
@@ -9921,20 +9926,46 @@
           <a:lstStyle/>
           <a:p>
             <a:r>
-              <a:t>"We rely on several key AWS services to power IBTool. Amazon S3 is used for static file storage, which hosts the frontend. AWS ECS handles the container orchestration for the backend services. We also use Amazon RDS for managed MongoDB, which reduces the overhead of managing the database ourselves. The Application Load Balancer distributes incoming traffic to ensure that the system remains responsive. Finally, AWS IAM, or Identity and Access Management, controls access to the resources, ensuring that only authorized users and services can interact with the system."</a:t>
-            </a:r>
-          </a:p>
-          <a:p>
-            <a:endParaRPr/>
-          </a:p>
-          <a:p>
-            <a:r>
-              <a:t>*Image Reference*:</a:t>
-            </a:r>
-          </a:p>
-          <a:p>
-            <a:r>
-              <a:t>"This diagram [point to image] highlights the AWS services that are used in the IBTool cloud architecture."</a:t>
+              <a:rPr lang="en-US" dirty="0"/>
+              <a:t>"</a:t>
+            </a:r>
+            <a:r>
+              <a:rPr lang="en-US" dirty="0" err="1"/>
+              <a:t>IBTool</a:t>
+            </a:r>
+            <a:r>
+              <a:rPr lang="en-US" dirty="0"/>
+              <a:t> leverages a range of essential AWS services to deliver its cloud-native functionality. For storing static frontend files, we use Amazon S3, ensuring fast and reliable access to content. ECS, or Elastic Container Service, orchestrates our Docker containers, providing scalability and efficient management of the backend services. Additionally, we utilize a managed MongoDB service to simplify the database maintenance process. The Application Load Balancer (ALB) plays a crucial role in distributing traffic across the backend containers, maintaining system responsiveness and preventing any single point of overload.</a:t>
+            </a:r>
+          </a:p>
+          <a:p>
+            <a:r>
+              <a:rPr lang="en-US" dirty="0"/>
+              <a:t>Moreover, AWS </a:t>
+            </a:r>
+            <a:r>
+              <a:rPr lang="en-US" dirty="0" err="1"/>
+              <a:t>CodeCommit</a:t>
+            </a:r>
+            <a:r>
+              <a:rPr lang="en-US" dirty="0"/>
+              <a:t> serves as our secure source code repository, while </a:t>
+            </a:r>
+            <a:r>
+              <a:rPr lang="en-US" dirty="0" err="1"/>
+              <a:t>CodePipeline</a:t>
+            </a:r>
+            <a:r>
+              <a:rPr lang="en-US" dirty="0"/>
+              <a:t> and </a:t>
+            </a:r>
+            <a:r>
+              <a:rPr lang="en-US" dirty="0" err="1"/>
+              <a:t>CodeBuild</a:t>
+            </a:r>
+            <a:r>
+              <a:rPr lang="en-US" dirty="0"/>
+              <a:t> manage the automated testing and deployment of new updates. We rely on CloudWatch for real-time performance monitoring, and to ensure data security, KMS encrypts our stored data while ACM automates SSL certificate management. Finally, IAM, or Identity and Access Management, ensures that only authorized users can access sensitive parts of the system, thereby protecting the integrity and confidentiality of our operations."</a:t>
             </a:r>
           </a:p>
         </p:txBody>
@@ -10004,20 +10035,38 @@
           <a:lstStyle/>
           <a:p>
             <a:r>
-              <a:t>"To streamline our development and deployment process, we implemented a CI/CD pipeline. CI stands for Continuous Integration, which means that every time a developer makes a change to the code, it is automatically tested and built. CD stands for Continuous Deployment, which automates the process of deploying the application to production. The goal of CI/CD is to enable faster and more reliable updates by automating repetitive tasks and reducing the chances of human error."</a:t>
-            </a:r>
-          </a:p>
-          <a:p>
-            <a:endParaRPr/>
-          </a:p>
-          <a:p>
-            <a:r>
-              <a:t>*Image Reference*:</a:t>
-            </a:r>
-          </a:p>
-          <a:p>
-            <a:r>
-              <a:t>"This flowchart [point to image] shows how the CI/CD pipeline works, from code changes to testing and deployment."</a:t>
+              <a:rPr lang="en-US" dirty="0"/>
+              <a:t>"In order to enhance the efficiency and reliability of our development process, we implemented a CI/CD pipeline that automates several key stages. Continuous Integration (CI) ensures that whenever a developer pushes a change to the codebase, it is automatically tested and built. This step allows us to detect and resolve potential issues early in the process. Continuous Deployment (CD), on the other hand, automates the deployment of successfully built code to production, reducing manual intervention and the likelihood of errors.</a:t>
+            </a:r>
+          </a:p>
+          <a:p>
+            <a:r>
+              <a:rPr lang="en-US" dirty="0"/>
+              <a:t>By integrating AWS </a:t>
+            </a:r>
+            <a:r>
+              <a:rPr lang="en-US" dirty="0" err="1"/>
+              <a:t>CodeCommit</a:t>
+            </a:r>
+            <a:r>
+              <a:rPr lang="en-US" dirty="0"/>
+              <a:t> for source control, </a:t>
+            </a:r>
+            <a:r>
+              <a:rPr lang="en-US" dirty="0" err="1"/>
+              <a:t>CodeBuild</a:t>
+            </a:r>
+            <a:r>
+              <a:rPr lang="en-US" dirty="0"/>
+              <a:t> for compiling and testing, and </a:t>
+            </a:r>
+            <a:r>
+              <a:rPr lang="en-US" dirty="0" err="1"/>
+              <a:t>CodePipeline</a:t>
+            </a:r>
+            <a:r>
+              <a:rPr lang="en-US" dirty="0"/>
+              <a:t> to orchestrate the entire workflow, we significantly sped up our release cycles. This automation allows us to deliver updates quickly and reliably without sacrificing stability. With each new deployment, we maintain high confidence in the system’s integrity, thanks to the thorough testing and seamless transition from development to production."</a:t>
             </a:r>
           </a:p>
         </p:txBody>
@@ -12314,21 +12363,34 @@
           <a:lstStyle/>
           <a:p>
             <a:r>
-              <a:t>"When it came to migrating IBTool to the cloud, we started with a ‘lift and shift’ approach. This means that we moved the existing application to the cloud without making major changes to the code. Once the application was running in the cloud, we began to optimize it by using cloud-native features such as auto-scaling. Auto-scaling allows the system to automatically adjust the amount of computing resources based on the workload, so it can handle higher volumes of complaints without slowing down."</a:t>
-            </a:r>
-          </a:p>
-          <a:p>
-            <a:endParaRPr/>
-          </a:p>
-          <a:p>
-            <a:r>
-              <a:t>*Image Reference*:</a:t>
-            </a:r>
-          </a:p>
-          <a:p>
-            <a:r>
-              <a:t>"This diagram [point to image] shows the steps involved in our cloud migration process, from the initial lift and shift to cloud-native optimization."</a:t>
-            </a:r>
+              <a:rPr lang="en-US" dirty="0"/>
+              <a:t>"To transition </a:t>
+            </a:r>
+            <a:r>
+              <a:rPr lang="en-US" dirty="0" err="1"/>
+              <a:t>IBTool</a:t>
+            </a:r>
+            <a:r>
+              <a:rPr lang="en-US" dirty="0"/>
+              <a:t> to the cloud, we adopted a ‘lift and shift’ methodology as the first step. This approach involves moving the application to AWS without making fundamental changes to its code or structure, which allows us to quickly benefit from cloud infrastructure. Once the application was successfully running in the cloud, we enhanced it using several cloud-native features, such as auto-scaling. Auto-scaling dynamically adjusts the computational resources based on demand, ensuring that the system efficiently handles peak volumes of complaints without performance degradation. Additionally, we leveraged services like </a:t>
+            </a:r>
+            <a:r>
+              <a:rPr lang="en-US" dirty="0" err="1"/>
+              <a:t>CodeCommit</a:t>
+            </a:r>
+            <a:r>
+              <a:rPr lang="en-US" dirty="0"/>
+              <a:t> and </a:t>
+            </a:r>
+            <a:r>
+              <a:rPr lang="en-US" dirty="0" err="1"/>
+              <a:t>CodePipeline</a:t>
+            </a:r>
+            <a:r>
+              <a:rPr lang="en-US" dirty="0"/>
+              <a:t> to automate our deployment workflow, while CloudWatch enabled us to continuously monitor performance and set up alerts to proactively address potential issues."</a:t>
+            </a:r>
+            <a:endParaRPr dirty="0"/>
           </a:p>
         </p:txBody>
       </p:sp>
@@ -12531,7 +12593,7 @@
           <a:p>
             <a:fld id="{5BCAD085-E8A6-8845-BD4E-CB4CCA059FC4}" type="datetimeFigureOut">
               <a:rPr lang="en-US" smtClean="0"/>
-              <a:t>8/25/2024</a:t>
+              <a:t>8/26/2024</a:t>
             </a:fld>
             <a:endParaRPr lang="en-US"/>
           </a:p>
@@ -12699,7 +12761,7 @@
           <a:p>
             <a:fld id="{5BCAD085-E8A6-8845-BD4E-CB4CCA059FC4}" type="datetimeFigureOut">
               <a:rPr lang="en-US" smtClean="0"/>
-              <a:t>8/25/2024</a:t>
+              <a:t>8/26/2024</a:t>
             </a:fld>
             <a:endParaRPr lang="en-US"/>
           </a:p>
@@ -12877,7 +12939,7 @@
           <a:p>
             <a:fld id="{5BCAD085-E8A6-8845-BD4E-CB4CCA059FC4}" type="datetimeFigureOut">
               <a:rPr lang="en-US" smtClean="0"/>
-              <a:t>8/25/2024</a:t>
+              <a:t>8/26/2024</a:t>
             </a:fld>
             <a:endParaRPr lang="en-US"/>
           </a:p>
@@ -13045,7 +13107,7 @@
           <a:p>
             <a:fld id="{5BCAD085-E8A6-8845-BD4E-CB4CCA059FC4}" type="datetimeFigureOut">
               <a:rPr lang="en-US" smtClean="0"/>
-              <a:t>8/25/2024</a:t>
+              <a:t>8/26/2024</a:t>
             </a:fld>
             <a:endParaRPr lang="en-US"/>
           </a:p>
@@ -13290,7 +13352,7 @@
           <a:p>
             <a:fld id="{5BCAD085-E8A6-8845-BD4E-CB4CCA059FC4}" type="datetimeFigureOut">
               <a:rPr lang="en-US" smtClean="0"/>
-              <a:t>8/25/2024</a:t>
+              <a:t>8/26/2024</a:t>
             </a:fld>
             <a:endParaRPr lang="en-US"/>
           </a:p>
@@ -13575,7 +13637,7 @@
           <a:p>
             <a:fld id="{5BCAD085-E8A6-8845-BD4E-CB4CCA059FC4}" type="datetimeFigureOut">
               <a:rPr lang="en-US" smtClean="0"/>
-              <a:t>8/25/2024</a:t>
+              <a:t>8/26/2024</a:t>
             </a:fld>
             <a:endParaRPr lang="en-US"/>
           </a:p>
@@ -13994,7 +14056,7 @@
           <a:p>
             <a:fld id="{5BCAD085-E8A6-8845-BD4E-CB4CCA059FC4}" type="datetimeFigureOut">
               <a:rPr lang="en-US" smtClean="0"/>
-              <a:t>8/25/2024</a:t>
+              <a:t>8/26/2024</a:t>
             </a:fld>
             <a:endParaRPr lang="en-US"/>
           </a:p>
@@ -14111,7 +14173,7 @@
           <a:p>
             <a:fld id="{5BCAD085-E8A6-8845-BD4E-CB4CCA059FC4}" type="datetimeFigureOut">
               <a:rPr lang="en-US" smtClean="0"/>
-              <a:t>8/25/2024</a:t>
+              <a:t>8/26/2024</a:t>
             </a:fld>
             <a:endParaRPr lang="en-US"/>
           </a:p>
@@ -14206,7 +14268,7 @@
           <a:p>
             <a:fld id="{5BCAD085-E8A6-8845-BD4E-CB4CCA059FC4}" type="datetimeFigureOut">
               <a:rPr lang="en-US" smtClean="0"/>
-              <a:t>8/25/2024</a:t>
+              <a:t>8/26/2024</a:t>
             </a:fld>
             <a:endParaRPr lang="en-US"/>
           </a:p>
@@ -14481,7 +14543,7 @@
           <a:p>
             <a:fld id="{5BCAD085-E8A6-8845-BD4E-CB4CCA059FC4}" type="datetimeFigureOut">
               <a:rPr lang="en-US" smtClean="0"/>
-              <a:t>8/25/2024</a:t>
+              <a:t>8/26/2024</a:t>
             </a:fld>
             <a:endParaRPr lang="en-US"/>
           </a:p>
@@ -14733,7 +14795,7 @@
           <a:p>
             <a:fld id="{5BCAD085-E8A6-8845-BD4E-CB4CCA059FC4}" type="datetimeFigureOut">
               <a:rPr lang="en-US" smtClean="0"/>
-              <a:t>8/25/2024</a:t>
+              <a:t>8/26/2024</a:t>
             </a:fld>
             <a:endParaRPr lang="en-US"/>
           </a:p>
@@ -14944,7 +15006,7 @@
           <a:p>
             <a:fld id="{5BCAD085-E8A6-8845-BD4E-CB4CCA059FC4}" type="datetimeFigureOut">
               <a:rPr lang="en-US" smtClean="0"/>
-              <a:t>8/25/2024</a:t>
+              <a:t>8/26/2024</a:t>
             </a:fld>
             <a:endParaRPr lang="en-US"/>
           </a:p>
@@ -15587,10 +15649,10 @@
       </p:grpSpPr>
       <p:sp useBgFill="1">
         <p:nvSpPr>
-          <p:cNvPr id="42" name="Rectangle 41">
+          <p:cNvPr id="55" name="Rectangle 54">
             <a:extLst>
               <a:ext uri="{FF2B5EF4-FFF2-40B4-BE49-F238E27FC236}">
-                <a16:creationId xmlns:a16="http://schemas.microsoft.com/office/drawing/2014/main" id="{DBC6133C-0615-4CE4-9132-37E609A9BDFA}"/>
+                <a16:creationId xmlns:a16="http://schemas.microsoft.com/office/drawing/2014/main" id="{2EB492CD-616E-47F8-933B-5E2D952A0593}"/>
               </a:ext>
               <a:ext uri="{C183D7F6-B498-43B3-948B-1728B52AA6E4}">
                 <adec:decorative xmlns:adec="http://schemas.microsoft.com/office/drawing/2017/decorative" val="1"/>
@@ -15608,10 +15670,10 @@
             </p:extLst>
           </p:nvPr>
         </p:nvSpPr>
-        <p:spPr>
+        <p:spPr bwMode="white">
           <a:xfrm>
             <a:off x="0" y="0"/>
-            <a:ext cx="9143999" cy="6857365"/>
+            <a:ext cx="9144000" cy="6858000"/>
           </a:xfrm>
           <a:prstGeom prst="rect">
             <a:avLst/>
@@ -15638,7 +15700,101 @@
         </p:style>
         <p:txBody>
           <a:bodyPr rtlCol="0" anchor="ctr"/>
-          <a:lstStyle/>
+          <a:lstStyle>
+            <a:defPPr>
+              <a:defRPr lang="en-US"/>
+            </a:defPPr>
+            <a:lvl1pPr marL="0" algn="l" defTabSz="914400" rtl="0" eaLnBrk="1" latinLnBrk="0" hangingPunct="1">
+              <a:defRPr sz="1800" kern="1200">
+                <a:solidFill>
+                  <a:schemeClr val="lt1"/>
+                </a:solidFill>
+                <a:latin typeface="+mn-lt"/>
+                <a:ea typeface="+mn-ea"/>
+                <a:cs typeface="+mn-cs"/>
+              </a:defRPr>
+            </a:lvl1pPr>
+            <a:lvl2pPr marL="457200" algn="l" defTabSz="914400" rtl="0" eaLnBrk="1" latinLnBrk="0" hangingPunct="1">
+              <a:defRPr sz="1800" kern="1200">
+                <a:solidFill>
+                  <a:schemeClr val="lt1"/>
+                </a:solidFill>
+                <a:latin typeface="+mn-lt"/>
+                <a:ea typeface="+mn-ea"/>
+                <a:cs typeface="+mn-cs"/>
+              </a:defRPr>
+            </a:lvl2pPr>
+            <a:lvl3pPr marL="914400" algn="l" defTabSz="914400" rtl="0" eaLnBrk="1" latinLnBrk="0" hangingPunct="1">
+              <a:defRPr sz="1800" kern="1200">
+                <a:solidFill>
+                  <a:schemeClr val="lt1"/>
+                </a:solidFill>
+                <a:latin typeface="+mn-lt"/>
+                <a:ea typeface="+mn-ea"/>
+                <a:cs typeface="+mn-cs"/>
+              </a:defRPr>
+            </a:lvl3pPr>
+            <a:lvl4pPr marL="1371600" algn="l" defTabSz="914400" rtl="0" eaLnBrk="1" latinLnBrk="0" hangingPunct="1">
+              <a:defRPr sz="1800" kern="1200">
+                <a:solidFill>
+                  <a:schemeClr val="lt1"/>
+                </a:solidFill>
+                <a:latin typeface="+mn-lt"/>
+                <a:ea typeface="+mn-ea"/>
+                <a:cs typeface="+mn-cs"/>
+              </a:defRPr>
+            </a:lvl4pPr>
+            <a:lvl5pPr marL="1828800" algn="l" defTabSz="914400" rtl="0" eaLnBrk="1" latinLnBrk="0" hangingPunct="1">
+              <a:defRPr sz="1800" kern="1200">
+                <a:solidFill>
+                  <a:schemeClr val="lt1"/>
+                </a:solidFill>
+                <a:latin typeface="+mn-lt"/>
+                <a:ea typeface="+mn-ea"/>
+                <a:cs typeface="+mn-cs"/>
+              </a:defRPr>
+            </a:lvl5pPr>
+            <a:lvl6pPr marL="2286000" algn="l" defTabSz="914400" rtl="0" eaLnBrk="1" latinLnBrk="0" hangingPunct="1">
+              <a:defRPr sz="1800" kern="1200">
+                <a:solidFill>
+                  <a:schemeClr val="lt1"/>
+                </a:solidFill>
+                <a:latin typeface="+mn-lt"/>
+                <a:ea typeface="+mn-ea"/>
+                <a:cs typeface="+mn-cs"/>
+              </a:defRPr>
+            </a:lvl6pPr>
+            <a:lvl7pPr marL="2743200" algn="l" defTabSz="914400" rtl="0" eaLnBrk="1" latinLnBrk="0" hangingPunct="1">
+              <a:defRPr sz="1800" kern="1200">
+                <a:solidFill>
+                  <a:schemeClr val="lt1"/>
+                </a:solidFill>
+                <a:latin typeface="+mn-lt"/>
+                <a:ea typeface="+mn-ea"/>
+                <a:cs typeface="+mn-cs"/>
+              </a:defRPr>
+            </a:lvl7pPr>
+            <a:lvl8pPr marL="3200400" algn="l" defTabSz="914400" rtl="0" eaLnBrk="1" latinLnBrk="0" hangingPunct="1">
+              <a:defRPr sz="1800" kern="1200">
+                <a:solidFill>
+                  <a:schemeClr val="lt1"/>
+                </a:solidFill>
+                <a:latin typeface="+mn-lt"/>
+                <a:ea typeface="+mn-ea"/>
+                <a:cs typeface="+mn-cs"/>
+              </a:defRPr>
+            </a:lvl8pPr>
+            <a:lvl9pPr marL="3657600" algn="l" defTabSz="914400" rtl="0" eaLnBrk="1" latinLnBrk="0" hangingPunct="1">
+              <a:defRPr sz="1800" kern="1200">
+                <a:solidFill>
+                  <a:schemeClr val="lt1"/>
+                </a:solidFill>
+                <a:latin typeface="+mn-lt"/>
+                <a:ea typeface="+mn-ea"/>
+                <a:cs typeface="+mn-cs"/>
+              </a:defRPr>
+            </a:lvl9pPr>
+          </a:lstStyle>
           <a:p>
             <a:pPr algn="ctr"/>
             <a:endParaRPr lang="en-US"/>
@@ -15647,44 +15803,10 @@
       </p:sp>
       <p:sp>
         <p:nvSpPr>
-          <p:cNvPr id="2" name="Title 1"/>
-          <p:cNvSpPr>
-            <a:spLocks noGrp="1"/>
-          </p:cNvSpPr>
-          <p:nvPr>
-            <p:ph type="title"/>
-          </p:nvPr>
-        </p:nvSpPr>
-        <p:spPr>
-          <a:xfrm>
-            <a:off x="483798" y="525982"/>
-            <a:ext cx="3212237" cy="1200361"/>
-          </a:xfrm>
-        </p:spPr>
-        <p:txBody>
-          <a:bodyPr anchor="b">
-            <a:normAutofit/>
-          </a:bodyPr>
-          <a:lstStyle/>
-          <a:p>
-            <a:pPr>
-              <a:lnSpc>
-                <a:spcPct val="90000"/>
-              </a:lnSpc>
-            </a:pPr>
-            <a:r>
-              <a:rPr lang="en-US" sz="2600"/>
-              <a:t>Infrastructure as Code with Terraform</a:t>
-            </a:r>
-          </a:p>
-        </p:txBody>
-      </p:sp>
-      <p:sp>
-        <p:nvSpPr>
-          <p:cNvPr id="44" name="Rectangle 43">
+          <p:cNvPr id="57" name="Arc 56">
             <a:extLst>
               <a:ext uri="{FF2B5EF4-FFF2-40B4-BE49-F238E27FC236}">
-                <a16:creationId xmlns:a16="http://schemas.microsoft.com/office/drawing/2014/main" id="{169CC832-2974-4E8D-90ED-3E2941BA7336}"/>
+                <a16:creationId xmlns:a16="http://schemas.microsoft.com/office/drawing/2014/main" id="{59383CF9-23B5-4335-9B21-1791C4CF1C75}"/>
               </a:ext>
               <a:ext uri="{C183D7F6-B498-43B3-948B-1728B52AA6E4}">
                 <adec:decorative xmlns:adec="http://schemas.microsoft.com/office/drawing/2017/decorative" val="1"/>
@@ -15703,13 +15825,212 @@
           </p:nvPr>
         </p:nvSpPr>
         <p:spPr>
+          <a:xfrm rot="3967198" flipH="1">
+            <a:off x="6100024" y="863980"/>
+            <a:ext cx="2987899" cy="2240924"/>
+          </a:xfrm>
+          <a:prstGeom prst="arc">
+            <a:avLst>
+              <a:gd name="adj1" fmla="val 14441841"/>
+              <a:gd name="adj2" fmla="val 0"/>
+            </a:avLst>
+          </a:prstGeom>
+          <a:ln w="127000" cap="rnd">
+            <a:solidFill>
+              <a:schemeClr val="accent4"/>
+            </a:solidFill>
+            <a:prstDash val="dash"/>
+            <a:miter lim="800000"/>
+          </a:ln>
+        </p:spPr>
+        <p:style>
+          <a:lnRef idx="1">
+            <a:schemeClr val="accent1"/>
+          </a:lnRef>
+          <a:fillRef idx="0">
+            <a:schemeClr val="accent1"/>
+          </a:fillRef>
+          <a:effectRef idx="0">
+            <a:schemeClr val="accent1"/>
+          </a:effectRef>
+          <a:fontRef idx="minor">
+            <a:schemeClr val="tx1"/>
+          </a:fontRef>
+        </p:style>
+        <p:txBody>
+          <a:bodyPr rtlCol="0" anchor="ctr"/>
+          <a:lstStyle/>
+          <a:p>
+            <a:pPr marL="0" marR="0" lvl="0" indent="0" algn="ctr" defTabSz="914400" rtl="0" eaLnBrk="1" fontAlgn="auto" latinLnBrk="0" hangingPunct="1">
+              <a:lnSpc>
+                <a:spcPct val="100000"/>
+              </a:lnSpc>
+              <a:spcBef>
+                <a:spcPts val="0"/>
+              </a:spcBef>
+              <a:spcAft>
+                <a:spcPts val="0"/>
+              </a:spcAft>
+              <a:buClrTx/>
+              <a:buSzTx/>
+              <a:buFontTx/>
+              <a:buNone/>
+              <a:tabLst/>
+              <a:defRPr/>
+            </a:pPr>
+            <a:endParaRPr kumimoji="0" lang="en-US" sz="1800" b="0" i="0" u="none" strike="noStrike" kern="1200" cap="none" spc="0" normalizeH="0" baseline="0" noProof="0">
+              <a:ln>
+                <a:noFill/>
+              </a:ln>
+              <a:solidFill>
+                <a:srgbClr val="000000"/>
+              </a:solidFill>
+              <a:effectLst/>
+              <a:uLnTx/>
+              <a:uFillTx/>
+              <a:latin typeface="Calibri" panose="020F0502020204030204"/>
+              <a:ea typeface="+mn-ea"/>
+              <a:cs typeface="+mn-cs"/>
+            </a:endParaRPr>
+          </a:p>
+        </p:txBody>
+      </p:sp>
+      <p:sp>
+        <p:nvSpPr>
+          <p:cNvPr id="2" name="Title 1"/>
+          <p:cNvSpPr>
+            <a:spLocks noGrp="1"/>
+          </p:cNvSpPr>
+          <p:nvPr>
+            <p:ph type="title"/>
+          </p:nvPr>
+        </p:nvSpPr>
+        <p:spPr>
+          <a:xfrm>
+            <a:off x="2374156" y="382268"/>
+            <a:ext cx="4094129" cy="1325563"/>
+          </a:xfrm>
+        </p:spPr>
+        <p:txBody>
+          <a:bodyPr>
+            <a:normAutofit/>
+          </a:bodyPr>
+          <a:lstStyle/>
+          <a:p>
+            <a:pPr>
+              <a:lnSpc>
+                <a:spcPct val="90000"/>
+              </a:lnSpc>
+            </a:pPr>
+            <a:r>
+              <a:rPr lang="en-US" sz="3400" dirty="0"/>
+              <a:t>Infrastructure as Code with Terraform</a:t>
+            </a:r>
+          </a:p>
+        </p:txBody>
+      </p:sp>
+      <p:sp>
+        <p:nvSpPr>
+          <p:cNvPr id="59" name="Freeform: Shape 58">
+            <a:extLst>
+              <a:ext uri="{FF2B5EF4-FFF2-40B4-BE49-F238E27FC236}">
+                <a16:creationId xmlns:a16="http://schemas.microsoft.com/office/drawing/2014/main" id="{0007FE00-9498-4706-B255-6437B0252C02}"/>
+              </a:ext>
+              <a:ext uri="{C183D7F6-B498-43B3-948B-1728B52AA6E4}">
+                <adec:decorative xmlns:adec="http://schemas.microsoft.com/office/drawing/2017/decorative" val="1"/>
+              </a:ext>
+            </a:extLst>
+          </p:cNvPr>
+          <p:cNvSpPr>
+            <a:spLocks noGrp="1" noRot="1" noChangeAspect="1" noMove="1" noResize="1" noEditPoints="1" noAdjustHandles="1" noChangeArrowheads="1" noChangeShapeType="1" noTextEdit="1"/>
+          </p:cNvSpPr>
+          <p:nvPr>
+            <p:extLst>
+              <p:ext uri="{386F3935-93C4-4BCD-93E2-E3B085C9AB24}">
+                <p16:designElem xmlns:p16="http://schemas.microsoft.com/office/powerpoint/2015/main" val="1"/>
+              </p:ext>
+            </p:extLst>
+          </p:nvPr>
+        </p:nvSpPr>
+        <p:spPr>
           <a:xfrm flipH="1">
-            <a:off x="462399" y="1944913"/>
-            <a:ext cx="3017520" cy="27432"/>
+            <a:off x="0" y="5486400"/>
+            <a:ext cx="2004647" cy="1371600"/>
           </a:xfrm>
-          <a:prstGeom prst="rect">
+          <a:custGeom>
             <a:avLst/>
-          </a:prstGeom>
+            <a:gdLst>
+              <a:gd name="connsiteX0" fmla="*/ 1721734 w 2672863"/>
+              <a:gd name="connsiteY0" fmla="*/ 0 h 1371600"/>
+              <a:gd name="connsiteX1" fmla="*/ 2564444 w 2672863"/>
+              <a:gd name="connsiteY1" fmla="*/ 213382 h 1371600"/>
+              <a:gd name="connsiteX2" fmla="*/ 2672863 w 2672863"/>
+              <a:gd name="connsiteY2" fmla="*/ 279248 h 1371600"/>
+              <a:gd name="connsiteX3" fmla="*/ 2672863 w 2672863"/>
+              <a:gd name="connsiteY3" fmla="*/ 1371600 h 1371600"/>
+              <a:gd name="connsiteX4" fmla="*/ 0 w 2672863"/>
+              <a:gd name="connsiteY4" fmla="*/ 1371600 h 1371600"/>
+              <a:gd name="connsiteX5" fmla="*/ 33268 w 2672863"/>
+              <a:gd name="connsiteY5" fmla="*/ 1242216 h 1371600"/>
+              <a:gd name="connsiteX6" fmla="*/ 1721734 w 2672863"/>
+              <a:gd name="connsiteY6" fmla="*/ 0 h 1371600"/>
+            </a:gdLst>
+            <a:ahLst/>
+            <a:cxnLst>
+              <a:cxn ang="0">
+                <a:pos x="connsiteX0" y="connsiteY0"/>
+              </a:cxn>
+              <a:cxn ang="0">
+                <a:pos x="connsiteX1" y="connsiteY1"/>
+              </a:cxn>
+              <a:cxn ang="0">
+                <a:pos x="connsiteX2" y="connsiteY2"/>
+              </a:cxn>
+              <a:cxn ang="0">
+                <a:pos x="connsiteX3" y="connsiteY3"/>
+              </a:cxn>
+              <a:cxn ang="0">
+                <a:pos x="connsiteX4" y="connsiteY4"/>
+              </a:cxn>
+              <a:cxn ang="0">
+                <a:pos x="connsiteX5" y="connsiteY5"/>
+              </a:cxn>
+              <a:cxn ang="0">
+                <a:pos x="connsiteX6" y="connsiteY6"/>
+              </a:cxn>
+            </a:cxnLst>
+            <a:rect l="l" t="t" r="r" b="b"/>
+            <a:pathLst>
+              <a:path w="2672863" h="1371600">
+                <a:moveTo>
+                  <a:pt x="1721734" y="0"/>
+                </a:moveTo>
+                <a:cubicBezTo>
+                  <a:pt x="2026863" y="0"/>
+                  <a:pt x="2313937" y="77299"/>
+                  <a:pt x="2564444" y="213382"/>
+                </a:cubicBezTo>
+                <a:lnTo>
+                  <a:pt x="2672863" y="279248"/>
+                </a:lnTo>
+                <a:lnTo>
+                  <a:pt x="2672863" y="1371600"/>
+                </a:lnTo>
+                <a:lnTo>
+                  <a:pt x="0" y="1371600"/>
+                </a:lnTo>
+                <a:lnTo>
+                  <a:pt x="33268" y="1242216"/>
+                </a:lnTo>
+                <a:cubicBezTo>
+                  <a:pt x="257110" y="522539"/>
+                  <a:pt x="928399" y="0"/>
+                  <a:pt x="1721734" y="0"/>
+                </a:cubicBezTo>
+                <a:close/>
+              </a:path>
+            </a:pathLst>
+          </a:custGeom>
           <a:solidFill>
             <a:schemeClr val="accent4"/>
           </a:solidFill>
@@ -15734,334 +16055,9 @@
           </a:fontRef>
         </p:style>
         <p:txBody>
-          <a:bodyPr rtlCol="0" anchor="ctr"/>
-          <a:lstStyle/>
-          <a:p>
-            <a:pPr algn="ctr"/>
-            <a:endParaRPr lang="en-US"/>
-          </a:p>
-        </p:txBody>
-      </p:sp>
-      <p:sp>
-        <p:nvSpPr>
-          <p:cNvPr id="3" name="Content Placeholder 2"/>
-          <p:cNvSpPr>
-            <a:spLocks noGrp="1"/>
-          </p:cNvSpPr>
-          <p:nvPr>
-            <p:ph idx="1"/>
-          </p:nvPr>
-        </p:nvSpPr>
-        <p:spPr>
-          <a:xfrm>
-            <a:off x="483799" y="2031101"/>
-            <a:ext cx="3212238" cy="3511943"/>
-          </a:xfrm>
-        </p:spPr>
-        <p:txBody>
-          <a:bodyPr anchor="ctr">
-            <a:normAutofit/>
+          <a:bodyPr wrap="square" rtlCol="0" anchor="ctr">
+            <a:noAutofit/>
           </a:bodyPr>
-          <a:lstStyle/>
-          <a:p>
-            <a:pPr>
-              <a:lnSpc>
-                <a:spcPct val="90000"/>
-              </a:lnSpc>
-              <a:defRPr sz="1800"/>
-            </a:pPr>
-            <a:r>
-              <a:rPr lang="en-US" sz="1500" dirty="0"/>
-              <a:t>Terraform for </a:t>
-            </a:r>
-            <a:r>
-              <a:rPr lang="en-US" sz="1500"/>
-              <a:t>IaC</a:t>
-            </a:r>
-            <a:r>
-              <a:rPr lang="en-US" sz="1500" dirty="0"/>
-              <a:t>:</a:t>
-            </a:r>
-          </a:p>
-          <a:p>
-            <a:pPr lvl="1">
-              <a:lnSpc>
-                <a:spcPct val="90000"/>
-              </a:lnSpc>
-              <a:defRPr sz="1800"/>
-            </a:pPr>
-            <a:r>
-              <a:rPr lang="en-US" sz="1500"/>
-              <a:t>IaC</a:t>
-            </a:r>
-            <a:r>
-              <a:rPr lang="en-US" sz="1500" dirty="0"/>
-              <a:t>: Automate consistent infrastructure deployment.</a:t>
-            </a:r>
-          </a:p>
-          <a:p>
-            <a:pPr lvl="1">
-              <a:lnSpc>
-                <a:spcPct val="90000"/>
-              </a:lnSpc>
-              <a:defRPr sz="1800"/>
-            </a:pPr>
-            <a:r>
-              <a:rPr lang="en-US" sz="1500" dirty="0"/>
-              <a:t>Why Terraform: Cross-cloud, version control, and efficient provisioning.</a:t>
-            </a:r>
-          </a:p>
-          <a:p>
-            <a:pPr>
-              <a:lnSpc>
-                <a:spcPct val="90000"/>
-              </a:lnSpc>
-              <a:defRPr sz="1800"/>
-            </a:pPr>
-            <a:r>
-              <a:rPr lang="en-US" sz="1500" dirty="0"/>
-              <a:t>Key Elements:</a:t>
-            </a:r>
-          </a:p>
-          <a:p>
-            <a:pPr lvl="1">
-              <a:lnSpc>
-                <a:spcPct val="90000"/>
-              </a:lnSpc>
-              <a:defRPr sz="1800"/>
-            </a:pPr>
-            <a:r>
-              <a:rPr lang="en-US" sz="1500" dirty="0"/>
-              <a:t>EC2: Automate VM provisioning.</a:t>
-            </a:r>
-          </a:p>
-          <a:p>
-            <a:pPr lvl="1">
-              <a:lnSpc>
-                <a:spcPct val="90000"/>
-              </a:lnSpc>
-              <a:defRPr sz="1800"/>
-            </a:pPr>
-            <a:r>
-              <a:rPr lang="en-US" sz="1500" dirty="0"/>
-              <a:t>ECS: Manage Docker containers.</a:t>
-            </a:r>
-          </a:p>
-          <a:p>
-            <a:pPr lvl="1">
-              <a:lnSpc>
-                <a:spcPct val="90000"/>
-              </a:lnSpc>
-              <a:defRPr sz="1800"/>
-            </a:pPr>
-            <a:r>
-              <a:rPr lang="en-US" sz="1500" dirty="0"/>
-              <a:t>Networking: Manage security groups, VPCs.</a:t>
-            </a:r>
-          </a:p>
-          <a:p>
-            <a:pPr>
-              <a:lnSpc>
-                <a:spcPct val="90000"/>
-              </a:lnSpc>
-              <a:defRPr sz="1800"/>
-            </a:pPr>
-            <a:r>
-              <a:rPr lang="en-US" sz="1500" dirty="0"/>
-              <a:t>Benefits: Faster, consistent, and collaborative deployments.</a:t>
-            </a:r>
-          </a:p>
-        </p:txBody>
-      </p:sp>
-      <p:sp>
-        <p:nvSpPr>
-          <p:cNvPr id="46" name="Rectangle 45">
-            <a:extLst>
-              <a:ext uri="{FF2B5EF4-FFF2-40B4-BE49-F238E27FC236}">
-                <a16:creationId xmlns:a16="http://schemas.microsoft.com/office/drawing/2014/main" id="{55222F96-971A-4F90-B841-6BAB416C7AC1}"/>
-              </a:ext>
-              <a:ext uri="{C183D7F6-B498-43B3-948B-1728B52AA6E4}">
-                <adec:decorative xmlns:adec="http://schemas.microsoft.com/office/drawing/2017/decorative" val="1"/>
-              </a:ext>
-            </a:extLst>
-          </p:cNvPr>
-          <p:cNvSpPr>
-            <a:spLocks noGrp="1" noRot="1" noChangeAspect="1" noMove="1" noResize="1" noEditPoints="1" noAdjustHandles="1" noChangeArrowheads="1" noChangeShapeType="1" noTextEdit="1"/>
-          </p:cNvSpPr>
-          <p:nvPr>
-            <p:extLst>
-              <p:ext uri="{386F3935-93C4-4BCD-93E2-E3B085C9AB24}">
-                <p16:designElem xmlns:p16="http://schemas.microsoft.com/office/powerpoint/2015/main" val="1"/>
-              </p:ext>
-            </p:extLst>
-          </p:nvPr>
-        </p:nvSpPr>
-        <p:spPr>
-          <a:xfrm rot="5400000">
-            <a:off x="-261965" y="6072626"/>
-            <a:ext cx="740664" cy="115593"/>
-          </a:xfrm>
-          <a:prstGeom prst="rect">
-            <a:avLst/>
-          </a:prstGeom>
-          <a:solidFill>
-            <a:schemeClr val="accent4"/>
-          </a:solidFill>
-          <a:ln>
-            <a:noFill/>
-          </a:ln>
-        </p:spPr>
-        <p:style>
-          <a:lnRef idx="2">
-            <a:schemeClr val="accent1">
-              <a:shade val="50000"/>
-            </a:schemeClr>
-          </a:lnRef>
-          <a:fillRef idx="1">
-            <a:schemeClr val="accent1"/>
-          </a:fillRef>
-          <a:effectRef idx="0">
-            <a:schemeClr val="accent1"/>
-          </a:effectRef>
-          <a:fontRef idx="minor">
-            <a:schemeClr val="lt1"/>
-          </a:fontRef>
-        </p:style>
-        <p:txBody>
-          <a:bodyPr rtlCol="0" anchor="ctr"/>
-          <a:lstStyle/>
-          <a:p>
-            <a:pPr algn="ctr"/>
-            <a:endParaRPr lang="en-US"/>
-          </a:p>
-        </p:txBody>
-      </p:sp>
-      <p:sp>
-        <p:nvSpPr>
-          <p:cNvPr id="48" name="Rectangle 47">
-            <a:extLst>
-              <a:ext uri="{FF2B5EF4-FFF2-40B4-BE49-F238E27FC236}">
-                <a16:creationId xmlns:a16="http://schemas.microsoft.com/office/drawing/2014/main" id="{08980754-6F4B-43C9-B9BE-127B6BED6586}"/>
-              </a:ext>
-              <a:ext uri="{C183D7F6-B498-43B3-948B-1728B52AA6E4}">
-                <adec:decorative xmlns:adec="http://schemas.microsoft.com/office/drawing/2017/decorative" val="1"/>
-              </a:ext>
-            </a:extLst>
-          </p:cNvPr>
-          <p:cNvSpPr>
-            <a:spLocks noGrp="1" noRot="1" noChangeAspect="1" noMove="1" noResize="1" noEditPoints="1" noAdjustHandles="1" noChangeArrowheads="1" noChangeShapeType="1" noTextEdit="1"/>
-          </p:cNvSpPr>
-          <p:nvPr>
-            <p:extLst>
-              <p:ext uri="{386F3935-93C4-4BCD-93E2-E3B085C9AB24}">
-                <p16:designElem xmlns:p16="http://schemas.microsoft.com/office/powerpoint/2015/main" val="1"/>
-              </p:ext>
-            </p:extLst>
-          </p:nvPr>
-        </p:nvSpPr>
-        <p:spPr>
-          <a:xfrm rot="5400000">
-            <a:off x="4336109" y="1694387"/>
-            <a:ext cx="740664" cy="8875118"/>
-          </a:xfrm>
-          <a:prstGeom prst="rect">
-            <a:avLst/>
-          </a:prstGeom>
-          <a:solidFill>
-            <a:schemeClr val="accent4"/>
-          </a:solidFill>
-          <a:ln>
-            <a:noFill/>
-          </a:ln>
-        </p:spPr>
-        <p:style>
-          <a:lnRef idx="2">
-            <a:schemeClr val="accent1">
-              <a:shade val="50000"/>
-            </a:schemeClr>
-          </a:lnRef>
-          <a:fillRef idx="1">
-            <a:schemeClr val="accent1"/>
-          </a:fillRef>
-          <a:effectRef idx="0">
-            <a:schemeClr val="accent1"/>
-          </a:effectRef>
-          <a:fontRef idx="minor">
-            <a:schemeClr val="lt1"/>
-          </a:fontRef>
-        </p:style>
-        <p:txBody>
-          <a:bodyPr rtlCol="0" anchor="ctr"/>
-          <a:lstStyle/>
-          <a:p>
-            <a:pPr algn="ctr"/>
-            <a:endParaRPr lang="en-US"/>
-          </a:p>
-        </p:txBody>
-      </p:sp>
-      <p:sp>
-        <p:nvSpPr>
-          <p:cNvPr id="50" name="Rectangle 49">
-            <a:extLst>
-              <a:ext uri="{FF2B5EF4-FFF2-40B4-BE49-F238E27FC236}">
-                <a16:creationId xmlns:a16="http://schemas.microsoft.com/office/drawing/2014/main" id="{2C1BBA94-3F40-40AA-8BB9-E69E25E537C1}"/>
-              </a:ext>
-              <a:ext uri="{C183D7F6-B498-43B3-948B-1728B52AA6E4}">
-                <adec:decorative xmlns:adec="http://schemas.microsoft.com/office/drawing/2017/decorative" val="1"/>
-              </a:ext>
-            </a:extLst>
-          </p:cNvPr>
-          <p:cNvSpPr>
-            <a:spLocks noGrp="1" noRot="1" noChangeAspect="1" noMove="1" noResize="1" noEditPoints="1" noAdjustHandles="1" noChangeArrowheads="1" noChangeShapeType="1" noTextEdit="1"/>
-          </p:cNvSpPr>
-          <p:nvPr>
-            <p:extLst>
-              <p:ext uri="{386F3935-93C4-4BCD-93E2-E3B085C9AB24}">
-                <p16:designElem xmlns:p16="http://schemas.microsoft.com/office/powerpoint/2015/main" val="1"/>
-              </p:ext>
-            </p:extLst>
-          </p:nvPr>
-        </p:nvSpPr>
-        <p:spPr>
-          <a:xfrm>
-            <a:off x="4272594" y="354959"/>
-            <a:ext cx="4638730" cy="5915212"/>
-          </a:xfrm>
-          <a:prstGeom prst="rect">
-            <a:avLst/>
-          </a:prstGeom>
-          <a:solidFill>
-            <a:schemeClr val="bg1"/>
-          </a:solidFill>
-          <a:ln>
-            <a:noFill/>
-          </a:ln>
-          <a:effectLst>
-            <a:outerShdw blurRad="139700" dist="127000" dir="5400000" algn="t" rotWithShape="0">
-              <a:prstClr val="black">
-                <a:alpha val="15000"/>
-              </a:prstClr>
-            </a:outerShdw>
-          </a:effectLst>
-        </p:spPr>
-        <p:style>
-          <a:lnRef idx="2">
-            <a:schemeClr val="accent1">
-              <a:shade val="50000"/>
-            </a:schemeClr>
-          </a:lnRef>
-          <a:fillRef idx="1">
-            <a:schemeClr val="accent1"/>
-          </a:fillRef>
-          <a:effectRef idx="0">
-            <a:schemeClr val="accent1"/>
-          </a:effectRef>
-          <a:fontRef idx="minor">
-            <a:schemeClr val="lt1"/>
-          </a:fontRef>
-        </p:style>
-        <p:txBody>
-          <a:bodyPr rtlCol="0" anchor="ctr"/>
           <a:lstStyle/>
           <a:p>
             <a:pPr algn="ctr"/>
@@ -16091,14 +16087,225 @@
         </p:blipFill>
         <p:spPr>
           <a:xfrm>
-            <a:off x="4273813" y="2227750"/>
-            <a:ext cx="4637511" cy="2402500"/>
+            <a:off x="2185091" y="4066529"/>
+            <a:ext cx="5220544" cy="2701630"/>
           </a:xfrm>
-          <a:prstGeom prst="rect">
+          <a:custGeom>
             <a:avLst/>
-          </a:prstGeom>
+            <a:gdLst/>
+            <a:ahLst/>
+            <a:cxnLst/>
+            <a:rect l="l" t="t" r="r" b="b"/>
+            <a:pathLst>
+              <a:path w="4777381" h="5643794">
+                <a:moveTo>
+                  <a:pt x="143704" y="0"/>
+                </a:moveTo>
+                <a:lnTo>
+                  <a:pt x="4633677" y="0"/>
+                </a:lnTo>
+                <a:cubicBezTo>
+                  <a:pt x="4713043" y="0"/>
+                  <a:pt x="4777381" y="64338"/>
+                  <a:pt x="4777381" y="143704"/>
+                </a:cubicBezTo>
+                <a:lnTo>
+                  <a:pt x="4777381" y="5500090"/>
+                </a:lnTo>
+                <a:cubicBezTo>
+                  <a:pt x="4777381" y="5579456"/>
+                  <a:pt x="4713043" y="5643794"/>
+                  <a:pt x="4633677" y="5643794"/>
+                </a:cubicBezTo>
+                <a:lnTo>
+                  <a:pt x="143704" y="5643794"/>
+                </a:lnTo>
+                <a:cubicBezTo>
+                  <a:pt x="64338" y="5643794"/>
+                  <a:pt x="0" y="5579456"/>
+                  <a:pt x="0" y="5500090"/>
+                </a:cubicBezTo>
+                <a:lnTo>
+                  <a:pt x="0" y="143704"/>
+                </a:lnTo>
+                <a:cubicBezTo>
+                  <a:pt x="0" y="64338"/>
+                  <a:pt x="64338" y="0"/>
+                  <a:pt x="143704" y="0"/>
+                </a:cubicBezTo>
+                <a:close/>
+              </a:path>
+            </a:pathLst>
+          </a:custGeom>
         </p:spPr>
       </p:pic>
+      <p:sp>
+        <p:nvSpPr>
+          <p:cNvPr id="3" name="Content Placeholder 2"/>
+          <p:cNvSpPr>
+            <a:spLocks noGrp="1"/>
+          </p:cNvSpPr>
+          <p:nvPr>
+            <p:ph idx="1"/>
+          </p:nvPr>
+        </p:nvSpPr>
+        <p:spPr>
+          <a:xfrm>
+            <a:off x="627006" y="1613253"/>
+            <a:ext cx="6966967" cy="2478528"/>
+          </a:xfrm>
+        </p:spPr>
+        <p:txBody>
+          <a:bodyPr>
+            <a:normAutofit/>
+          </a:bodyPr>
+          <a:lstStyle/>
+          <a:p>
+            <a:pPr>
+              <a:lnSpc>
+                <a:spcPct val="90000"/>
+              </a:lnSpc>
+              <a:defRPr sz="1800"/>
+            </a:pPr>
+            <a:r>
+              <a:rPr lang="en-US" sz="1400" dirty="0"/>
+              <a:t>Terraform for </a:t>
+            </a:r>
+            <a:r>
+              <a:rPr lang="en-US" sz="1400" dirty="0" err="1"/>
+              <a:t>IaC</a:t>
+            </a:r>
+            <a:r>
+              <a:rPr lang="en-US" sz="1400" dirty="0"/>
+              <a:t>:</a:t>
+            </a:r>
+          </a:p>
+          <a:p>
+            <a:pPr lvl="1">
+              <a:lnSpc>
+                <a:spcPct val="90000"/>
+              </a:lnSpc>
+              <a:defRPr sz="1800"/>
+            </a:pPr>
+            <a:r>
+              <a:rPr lang="en-US" sz="1400" dirty="0" err="1"/>
+              <a:t>IaC</a:t>
+            </a:r>
+            <a:r>
+              <a:rPr lang="en-US" sz="1400" dirty="0"/>
+              <a:t>: Automate consistent infrastructure deployment.</a:t>
+            </a:r>
+          </a:p>
+          <a:p>
+            <a:pPr lvl="1">
+              <a:lnSpc>
+                <a:spcPct val="90000"/>
+              </a:lnSpc>
+              <a:defRPr sz="1800"/>
+            </a:pPr>
+            <a:r>
+              <a:rPr lang="en-US" sz="1400" dirty="0"/>
+              <a:t>Why Terraform: Cross-cloud, version control, and efficient provisioning.</a:t>
+            </a:r>
+          </a:p>
+          <a:p>
+            <a:pPr>
+              <a:lnSpc>
+                <a:spcPct val="90000"/>
+              </a:lnSpc>
+              <a:defRPr sz="1800"/>
+            </a:pPr>
+            <a:r>
+              <a:rPr lang="en-US" sz="1400" dirty="0"/>
+              <a:t>Key Elements: </a:t>
+            </a:r>
+          </a:p>
+          <a:p>
+            <a:pPr lvl="1">
+              <a:lnSpc>
+                <a:spcPct val="90000"/>
+              </a:lnSpc>
+              <a:defRPr sz="1800"/>
+            </a:pPr>
+            <a:r>
+              <a:rPr lang="en-US" sz="1400" dirty="0"/>
+              <a:t>EC2: Provisioned by Terraform for backend compute.</a:t>
+            </a:r>
+          </a:p>
+          <a:p>
+            <a:pPr lvl="1">
+              <a:lnSpc>
+                <a:spcPct val="90000"/>
+              </a:lnSpc>
+              <a:defRPr sz="1800"/>
+            </a:pPr>
+            <a:r>
+              <a:rPr lang="en-US" sz="1400" dirty="0"/>
+              <a:t>ECS &amp; ALB: Docker containers deployed with load balancing. </a:t>
+            </a:r>
+          </a:p>
+          <a:p>
+            <a:pPr lvl="1">
+              <a:lnSpc>
+                <a:spcPct val="90000"/>
+              </a:lnSpc>
+              <a:defRPr sz="1800"/>
+            </a:pPr>
+            <a:r>
+              <a:rPr lang="en-US" sz="1400" dirty="0" err="1"/>
+              <a:t>CodePipeline</a:t>
+            </a:r>
+            <a:r>
+              <a:rPr lang="en-US" sz="1400" dirty="0"/>
+              <a:t>, </a:t>
+            </a:r>
+            <a:r>
+              <a:rPr lang="en-US" sz="1400" dirty="0" err="1"/>
+              <a:t>CodeCommit</a:t>
+            </a:r>
+            <a:r>
+              <a:rPr lang="en-US" sz="1400" dirty="0"/>
+              <a:t>, and ECR: CI/CD with container storage. </a:t>
+            </a:r>
+          </a:p>
+          <a:p>
+            <a:pPr lvl="1">
+              <a:lnSpc>
+                <a:spcPct val="90000"/>
+              </a:lnSpc>
+              <a:defRPr sz="1800"/>
+            </a:pPr>
+            <a:r>
+              <a:rPr lang="en-US" sz="1400" dirty="0"/>
+              <a:t>CloudWatch: Real-time monitoring of infrastructure. </a:t>
+            </a:r>
+          </a:p>
+          <a:p>
+            <a:pPr lvl="1">
+              <a:lnSpc>
+                <a:spcPct val="90000"/>
+              </a:lnSpc>
+              <a:defRPr sz="1800"/>
+            </a:pPr>
+            <a:r>
+              <a:rPr lang="en-US" sz="1400" dirty="0"/>
+              <a:t>KMS &amp; ACM: Automated encryption and SSL certificate management.</a:t>
+            </a:r>
+          </a:p>
+          <a:p>
+            <a:pPr>
+              <a:lnSpc>
+                <a:spcPct val="90000"/>
+              </a:lnSpc>
+              <a:defRPr sz="1800"/>
+            </a:pPr>
+            <a:r>
+              <a:rPr lang="en-US" sz="1400" dirty="0"/>
+              <a:t>Benefits: Faster, consistent, and collaborative deployments.</a:t>
+            </a:r>
+          </a:p>
+        </p:txBody>
+      </p:sp>
     </p:spTree>
   </p:cSld>
   <p:clrMapOvr>
@@ -16134,689 +16341,10 @@
       </p:grpSpPr>
       <p:sp useBgFill="1">
         <p:nvSpPr>
-          <p:cNvPr id="10" name="Rectangle 9">
+          <p:cNvPr id="19" name="Rectangle 18">
             <a:extLst>
               <a:ext uri="{FF2B5EF4-FFF2-40B4-BE49-F238E27FC236}">
-                <a16:creationId xmlns:a16="http://schemas.microsoft.com/office/drawing/2014/main" id="{9D25F302-27C5-414F-97F8-6EA0A6C028BA}"/>
-              </a:ext>
-              <a:ext uri="{C183D7F6-B498-43B3-948B-1728B52AA6E4}">
-                <adec:decorative xmlns:adec="http://schemas.microsoft.com/office/drawing/2017/decorative" val="1"/>
-              </a:ext>
-            </a:extLst>
-          </p:cNvPr>
-          <p:cNvSpPr>
-            <a:spLocks noGrp="1" noRot="1" noChangeAspect="1" noMove="1" noResize="1" noEditPoints="1" noAdjustHandles="1" noChangeArrowheads="1" noChangeShapeType="1" noTextEdit="1"/>
-          </p:cNvSpPr>
-          <p:nvPr>
-            <p:extLst>
-              <p:ext uri="{386F3935-93C4-4BCD-93E2-E3B085C9AB24}">
-                <p16:designElem xmlns:p16="http://schemas.microsoft.com/office/powerpoint/2015/main" val="1"/>
-              </p:ext>
-            </p:extLst>
-          </p:nvPr>
-        </p:nvSpPr>
-        <p:spPr>
-          <a:xfrm>
-            <a:off x="0" y="0"/>
-            <a:ext cx="9144000" cy="6858000"/>
-          </a:xfrm>
-          <a:prstGeom prst="rect">
-            <a:avLst/>
-          </a:prstGeom>
-          <a:ln>
-            <a:noFill/>
-          </a:ln>
-        </p:spPr>
-        <p:style>
-          <a:lnRef idx="2">
-            <a:schemeClr val="accent1">
-              <a:shade val="50000"/>
-            </a:schemeClr>
-          </a:lnRef>
-          <a:fillRef idx="1">
-            <a:schemeClr val="accent1"/>
-          </a:fillRef>
-          <a:effectRef idx="0">
-            <a:schemeClr val="accent1"/>
-          </a:effectRef>
-          <a:fontRef idx="minor">
-            <a:schemeClr val="lt1"/>
-          </a:fontRef>
-        </p:style>
-        <p:txBody>
-          <a:bodyPr rtlCol="0" anchor="ctr"/>
-          <a:lstStyle/>
-          <a:p>
-            <a:pPr algn="ctr"/>
-            <a:endParaRPr lang="en-US"/>
-          </a:p>
-        </p:txBody>
-      </p:sp>
-      <p:sp>
-        <p:nvSpPr>
-          <p:cNvPr id="12" name="Right Triangle 11">
-            <a:extLst>
-              <a:ext uri="{FF2B5EF4-FFF2-40B4-BE49-F238E27FC236}">
-                <a16:creationId xmlns:a16="http://schemas.microsoft.com/office/drawing/2014/main" id="{830A36F8-48C2-4842-A87B-8CE8DF4E7FD2}"/>
-              </a:ext>
-              <a:ext uri="{C183D7F6-B498-43B3-948B-1728B52AA6E4}">
-                <adec:decorative xmlns:adec="http://schemas.microsoft.com/office/drawing/2017/decorative" val="1"/>
-              </a:ext>
-            </a:extLst>
-          </p:cNvPr>
-          <p:cNvSpPr>
-            <a:spLocks noGrp="1" noRot="1" noChangeAspect="1" noMove="1" noResize="1" noEditPoints="1" noAdjustHandles="1" noChangeArrowheads="1" noChangeShapeType="1" noTextEdit="1"/>
-          </p:cNvSpPr>
-          <p:nvPr>
-            <p:extLst>
-              <p:ext uri="{386F3935-93C4-4BCD-93E2-E3B085C9AB24}">
-                <p16:designElem xmlns:p16="http://schemas.microsoft.com/office/powerpoint/2015/main" val="1"/>
-              </p:ext>
-            </p:extLst>
-          </p:nvPr>
-        </p:nvSpPr>
-        <p:spPr>
-          <a:xfrm flipH="1">
-            <a:off x="6432540" y="3335867"/>
-            <a:ext cx="2468880" cy="3200400"/>
-          </a:xfrm>
-          <a:prstGeom prst="rtTriangle">
-            <a:avLst/>
-          </a:prstGeom>
-          <a:solidFill>
-            <a:schemeClr val="accent4"/>
-          </a:solidFill>
-          <a:ln>
-            <a:noFill/>
-          </a:ln>
-        </p:spPr>
-        <p:style>
-          <a:lnRef idx="2">
-            <a:schemeClr val="accent1">
-              <a:shade val="50000"/>
-            </a:schemeClr>
-          </a:lnRef>
-          <a:fillRef idx="1">
-            <a:schemeClr val="accent1"/>
-          </a:fillRef>
-          <a:effectRef idx="0">
-            <a:schemeClr val="accent1"/>
-          </a:effectRef>
-          <a:fontRef idx="minor">
-            <a:schemeClr val="lt1"/>
-          </a:fontRef>
-        </p:style>
-        <p:txBody>
-          <a:bodyPr rtlCol="0" anchor="ctr"/>
-          <a:lstStyle/>
-          <a:p>
-            <a:pPr algn="ctr"/>
-            <a:endParaRPr lang="en-US" dirty="0"/>
-          </a:p>
-        </p:txBody>
-      </p:sp>
-      <p:sp>
-        <p:nvSpPr>
-          <p:cNvPr id="14" name="Rectangle 13">
-            <a:extLst>
-              <a:ext uri="{FF2B5EF4-FFF2-40B4-BE49-F238E27FC236}">
-                <a16:creationId xmlns:a16="http://schemas.microsoft.com/office/drawing/2014/main" id="{8F451A30-466B-4996-9BA5-CD6ABCC6D558}"/>
-              </a:ext>
-              <a:ext uri="{C183D7F6-B498-43B3-948B-1728B52AA6E4}">
-                <adec:decorative xmlns:adec="http://schemas.microsoft.com/office/drawing/2017/decorative" val="1"/>
-              </a:ext>
-            </a:extLst>
-          </p:cNvPr>
-          <p:cNvSpPr>
-            <a:spLocks noGrp="1" noRot="1" noChangeAspect="1" noMove="1" noResize="1" noEditPoints="1" noAdjustHandles="1" noChangeArrowheads="1" noChangeShapeType="1" noTextEdit="1"/>
-          </p:cNvSpPr>
-          <p:nvPr>
-            <p:extLst>
-              <p:ext uri="{386F3935-93C4-4BCD-93E2-E3B085C9AB24}">
-                <p16:designElem xmlns:p16="http://schemas.microsoft.com/office/powerpoint/2015/main" val="1"/>
-              </p:ext>
-            </p:extLst>
-          </p:nvPr>
-        </p:nvSpPr>
-        <p:spPr>
-          <a:xfrm>
-            <a:off x="481330" y="623275"/>
-            <a:ext cx="8178790" cy="5607882"/>
-          </a:xfrm>
-          <a:prstGeom prst="rect">
-            <a:avLst/>
-          </a:prstGeom>
-          <a:noFill/>
-          <a:ln w="19050">
-            <a:solidFill>
-              <a:schemeClr val="tx1">
-                <a:lumMod val="75000"/>
-                <a:lumOff val="25000"/>
-              </a:schemeClr>
-            </a:solidFill>
-          </a:ln>
-        </p:spPr>
-        <p:style>
-          <a:lnRef idx="2">
-            <a:schemeClr val="accent1">
-              <a:shade val="50000"/>
-            </a:schemeClr>
-          </a:lnRef>
-          <a:fillRef idx="1">
-            <a:schemeClr val="accent1"/>
-          </a:fillRef>
-          <a:effectRef idx="0">
-            <a:schemeClr val="accent1"/>
-          </a:effectRef>
-          <a:fontRef idx="minor">
-            <a:schemeClr val="lt1"/>
-          </a:fontRef>
-        </p:style>
-        <p:txBody>
-          <a:bodyPr rtlCol="0" anchor="ctr"/>
-          <a:lstStyle/>
-          <a:p>
-            <a:pPr algn="ctr"/>
-            <a:endParaRPr lang="en-US"/>
-          </a:p>
-        </p:txBody>
-      </p:sp>
-      <p:sp>
-        <p:nvSpPr>
-          <p:cNvPr id="2" name="Title 1"/>
-          <p:cNvSpPr>
-            <a:spLocks noGrp="1"/>
-          </p:cNvSpPr>
-          <p:nvPr>
-            <p:ph type="title"/>
-          </p:nvPr>
-        </p:nvSpPr>
-        <p:spPr>
-          <a:xfrm>
-            <a:off x="966978" y="3415754"/>
-            <a:ext cx="7103967" cy="1137111"/>
-          </a:xfrm>
-        </p:spPr>
-        <p:txBody>
-          <a:bodyPr>
-            <a:normAutofit/>
-          </a:bodyPr>
-          <a:lstStyle/>
-          <a:p>
-            <a:pPr>
-              <a:lnSpc>
-                <a:spcPct val="90000"/>
-              </a:lnSpc>
-            </a:pPr>
-            <a:r>
-              <a:rPr lang="en-US" sz="4000"/>
-              <a:t>Overview of IBTool Architecture</a:t>
-            </a:r>
-          </a:p>
-        </p:txBody>
-      </p:sp>
-      <p:sp>
-        <p:nvSpPr>
-          <p:cNvPr id="3" name="Content Placeholder 2"/>
-          <p:cNvSpPr>
-            <a:spLocks noGrp="1"/>
-          </p:cNvSpPr>
-          <p:nvPr>
-            <p:ph idx="1"/>
-          </p:nvPr>
-        </p:nvSpPr>
-        <p:spPr>
-          <a:xfrm>
-            <a:off x="724397" y="4433947"/>
-            <a:ext cx="6683567" cy="1700956"/>
-          </a:xfrm>
-        </p:spPr>
-        <p:txBody>
-          <a:bodyPr anchor="t">
-            <a:normAutofit fontScale="92500" lnSpcReduction="10000"/>
-          </a:bodyPr>
-          <a:lstStyle/>
-          <a:p>
-            <a:pPr>
-              <a:lnSpc>
-                <a:spcPct val="90000"/>
-              </a:lnSpc>
-              <a:defRPr sz="1800"/>
-            </a:pPr>
-            <a:r>
-              <a:rPr lang="en-US" sz="1600" dirty="0"/>
-              <a:t>On-Premises Setup: Hosted on local servers using Docker containers for frontend, backend, and database.</a:t>
-            </a:r>
-          </a:p>
-          <a:p>
-            <a:pPr>
-              <a:lnSpc>
-                <a:spcPct val="90000"/>
-              </a:lnSpc>
-              <a:defRPr sz="1800"/>
-            </a:pPr>
-            <a:r>
-              <a:rPr lang="en-US" sz="1600" dirty="0"/>
-              <a:t>Monolithic Design: All services running together.</a:t>
-            </a:r>
-          </a:p>
-          <a:p>
-            <a:pPr>
-              <a:lnSpc>
-                <a:spcPct val="90000"/>
-              </a:lnSpc>
-              <a:defRPr sz="1800"/>
-            </a:pPr>
-            <a:r>
-              <a:rPr lang="en-US" sz="1600" dirty="0"/>
-              <a:t>Tech Stack:</a:t>
-            </a:r>
-          </a:p>
-          <a:p>
-            <a:pPr lvl="1">
-              <a:lnSpc>
-                <a:spcPct val="90000"/>
-              </a:lnSpc>
-              <a:defRPr sz="1800"/>
-            </a:pPr>
-            <a:r>
-              <a:rPr lang="en-US" sz="1600" dirty="0"/>
-              <a:t>Frontend: HTML, CSS, JS (</a:t>
-            </a:r>
-            <a:r>
-              <a:rPr lang="en-US" sz="1600" dirty="0" err="1"/>
-              <a:t>DevExtreme</a:t>
-            </a:r>
-            <a:r>
-              <a:rPr lang="en-US" sz="1600" dirty="0"/>
-              <a:t>).</a:t>
-            </a:r>
-          </a:p>
-          <a:p>
-            <a:pPr lvl="1">
-              <a:lnSpc>
-                <a:spcPct val="90000"/>
-              </a:lnSpc>
-              <a:defRPr sz="1800"/>
-            </a:pPr>
-            <a:r>
-              <a:rPr lang="en-US" sz="1600" dirty="0"/>
-              <a:t>Backend: Node.js, Express.js.</a:t>
-            </a:r>
-          </a:p>
-          <a:p>
-            <a:pPr lvl="1">
-              <a:lnSpc>
-                <a:spcPct val="90000"/>
-              </a:lnSpc>
-              <a:defRPr sz="1800"/>
-            </a:pPr>
-            <a:r>
-              <a:rPr lang="en-US" sz="1600" dirty="0"/>
-              <a:t>Database: MongoDB.</a:t>
-            </a:r>
-          </a:p>
-        </p:txBody>
-      </p:sp>
-    </p:spTree>
-  </p:cSld>
-  <p:clrMapOvr>
-    <a:masterClrMapping/>
-  </p:clrMapOvr>
-</p:sld>
-</file>
-
-<file path=ppt/slides/slide12.xml><?xml version="1.0" encoding="utf-8"?>
-<p:sld xmlns:a="http://schemas.openxmlformats.org/drawingml/2006/main" xmlns:r="http://schemas.openxmlformats.org/officeDocument/2006/relationships" xmlns:p="http://schemas.openxmlformats.org/presentationml/2006/main">
-  <p:cSld>
-    <p:bg>
-      <p:bgPr>
-        <a:solidFill>
-          <a:schemeClr val="bg1"/>
-        </a:solidFill>
-        <a:effectLst/>
-      </p:bgPr>
-    </p:bg>
-    <p:spTree>
-      <p:nvGrpSpPr>
-        <p:cNvPr id="1" name=""/>
-        <p:cNvGrpSpPr/>
-        <p:nvPr/>
-      </p:nvGrpSpPr>
-      <p:grpSpPr>
-        <a:xfrm>
-          <a:off x="0" y="0"/>
-          <a:ext cx="0" cy="0"/>
-          <a:chOff x="0" y="0"/>
-          <a:chExt cx="0" cy="0"/>
-        </a:xfrm>
-      </p:grpSpPr>
-      <p:sp useBgFill="1">
-        <p:nvSpPr>
-          <p:cNvPr id="37" name="Rectangle 36">
-            <a:extLst>
-              <a:ext uri="{FF2B5EF4-FFF2-40B4-BE49-F238E27FC236}">
-                <a16:creationId xmlns:a16="http://schemas.microsoft.com/office/drawing/2014/main" id="{081EA652-8C6A-4E69-BEB9-170809474553}"/>
-              </a:ext>
-              <a:ext uri="{C183D7F6-B498-43B3-948B-1728B52AA6E4}">
-                <adec:decorative xmlns:adec="http://schemas.microsoft.com/office/drawing/2017/decorative" val="1"/>
-              </a:ext>
-            </a:extLst>
-          </p:cNvPr>
-          <p:cNvSpPr>
-            <a:spLocks noGrp="1" noRot="1" noChangeAspect="1" noMove="1" noResize="1" noEditPoints="1" noAdjustHandles="1" noChangeArrowheads="1" noChangeShapeType="1" noTextEdit="1"/>
-          </p:cNvSpPr>
-          <p:nvPr>
-            <p:extLst>
-              <p:ext uri="{386F3935-93C4-4BCD-93E2-E3B085C9AB24}">
-                <p16:designElem xmlns:p16="http://schemas.microsoft.com/office/powerpoint/2015/main" val="1"/>
-              </p:ext>
-            </p:extLst>
-          </p:nvPr>
-        </p:nvSpPr>
-        <p:spPr>
-          <a:xfrm>
-            <a:off x="0" y="0"/>
-            <a:ext cx="9144000" cy="6858000"/>
-          </a:xfrm>
-          <a:prstGeom prst="rect">
-            <a:avLst/>
-          </a:prstGeom>
-          <a:ln>
-            <a:noFill/>
-          </a:ln>
-        </p:spPr>
-        <p:style>
-          <a:lnRef idx="2">
-            <a:schemeClr val="accent1">
-              <a:shade val="50000"/>
-            </a:schemeClr>
-          </a:lnRef>
-          <a:fillRef idx="1">
-            <a:schemeClr val="accent1"/>
-          </a:fillRef>
-          <a:effectRef idx="0">
-            <a:schemeClr val="accent1"/>
-          </a:effectRef>
-          <a:fontRef idx="minor">
-            <a:schemeClr val="lt1"/>
-          </a:fontRef>
-        </p:style>
-        <p:txBody>
-          <a:bodyPr rtlCol="0" anchor="ctr"/>
-          <a:lstStyle/>
-          <a:p>
-            <a:pPr algn="ctr"/>
-            <a:endParaRPr lang="en-US"/>
-          </a:p>
-        </p:txBody>
-      </p:sp>
-      <p:sp>
-        <p:nvSpPr>
-          <p:cNvPr id="39" name="Right Triangle 38">
-            <a:extLst>
-              <a:ext uri="{FF2B5EF4-FFF2-40B4-BE49-F238E27FC236}">
-                <a16:creationId xmlns:a16="http://schemas.microsoft.com/office/drawing/2014/main" id="{5298780A-33B9-4EA2-8F67-DE68AD62841B}"/>
-              </a:ext>
-              <a:ext uri="{C183D7F6-B498-43B3-948B-1728B52AA6E4}">
-                <adec:decorative xmlns:adec="http://schemas.microsoft.com/office/drawing/2017/decorative" val="1"/>
-              </a:ext>
-            </a:extLst>
-          </p:cNvPr>
-          <p:cNvSpPr>
-            <a:spLocks noGrp="1" noRot="1" noChangeAspect="1" noMove="1" noResize="1" noEditPoints="1" noAdjustHandles="1" noChangeArrowheads="1" noChangeShapeType="1" noTextEdit="1"/>
-          </p:cNvSpPr>
-          <p:nvPr>
-            <p:extLst>
-              <p:ext uri="{386F3935-93C4-4BCD-93E2-E3B085C9AB24}">
-                <p16:designElem xmlns:p16="http://schemas.microsoft.com/office/powerpoint/2015/main" val="1"/>
-              </p:ext>
-            </p:extLst>
-          </p:nvPr>
-        </p:nvSpPr>
-        <p:spPr>
-          <a:xfrm flipH="1">
-            <a:off x="6432540" y="3335867"/>
-            <a:ext cx="2468880" cy="3200400"/>
-          </a:xfrm>
-          <a:prstGeom prst="rtTriangle">
-            <a:avLst/>
-          </a:prstGeom>
-          <a:solidFill>
-            <a:schemeClr val="accent4"/>
-          </a:solidFill>
-          <a:ln>
-            <a:noFill/>
-          </a:ln>
-        </p:spPr>
-        <p:style>
-          <a:lnRef idx="2">
-            <a:schemeClr val="accent1">
-              <a:shade val="50000"/>
-            </a:schemeClr>
-          </a:lnRef>
-          <a:fillRef idx="1">
-            <a:schemeClr val="accent1"/>
-          </a:fillRef>
-          <a:effectRef idx="0">
-            <a:schemeClr val="accent1"/>
-          </a:effectRef>
-          <a:fontRef idx="minor">
-            <a:schemeClr val="lt1"/>
-          </a:fontRef>
-        </p:style>
-        <p:txBody>
-          <a:bodyPr rtlCol="0" anchor="ctr"/>
-          <a:lstStyle/>
-          <a:p>
-            <a:pPr algn="ctr"/>
-            <a:endParaRPr lang="en-US" dirty="0"/>
-          </a:p>
-        </p:txBody>
-      </p:sp>
-      <p:sp>
-        <p:nvSpPr>
-          <p:cNvPr id="41" name="Rectangle 40">
-            <a:extLst>
-              <a:ext uri="{FF2B5EF4-FFF2-40B4-BE49-F238E27FC236}">
-                <a16:creationId xmlns:a16="http://schemas.microsoft.com/office/drawing/2014/main" id="{7F488E8B-4E1E-4402-8935-D4E6C02615C7}"/>
-              </a:ext>
-              <a:ext uri="{C183D7F6-B498-43B3-948B-1728B52AA6E4}">
-                <adec:decorative xmlns:adec="http://schemas.microsoft.com/office/drawing/2017/decorative" val="1"/>
-              </a:ext>
-            </a:extLst>
-          </p:cNvPr>
-          <p:cNvSpPr>
-            <a:spLocks noGrp="1" noRot="1" noChangeAspect="1" noMove="1" noResize="1" noEditPoints="1" noAdjustHandles="1" noChangeArrowheads="1" noChangeShapeType="1" noTextEdit="1"/>
-          </p:cNvSpPr>
-          <p:nvPr>
-            <p:extLst>
-              <p:ext uri="{386F3935-93C4-4BCD-93E2-E3B085C9AB24}">
-                <p16:designElem xmlns:p16="http://schemas.microsoft.com/office/powerpoint/2015/main" val="1"/>
-              </p:ext>
-            </p:extLst>
-          </p:nvPr>
-        </p:nvSpPr>
-        <p:spPr>
-          <a:xfrm>
-            <a:off x="481330" y="623275"/>
-            <a:ext cx="8178790" cy="5607882"/>
-          </a:xfrm>
-          <a:prstGeom prst="rect">
-            <a:avLst/>
-          </a:prstGeom>
-          <a:noFill/>
-          <a:ln w="19050">
-            <a:solidFill>
-              <a:schemeClr val="tx1">
-                <a:lumMod val="75000"/>
-                <a:lumOff val="25000"/>
-              </a:schemeClr>
-            </a:solidFill>
-          </a:ln>
-        </p:spPr>
-        <p:style>
-          <a:lnRef idx="2">
-            <a:schemeClr val="accent1">
-              <a:shade val="50000"/>
-            </a:schemeClr>
-          </a:lnRef>
-          <a:fillRef idx="1">
-            <a:schemeClr val="accent1"/>
-          </a:fillRef>
-          <a:effectRef idx="0">
-            <a:schemeClr val="accent1"/>
-          </a:effectRef>
-          <a:fontRef idx="minor">
-            <a:schemeClr val="lt1"/>
-          </a:fontRef>
-        </p:style>
-        <p:txBody>
-          <a:bodyPr rtlCol="0" anchor="ctr"/>
-          <a:lstStyle/>
-          <a:p>
-            <a:pPr algn="ctr"/>
-            <a:endParaRPr lang="en-US"/>
-          </a:p>
-        </p:txBody>
-      </p:sp>
-      <p:sp>
-        <p:nvSpPr>
-          <p:cNvPr id="2" name="Title 1"/>
-          <p:cNvSpPr>
-            <a:spLocks noGrp="1"/>
-          </p:cNvSpPr>
-          <p:nvPr>
-            <p:ph type="title"/>
-          </p:nvPr>
-        </p:nvSpPr>
-        <p:spPr>
-          <a:xfrm>
-            <a:off x="857913" y="862362"/>
-            <a:ext cx="7186157" cy="1618489"/>
-          </a:xfrm>
-        </p:spPr>
-        <p:txBody>
-          <a:bodyPr anchor="ctr">
-            <a:normAutofit/>
-          </a:bodyPr>
-          <a:lstStyle/>
-          <a:p>
-            <a:pPr>
-              <a:lnSpc>
-                <a:spcPct val="90000"/>
-              </a:lnSpc>
-            </a:pPr>
-            <a:r>
-              <a:rPr lang="en-US" sz="5400" dirty="0"/>
-              <a:t>Key Features of </a:t>
-            </a:r>
-            <a:r>
-              <a:rPr lang="en-US" sz="5400" dirty="0" err="1"/>
-              <a:t>IBTool</a:t>
-            </a:r>
-            <a:endParaRPr lang="en-US" sz="5400" dirty="0"/>
-          </a:p>
-        </p:txBody>
-      </p:sp>
-      <p:sp>
-        <p:nvSpPr>
-          <p:cNvPr id="3" name="Content Placeholder 2"/>
-          <p:cNvSpPr>
-            <a:spLocks noGrp="1"/>
-          </p:cNvSpPr>
-          <p:nvPr>
-            <p:ph idx="1"/>
-          </p:nvPr>
-        </p:nvSpPr>
-        <p:spPr>
-          <a:xfrm>
-            <a:off x="963930" y="2550532"/>
-            <a:ext cx="6056111" cy="2800395"/>
-          </a:xfrm>
-        </p:spPr>
-        <p:txBody>
-          <a:bodyPr anchor="t">
-            <a:normAutofit/>
-          </a:bodyPr>
-          <a:lstStyle/>
-          <a:p>
-            <a:pPr>
-              <a:defRPr sz="1800"/>
-            </a:pPr>
-            <a:r>
-              <a:rPr lang="en-US" sz="2100" dirty="0"/>
-              <a:t>Core Functions:</a:t>
-            </a:r>
-          </a:p>
-          <a:p>
-            <a:pPr lvl="1">
-              <a:defRPr sz="1800"/>
-            </a:pPr>
-            <a:r>
-              <a:rPr lang="en-US" sz="2100" dirty="0"/>
-              <a:t>Complaint Management: Centralized tracking.</a:t>
-            </a:r>
-          </a:p>
-          <a:p>
-            <a:pPr lvl="1">
-              <a:defRPr sz="1800"/>
-            </a:pPr>
-            <a:r>
-              <a:rPr lang="en-US" sz="2100" dirty="0"/>
-              <a:t>CRUD Operations: Create, read, update, delete complaints.</a:t>
-            </a:r>
-          </a:p>
-          <a:p>
-            <a:pPr lvl="1">
-              <a:defRPr sz="1800"/>
-            </a:pPr>
-            <a:r>
-              <a:rPr lang="en-US" sz="2100" dirty="0"/>
-              <a:t>Automated Workflows: Notifications based on complaint status.</a:t>
-            </a:r>
-          </a:p>
-        </p:txBody>
-      </p:sp>
-    </p:spTree>
-  </p:cSld>
-  <p:clrMapOvr>
-    <a:masterClrMapping/>
-  </p:clrMapOvr>
-</p:sld>
-</file>
-
-<file path=ppt/slides/slide13.xml><?xml version="1.0" encoding="utf-8"?>
-<p:sld xmlns:a="http://schemas.openxmlformats.org/drawingml/2006/main" xmlns:r="http://schemas.openxmlformats.org/officeDocument/2006/relationships" xmlns:p="http://schemas.openxmlformats.org/presentationml/2006/main">
-  <p:cSld>
-    <p:bg>
-      <p:bgPr>
-        <a:solidFill>
-          <a:schemeClr val="bg1"/>
-        </a:solidFill>
-        <a:effectLst/>
-      </p:bgPr>
-    </p:bg>
-    <p:spTree>
-      <p:nvGrpSpPr>
-        <p:cNvPr id="1" name=""/>
-        <p:cNvGrpSpPr/>
-        <p:nvPr/>
-      </p:nvGrpSpPr>
-      <p:grpSpPr>
-        <a:xfrm>
-          <a:off x="0" y="0"/>
-          <a:ext cx="0" cy="0"/>
-          <a:chOff x="0" y="0"/>
-          <a:chExt cx="0" cy="0"/>
-        </a:xfrm>
-      </p:grpSpPr>
-      <p:sp useBgFill="1">
-        <p:nvSpPr>
-          <p:cNvPr id="21" name="Rectangle 20">
-            <a:extLst>
-              <a:ext uri="{FF2B5EF4-FFF2-40B4-BE49-F238E27FC236}">
-                <a16:creationId xmlns:a16="http://schemas.microsoft.com/office/drawing/2014/main" id="{FFB60E8C-7224-44A4-87A0-46A1711DD2ED}"/>
+                <a16:creationId xmlns:a16="http://schemas.microsoft.com/office/drawing/2014/main" id="{3AD318CC-E2A8-4E27-9548-A047A78999B1}"/>
               </a:ext>
               <a:ext uri="{C183D7F6-B498-43B3-948B-1728B52AA6E4}">
                 <adec:decorative xmlns:adec="http://schemas.microsoft.com/office/drawing/2017/decorative" val="1"/>
@@ -16883,505 +16411,6 @@
         </p:nvSpPr>
         <p:spPr>
           <a:xfrm>
-            <a:off x="596646" y="386930"/>
-            <a:ext cx="7606349" cy="1300554"/>
-          </a:xfrm>
-        </p:spPr>
-        <p:txBody>
-          <a:bodyPr anchor="b">
-            <a:normAutofit/>
-          </a:bodyPr>
-          <a:lstStyle/>
-          <a:p>
-            <a:r>
-              <a:rPr lang="en-US" sz="4200"/>
-              <a:t>Technical Stack and Components</a:t>
-            </a:r>
-          </a:p>
-        </p:txBody>
-      </p:sp>
-      <p:sp>
-        <p:nvSpPr>
-          <p:cNvPr id="23" name="Rectangle 22">
-            <a:extLst>
-              <a:ext uri="{FF2B5EF4-FFF2-40B4-BE49-F238E27FC236}">
-                <a16:creationId xmlns:a16="http://schemas.microsoft.com/office/drawing/2014/main" id="{5DA32751-37A2-45C0-BE94-63D375E27003}"/>
-              </a:ext>
-              <a:ext uri="{C183D7F6-B498-43B3-948B-1728B52AA6E4}">
-                <adec:decorative xmlns:adec="http://schemas.microsoft.com/office/drawing/2017/decorative" val="1"/>
-              </a:ext>
-            </a:extLst>
-          </p:cNvPr>
-          <p:cNvSpPr>
-            <a:spLocks noGrp="1" noRot="1" noChangeAspect="1" noMove="1" noResize="1" noEditPoints="1" noAdjustHandles="1" noChangeArrowheads="1" noChangeShapeType="1" noTextEdit="1"/>
-          </p:cNvSpPr>
-          <p:nvPr>
-            <p:extLst>
-              <p:ext uri="{386F3935-93C4-4BCD-93E2-E3B085C9AB24}">
-                <p16:designElem xmlns:p16="http://schemas.microsoft.com/office/powerpoint/2015/main" val="1"/>
-              </p:ext>
-            </p:extLst>
-          </p:nvPr>
-        </p:nvSpPr>
-        <p:spPr>
-          <a:xfrm flipH="1" flipV="1">
-            <a:off x="-1" y="1998845"/>
-            <a:ext cx="8590945" cy="781699"/>
-          </a:xfrm>
-          <a:prstGeom prst="rect">
-            <a:avLst/>
-          </a:prstGeom>
-          <a:solidFill>
-            <a:schemeClr val="accent4"/>
-          </a:solidFill>
-          <a:ln>
-            <a:noFill/>
-          </a:ln>
-        </p:spPr>
-        <p:style>
-          <a:lnRef idx="2">
-            <a:schemeClr val="accent1">
-              <a:shade val="50000"/>
-            </a:schemeClr>
-          </a:lnRef>
-          <a:fillRef idx="1">
-            <a:schemeClr val="accent1"/>
-          </a:fillRef>
-          <a:effectRef idx="0">
-            <a:schemeClr val="accent1"/>
-          </a:effectRef>
-          <a:fontRef idx="minor">
-            <a:schemeClr val="lt1"/>
-          </a:fontRef>
-        </p:style>
-        <p:txBody>
-          <a:bodyPr rtlCol="0" anchor="ctr"/>
-          <a:lstStyle/>
-          <a:p>
-            <a:pPr algn="ctr"/>
-            <a:endParaRPr lang="en-US"/>
-          </a:p>
-        </p:txBody>
-      </p:sp>
-      <p:sp>
-        <p:nvSpPr>
-          <p:cNvPr id="25" name="Rectangle 24">
-            <a:extLst>
-              <a:ext uri="{FF2B5EF4-FFF2-40B4-BE49-F238E27FC236}">
-                <a16:creationId xmlns:a16="http://schemas.microsoft.com/office/drawing/2014/main" id="{E659831F-0D9A-4C63-9EBB-8435B85A440F}"/>
-              </a:ext>
-              <a:ext uri="{C183D7F6-B498-43B3-948B-1728B52AA6E4}">
-                <adec:decorative xmlns:adec="http://schemas.microsoft.com/office/drawing/2017/decorative" val="1"/>
-              </a:ext>
-            </a:extLst>
-          </p:cNvPr>
-          <p:cNvSpPr>
-            <a:spLocks noGrp="1" noRot="1" noChangeAspect="1" noMove="1" noResize="1" noEditPoints="1" noAdjustHandles="1" noChangeArrowheads="1" noChangeShapeType="1" noTextEdit="1"/>
-          </p:cNvSpPr>
-          <p:nvPr>
-            <p:extLst>
-              <p:ext uri="{386F3935-93C4-4BCD-93E2-E3B085C9AB24}">
-                <p16:designElem xmlns:p16="http://schemas.microsoft.com/office/powerpoint/2015/main" val="1"/>
-              </p:ext>
-            </p:extLst>
-          </p:nvPr>
-        </p:nvSpPr>
-        <p:spPr>
-          <a:xfrm>
-            <a:off x="0" y="2203079"/>
-            <a:ext cx="8537521" cy="4267991"/>
-          </a:xfrm>
-          <a:prstGeom prst="rect">
-            <a:avLst/>
-          </a:prstGeom>
-          <a:solidFill>
-            <a:schemeClr val="bg1"/>
-          </a:solidFill>
-          <a:ln>
-            <a:noFill/>
-          </a:ln>
-          <a:effectLst>
-            <a:outerShdw blurRad="139700" dist="127000" dir="5400000" algn="t" rotWithShape="0">
-              <a:prstClr val="black">
-                <a:alpha val="15000"/>
-              </a:prstClr>
-            </a:outerShdw>
-          </a:effectLst>
-        </p:spPr>
-        <p:style>
-          <a:lnRef idx="2">
-            <a:schemeClr val="accent1">
-              <a:shade val="50000"/>
-            </a:schemeClr>
-          </a:lnRef>
-          <a:fillRef idx="1">
-            <a:schemeClr val="accent1"/>
-          </a:fillRef>
-          <a:effectRef idx="0">
-            <a:schemeClr val="accent1"/>
-          </a:effectRef>
-          <a:fontRef idx="minor">
-            <a:schemeClr val="lt1"/>
-          </a:fontRef>
-        </p:style>
-        <p:txBody>
-          <a:bodyPr rtlCol="0" anchor="ctr"/>
-          <a:lstStyle/>
-          <a:p>
-            <a:pPr algn="ctr"/>
-            <a:endParaRPr lang="en-US"/>
-          </a:p>
-        </p:txBody>
-      </p:sp>
-      <p:pic>
-        <p:nvPicPr>
-          <p:cNvPr id="5" name="Picture 4">
-            <a:extLst>
-              <a:ext uri="{FF2B5EF4-FFF2-40B4-BE49-F238E27FC236}">
-                <a16:creationId xmlns:a16="http://schemas.microsoft.com/office/drawing/2014/main" id="{D4D40875-660A-FBCC-049F-55B5FC79C2AE}"/>
-              </a:ext>
-            </a:extLst>
-          </p:cNvPr>
-          <p:cNvPicPr>
-            <a:picLocks noChangeAspect="1"/>
-          </p:cNvPicPr>
-          <p:nvPr/>
-        </p:nvPicPr>
-        <p:blipFill>
-          <a:blip r:embed="rId3"/>
-          <a:stretch>
-            <a:fillRect/>
-          </a:stretch>
-        </p:blipFill>
-        <p:spPr>
-          <a:xfrm>
-            <a:off x="246496" y="3428682"/>
-            <a:ext cx="4438822" cy="1686751"/>
-          </a:xfrm>
-          <a:prstGeom prst="rect">
-            <a:avLst/>
-          </a:prstGeom>
-        </p:spPr>
-      </p:pic>
-      <p:sp>
-        <p:nvSpPr>
-          <p:cNvPr id="3" name="Content Placeholder 2"/>
-          <p:cNvSpPr>
-            <a:spLocks noGrp="1"/>
-          </p:cNvSpPr>
-          <p:nvPr>
-            <p:ph idx="1"/>
-          </p:nvPr>
-        </p:nvSpPr>
-        <p:spPr>
-          <a:xfrm>
-            <a:off x="4804821" y="2599509"/>
-            <a:ext cx="3398174" cy="3639450"/>
-          </a:xfrm>
-        </p:spPr>
-        <p:txBody>
-          <a:bodyPr anchor="ctr">
-            <a:normAutofit/>
-          </a:bodyPr>
-          <a:lstStyle/>
-          <a:p>
-            <a:pPr>
-              <a:lnSpc>
-                <a:spcPct val="90000"/>
-              </a:lnSpc>
-              <a:defRPr sz="1800"/>
-            </a:pPr>
-            <a:r>
-              <a:rPr lang="en-US" sz="1300" dirty="0"/>
-              <a:t>Frontend:</a:t>
-            </a:r>
-          </a:p>
-          <a:p>
-            <a:pPr lvl="1">
-              <a:lnSpc>
-                <a:spcPct val="90000"/>
-              </a:lnSpc>
-              <a:defRPr sz="1800"/>
-            </a:pPr>
-            <a:r>
-              <a:rPr lang="en-US" sz="1300" dirty="0"/>
-              <a:t>Initial: HTML, CSS, JS (</a:t>
-            </a:r>
-            <a:r>
-              <a:rPr lang="en-US" sz="1300" dirty="0" err="1"/>
-              <a:t>DevExtreme</a:t>
-            </a:r>
-            <a:r>
-              <a:rPr lang="en-US" sz="1300" dirty="0"/>
-              <a:t>).</a:t>
-            </a:r>
-          </a:p>
-          <a:p>
-            <a:pPr lvl="1">
-              <a:lnSpc>
-                <a:spcPct val="90000"/>
-              </a:lnSpc>
-              <a:defRPr sz="1800"/>
-            </a:pPr>
-            <a:r>
-              <a:rPr lang="en-US" sz="1300" dirty="0"/>
-              <a:t>Improvement: Migrated to React for better performance.</a:t>
-            </a:r>
-          </a:p>
-          <a:p>
-            <a:pPr>
-              <a:lnSpc>
-                <a:spcPct val="90000"/>
-              </a:lnSpc>
-              <a:defRPr sz="1800"/>
-            </a:pPr>
-            <a:r>
-              <a:rPr lang="en-US" sz="1300" dirty="0"/>
-              <a:t>Backend:</a:t>
-            </a:r>
-          </a:p>
-          <a:p>
-            <a:pPr lvl="1">
-              <a:lnSpc>
-                <a:spcPct val="90000"/>
-              </a:lnSpc>
-              <a:defRPr sz="1800"/>
-            </a:pPr>
-            <a:r>
-              <a:rPr lang="en-US" sz="1300" dirty="0"/>
-              <a:t>Node.js, Express.js handling API requests.</a:t>
-            </a:r>
-          </a:p>
-          <a:p>
-            <a:pPr lvl="1">
-              <a:lnSpc>
-                <a:spcPct val="90000"/>
-              </a:lnSpc>
-              <a:defRPr sz="1800"/>
-            </a:pPr>
-            <a:r>
-              <a:rPr lang="en-US" sz="1300" dirty="0"/>
-              <a:t>Enhancements: Middleware, caching (Redis).</a:t>
-            </a:r>
-          </a:p>
-          <a:p>
-            <a:pPr>
-              <a:lnSpc>
-                <a:spcPct val="90000"/>
-              </a:lnSpc>
-              <a:defRPr sz="1800"/>
-            </a:pPr>
-            <a:r>
-              <a:rPr lang="en-US" sz="1300" dirty="0"/>
-              <a:t>Database:</a:t>
-            </a:r>
-          </a:p>
-          <a:p>
-            <a:pPr lvl="1">
-              <a:lnSpc>
-                <a:spcPct val="90000"/>
-              </a:lnSpc>
-              <a:defRPr sz="1800"/>
-            </a:pPr>
-            <a:r>
-              <a:rPr lang="en-US" sz="1300" dirty="0"/>
-              <a:t>MongoDB for scalable data storage.</a:t>
-            </a:r>
-          </a:p>
-          <a:p>
-            <a:pPr lvl="1">
-              <a:lnSpc>
-                <a:spcPct val="90000"/>
-              </a:lnSpc>
-              <a:defRPr sz="1800"/>
-            </a:pPr>
-            <a:r>
-              <a:rPr lang="en-US" sz="1300" dirty="0"/>
-              <a:t>Improvements: Indexing for faster queries.</a:t>
-            </a:r>
-          </a:p>
-          <a:p>
-            <a:pPr>
-              <a:lnSpc>
-                <a:spcPct val="90000"/>
-              </a:lnSpc>
-              <a:defRPr sz="1800"/>
-            </a:pPr>
-            <a:r>
-              <a:rPr lang="en-US" sz="1300" dirty="0"/>
-              <a:t>Placeholder for Image: [Technical Stack Diagram or Component Architecture Diagram]</a:t>
-            </a:r>
-          </a:p>
-        </p:txBody>
-      </p:sp>
-      <p:sp>
-        <p:nvSpPr>
-          <p:cNvPr id="27" name="Rectangle 26">
-            <a:extLst>
-              <a:ext uri="{FF2B5EF4-FFF2-40B4-BE49-F238E27FC236}">
-                <a16:creationId xmlns:a16="http://schemas.microsoft.com/office/drawing/2014/main" id="{5A55FBCD-CD42-40F5-8A1B-3203F9CAEEAA}"/>
-              </a:ext>
-              <a:ext uri="{C183D7F6-B498-43B3-948B-1728B52AA6E4}">
-                <adec:decorative xmlns:adec="http://schemas.microsoft.com/office/drawing/2017/decorative" val="1"/>
-              </a:ext>
-            </a:extLst>
-          </p:cNvPr>
-          <p:cNvSpPr>
-            <a:spLocks noGrp="1" noRot="1" noChangeAspect="1" noMove="1" noResize="1" noEditPoints="1" noAdjustHandles="1" noChangeArrowheads="1" noChangeShapeType="1" noTextEdit="1"/>
-          </p:cNvSpPr>
-          <p:nvPr>
-            <p:extLst>
-              <p:ext uri="{386F3935-93C4-4BCD-93E2-E3B085C9AB24}">
-                <p16:designElem xmlns:p16="http://schemas.microsoft.com/office/powerpoint/2015/main" val="1"/>
-              </p:ext>
-            </p:extLst>
-          </p:nvPr>
-        </p:nvSpPr>
-        <p:spPr>
-          <a:xfrm rot="5400000">
-            <a:off x="8323318" y="2332075"/>
-            <a:ext cx="781700" cy="114287"/>
-          </a:xfrm>
-          <a:prstGeom prst="rect">
-            <a:avLst/>
-          </a:prstGeom>
-          <a:solidFill>
-            <a:schemeClr val="accent4"/>
-          </a:solidFill>
-          <a:ln>
-            <a:noFill/>
-          </a:ln>
-        </p:spPr>
-        <p:style>
-          <a:lnRef idx="2">
-            <a:schemeClr val="accent1">
-              <a:shade val="50000"/>
-            </a:schemeClr>
-          </a:lnRef>
-          <a:fillRef idx="1">
-            <a:schemeClr val="accent1"/>
-          </a:fillRef>
-          <a:effectRef idx="0">
-            <a:schemeClr val="accent1"/>
-          </a:effectRef>
-          <a:fontRef idx="minor">
-            <a:schemeClr val="lt1"/>
-          </a:fontRef>
-        </p:style>
-        <p:txBody>
-          <a:bodyPr rtlCol="0" anchor="ctr"/>
-          <a:lstStyle/>
-          <a:p>
-            <a:pPr algn="ctr"/>
-            <a:endParaRPr lang="en-US"/>
-          </a:p>
-        </p:txBody>
-      </p:sp>
-    </p:spTree>
-  </p:cSld>
-  <p:clrMapOvr>
-    <a:masterClrMapping/>
-  </p:clrMapOvr>
-</p:sld>
-</file>
-
-<file path=ppt/slides/slide14.xml><?xml version="1.0" encoding="utf-8"?>
-<p:sld xmlns:a="http://schemas.openxmlformats.org/drawingml/2006/main" xmlns:r="http://schemas.openxmlformats.org/officeDocument/2006/relationships" xmlns:p="http://schemas.openxmlformats.org/presentationml/2006/main">
-  <p:cSld>
-    <p:bg>
-      <p:bgPr>
-        <a:solidFill>
-          <a:schemeClr val="bg1"/>
-        </a:solidFill>
-        <a:effectLst/>
-      </p:bgPr>
-    </p:bg>
-    <p:spTree>
-      <p:nvGrpSpPr>
-        <p:cNvPr id="1" name=""/>
-        <p:cNvGrpSpPr/>
-        <p:nvPr/>
-      </p:nvGrpSpPr>
-      <p:grpSpPr>
-        <a:xfrm>
-          <a:off x="0" y="0"/>
-          <a:ext cx="0" cy="0"/>
-          <a:chOff x="0" y="0"/>
-          <a:chExt cx="0" cy="0"/>
-        </a:xfrm>
-      </p:grpSpPr>
-      <p:sp useBgFill="1">
-        <p:nvSpPr>
-          <p:cNvPr id="19" name="Rectangle 18">
-            <a:extLst>
-              <a:ext uri="{FF2B5EF4-FFF2-40B4-BE49-F238E27FC236}">
-                <a16:creationId xmlns:a16="http://schemas.microsoft.com/office/drawing/2014/main" id="{3AD318CC-E2A8-4E27-9548-A047A78999B1}"/>
-              </a:ext>
-              <a:ext uri="{C183D7F6-B498-43B3-948B-1728B52AA6E4}">
-                <adec:decorative xmlns:adec="http://schemas.microsoft.com/office/drawing/2017/decorative" val="1"/>
-              </a:ext>
-            </a:extLst>
-          </p:cNvPr>
-          <p:cNvSpPr>
-            <a:spLocks noGrp="1" noRot="1" noChangeAspect="1" noMove="1" noResize="1" noEditPoints="1" noAdjustHandles="1" noChangeArrowheads="1" noChangeShapeType="1" noTextEdit="1"/>
-          </p:cNvSpPr>
-          <p:nvPr>
-            <p:extLst>
-              <p:ext uri="{386F3935-93C4-4BCD-93E2-E3B085C9AB24}">
-                <p16:designElem xmlns:p16="http://schemas.microsoft.com/office/powerpoint/2015/main" val="1"/>
-              </p:ext>
-            </p:extLst>
-          </p:nvPr>
-        </p:nvSpPr>
-        <p:spPr>
-          <a:xfrm>
-            <a:off x="0" y="0"/>
-            <a:ext cx="9143999" cy="6857365"/>
-          </a:xfrm>
-          <a:prstGeom prst="rect">
-            <a:avLst/>
-          </a:prstGeom>
-          <a:ln>
-            <a:noFill/>
-          </a:ln>
-        </p:spPr>
-        <p:style>
-          <a:lnRef idx="2">
-            <a:schemeClr val="accent1">
-              <a:shade val="50000"/>
-            </a:schemeClr>
-          </a:lnRef>
-          <a:fillRef idx="1">
-            <a:schemeClr val="accent1"/>
-          </a:fillRef>
-          <a:effectRef idx="0">
-            <a:schemeClr val="accent1"/>
-          </a:effectRef>
-          <a:fontRef idx="minor">
-            <a:schemeClr val="lt1"/>
-          </a:fontRef>
-        </p:style>
-        <p:txBody>
-          <a:bodyPr rtlCol="0" anchor="ctr"/>
-          <a:lstStyle/>
-          <a:p>
-            <a:pPr algn="ctr"/>
-            <a:endParaRPr lang="en-US"/>
-          </a:p>
-        </p:txBody>
-      </p:sp>
-      <p:sp>
-        <p:nvSpPr>
-          <p:cNvPr id="2" name="Title 1"/>
-          <p:cNvSpPr>
-            <a:spLocks noGrp="1"/>
-          </p:cNvSpPr>
-          <p:nvPr>
-            <p:ph type="title"/>
-          </p:nvPr>
-        </p:nvSpPr>
-        <p:spPr>
-          <a:xfrm>
             <a:off x="483798" y="1463040"/>
             <a:ext cx="2847230" cy="2690949"/>
           </a:xfrm>
@@ -17393,8 +16422,16 @@
           <a:lstStyle/>
           <a:p>
             <a:r>
-              <a:rPr lang="en-US" sz="4200"/>
-              <a:t>Motivation for Cloud Migration</a:t>
+              <a:rPr lang="en-US" sz="3900" dirty="0"/>
+              <a:t>Overview of </a:t>
+            </a:r>
+            <a:r>
+              <a:rPr lang="en-US" sz="3900" dirty="0" err="1"/>
+              <a:t>IBTool</a:t>
+            </a:r>
+            <a:r>
+              <a:rPr lang="en-US" sz="3900" dirty="0"/>
+              <a:t> Architecture</a:t>
             </a:r>
           </a:p>
         </p:txBody>
@@ -17546,7 +16583,7 @@
       </p:grpSp>
       <p:sp>
         <p:nvSpPr>
-          <p:cNvPr id="38" name="Rectangle 37">
+          <p:cNvPr id="25" name="Rectangle 24">
             <a:extLst>
               <a:ext uri="{FF2B5EF4-FFF2-40B4-BE49-F238E27FC236}">
                 <a16:creationId xmlns:a16="http://schemas.microsoft.com/office/drawing/2014/main" id="{2C1BBA94-3F40-40AA-8BB9-E69E25E537C1}"/>
@@ -17626,6 +16663,1239 @@
         </p:nvSpPr>
         <p:spPr>
           <a:xfrm>
+            <a:off x="4242163" y="1463039"/>
+            <a:ext cx="4156790" cy="4300447"/>
+          </a:xfrm>
+        </p:spPr>
+        <p:txBody>
+          <a:bodyPr anchor="t">
+            <a:normAutofit/>
+          </a:bodyPr>
+          <a:lstStyle/>
+          <a:p>
+            <a:pPr>
+              <a:defRPr sz="1800"/>
+            </a:pPr>
+            <a:r>
+              <a:rPr lang="en-US" sz="1900"/>
+              <a:t>On-Premises Setup: Hosted on local servers using Docker containers for frontend, backend, and database.</a:t>
+            </a:r>
+          </a:p>
+          <a:p>
+            <a:pPr>
+              <a:defRPr sz="1800"/>
+            </a:pPr>
+            <a:r>
+              <a:rPr lang="en-US" sz="1900"/>
+              <a:t>Monolithic Design: All services running together.</a:t>
+            </a:r>
+          </a:p>
+          <a:p>
+            <a:pPr>
+              <a:defRPr sz="1800"/>
+            </a:pPr>
+            <a:r>
+              <a:rPr lang="en-US" sz="1900"/>
+              <a:t>Tech Stack:</a:t>
+            </a:r>
+          </a:p>
+          <a:p>
+            <a:pPr lvl="1">
+              <a:defRPr sz="1800"/>
+            </a:pPr>
+            <a:r>
+              <a:rPr lang="en-US" sz="1900"/>
+              <a:t>Frontend: HTML, CSS, JS (DevExtreme).</a:t>
+            </a:r>
+          </a:p>
+          <a:p>
+            <a:pPr lvl="1">
+              <a:defRPr sz="1800"/>
+            </a:pPr>
+            <a:r>
+              <a:rPr lang="en-US" sz="1900"/>
+              <a:t>Backend: Node.js, Express.js.</a:t>
+            </a:r>
+          </a:p>
+          <a:p>
+            <a:pPr lvl="1">
+              <a:defRPr sz="1800"/>
+            </a:pPr>
+            <a:r>
+              <a:rPr lang="en-US" sz="1900"/>
+              <a:t>Database: MongoDB.</a:t>
+            </a:r>
+          </a:p>
+        </p:txBody>
+      </p:sp>
+    </p:spTree>
+  </p:cSld>
+  <p:clrMapOvr>
+    <a:masterClrMapping/>
+  </p:clrMapOvr>
+</p:sld>
+</file>
+
+<file path=ppt/slides/slide12.xml><?xml version="1.0" encoding="utf-8"?>
+<p:sld xmlns:a="http://schemas.openxmlformats.org/drawingml/2006/main" xmlns:r="http://schemas.openxmlformats.org/officeDocument/2006/relationships" xmlns:p="http://schemas.openxmlformats.org/presentationml/2006/main">
+  <p:cSld>
+    <p:bg>
+      <p:bgPr>
+        <a:solidFill>
+          <a:schemeClr val="bg1"/>
+        </a:solidFill>
+        <a:effectLst/>
+      </p:bgPr>
+    </p:bg>
+    <p:spTree>
+      <p:nvGrpSpPr>
+        <p:cNvPr id="1" name=""/>
+        <p:cNvGrpSpPr/>
+        <p:nvPr/>
+      </p:nvGrpSpPr>
+      <p:grpSpPr>
+        <a:xfrm>
+          <a:off x="0" y="0"/>
+          <a:ext cx="0" cy="0"/>
+          <a:chOff x="0" y="0"/>
+          <a:chExt cx="0" cy="0"/>
+        </a:xfrm>
+      </p:grpSpPr>
+      <p:sp useBgFill="1">
+        <p:nvSpPr>
+          <p:cNvPr id="37" name="Rectangle 36">
+            <a:extLst>
+              <a:ext uri="{FF2B5EF4-FFF2-40B4-BE49-F238E27FC236}">
+                <a16:creationId xmlns:a16="http://schemas.microsoft.com/office/drawing/2014/main" id="{081EA652-8C6A-4E69-BEB9-170809474553}"/>
+              </a:ext>
+              <a:ext uri="{C183D7F6-B498-43B3-948B-1728B52AA6E4}">
+                <adec:decorative xmlns:adec="http://schemas.microsoft.com/office/drawing/2017/decorative" val="1"/>
+              </a:ext>
+            </a:extLst>
+          </p:cNvPr>
+          <p:cNvSpPr>
+            <a:spLocks noGrp="1" noRot="1" noChangeAspect="1" noMove="1" noResize="1" noEditPoints="1" noAdjustHandles="1" noChangeArrowheads="1" noChangeShapeType="1" noTextEdit="1"/>
+          </p:cNvSpPr>
+          <p:nvPr>
+            <p:extLst>
+              <p:ext uri="{386F3935-93C4-4BCD-93E2-E3B085C9AB24}">
+                <p16:designElem xmlns:p16="http://schemas.microsoft.com/office/powerpoint/2015/main" val="1"/>
+              </p:ext>
+            </p:extLst>
+          </p:nvPr>
+        </p:nvSpPr>
+        <p:spPr>
+          <a:xfrm>
+            <a:off x="0" y="0"/>
+            <a:ext cx="9144000" cy="6858000"/>
+          </a:xfrm>
+          <a:prstGeom prst="rect">
+            <a:avLst/>
+          </a:prstGeom>
+          <a:ln>
+            <a:noFill/>
+          </a:ln>
+        </p:spPr>
+        <p:style>
+          <a:lnRef idx="2">
+            <a:schemeClr val="accent1">
+              <a:shade val="50000"/>
+            </a:schemeClr>
+          </a:lnRef>
+          <a:fillRef idx="1">
+            <a:schemeClr val="accent1"/>
+          </a:fillRef>
+          <a:effectRef idx="0">
+            <a:schemeClr val="accent1"/>
+          </a:effectRef>
+          <a:fontRef idx="minor">
+            <a:schemeClr val="lt1"/>
+          </a:fontRef>
+        </p:style>
+        <p:txBody>
+          <a:bodyPr rtlCol="0" anchor="ctr"/>
+          <a:lstStyle/>
+          <a:p>
+            <a:pPr algn="ctr"/>
+            <a:endParaRPr lang="en-US"/>
+          </a:p>
+        </p:txBody>
+      </p:sp>
+      <p:sp>
+        <p:nvSpPr>
+          <p:cNvPr id="39" name="Right Triangle 38">
+            <a:extLst>
+              <a:ext uri="{FF2B5EF4-FFF2-40B4-BE49-F238E27FC236}">
+                <a16:creationId xmlns:a16="http://schemas.microsoft.com/office/drawing/2014/main" id="{5298780A-33B9-4EA2-8F67-DE68AD62841B}"/>
+              </a:ext>
+              <a:ext uri="{C183D7F6-B498-43B3-948B-1728B52AA6E4}">
+                <adec:decorative xmlns:adec="http://schemas.microsoft.com/office/drawing/2017/decorative" val="1"/>
+              </a:ext>
+            </a:extLst>
+          </p:cNvPr>
+          <p:cNvSpPr>
+            <a:spLocks noGrp="1" noRot="1" noChangeAspect="1" noMove="1" noResize="1" noEditPoints="1" noAdjustHandles="1" noChangeArrowheads="1" noChangeShapeType="1" noTextEdit="1"/>
+          </p:cNvSpPr>
+          <p:nvPr>
+            <p:extLst>
+              <p:ext uri="{386F3935-93C4-4BCD-93E2-E3B085C9AB24}">
+                <p16:designElem xmlns:p16="http://schemas.microsoft.com/office/powerpoint/2015/main" val="1"/>
+              </p:ext>
+            </p:extLst>
+          </p:nvPr>
+        </p:nvSpPr>
+        <p:spPr>
+          <a:xfrm flipH="1">
+            <a:off x="6432540" y="3335867"/>
+            <a:ext cx="2468880" cy="3200400"/>
+          </a:xfrm>
+          <a:prstGeom prst="rtTriangle">
+            <a:avLst/>
+          </a:prstGeom>
+          <a:solidFill>
+            <a:schemeClr val="accent4"/>
+          </a:solidFill>
+          <a:ln>
+            <a:noFill/>
+          </a:ln>
+        </p:spPr>
+        <p:style>
+          <a:lnRef idx="2">
+            <a:schemeClr val="accent1">
+              <a:shade val="50000"/>
+            </a:schemeClr>
+          </a:lnRef>
+          <a:fillRef idx="1">
+            <a:schemeClr val="accent1"/>
+          </a:fillRef>
+          <a:effectRef idx="0">
+            <a:schemeClr val="accent1"/>
+          </a:effectRef>
+          <a:fontRef idx="minor">
+            <a:schemeClr val="lt1"/>
+          </a:fontRef>
+        </p:style>
+        <p:txBody>
+          <a:bodyPr rtlCol="0" anchor="ctr"/>
+          <a:lstStyle/>
+          <a:p>
+            <a:pPr algn="ctr"/>
+            <a:endParaRPr lang="en-US" dirty="0"/>
+          </a:p>
+        </p:txBody>
+      </p:sp>
+      <p:sp>
+        <p:nvSpPr>
+          <p:cNvPr id="41" name="Rectangle 40">
+            <a:extLst>
+              <a:ext uri="{FF2B5EF4-FFF2-40B4-BE49-F238E27FC236}">
+                <a16:creationId xmlns:a16="http://schemas.microsoft.com/office/drawing/2014/main" id="{7F488E8B-4E1E-4402-8935-D4E6C02615C7}"/>
+              </a:ext>
+              <a:ext uri="{C183D7F6-B498-43B3-948B-1728B52AA6E4}">
+                <adec:decorative xmlns:adec="http://schemas.microsoft.com/office/drawing/2017/decorative" val="1"/>
+              </a:ext>
+            </a:extLst>
+          </p:cNvPr>
+          <p:cNvSpPr>
+            <a:spLocks noGrp="1" noRot="1" noChangeAspect="1" noMove="1" noResize="1" noEditPoints="1" noAdjustHandles="1" noChangeArrowheads="1" noChangeShapeType="1" noTextEdit="1"/>
+          </p:cNvSpPr>
+          <p:nvPr>
+            <p:extLst>
+              <p:ext uri="{386F3935-93C4-4BCD-93E2-E3B085C9AB24}">
+                <p16:designElem xmlns:p16="http://schemas.microsoft.com/office/powerpoint/2015/main" val="1"/>
+              </p:ext>
+            </p:extLst>
+          </p:nvPr>
+        </p:nvSpPr>
+        <p:spPr>
+          <a:xfrm>
+            <a:off x="481330" y="623275"/>
+            <a:ext cx="8178790" cy="5607882"/>
+          </a:xfrm>
+          <a:prstGeom prst="rect">
+            <a:avLst/>
+          </a:prstGeom>
+          <a:noFill/>
+          <a:ln w="19050">
+            <a:solidFill>
+              <a:schemeClr val="tx1">
+                <a:lumMod val="75000"/>
+                <a:lumOff val="25000"/>
+              </a:schemeClr>
+            </a:solidFill>
+          </a:ln>
+        </p:spPr>
+        <p:style>
+          <a:lnRef idx="2">
+            <a:schemeClr val="accent1">
+              <a:shade val="50000"/>
+            </a:schemeClr>
+          </a:lnRef>
+          <a:fillRef idx="1">
+            <a:schemeClr val="accent1"/>
+          </a:fillRef>
+          <a:effectRef idx="0">
+            <a:schemeClr val="accent1"/>
+          </a:effectRef>
+          <a:fontRef idx="minor">
+            <a:schemeClr val="lt1"/>
+          </a:fontRef>
+        </p:style>
+        <p:txBody>
+          <a:bodyPr rtlCol="0" anchor="ctr"/>
+          <a:lstStyle/>
+          <a:p>
+            <a:pPr algn="ctr"/>
+            <a:endParaRPr lang="en-US"/>
+          </a:p>
+        </p:txBody>
+      </p:sp>
+      <p:sp>
+        <p:nvSpPr>
+          <p:cNvPr id="2" name="Title 1"/>
+          <p:cNvSpPr>
+            <a:spLocks noGrp="1"/>
+          </p:cNvSpPr>
+          <p:nvPr>
+            <p:ph type="title"/>
+          </p:nvPr>
+        </p:nvSpPr>
+        <p:spPr>
+          <a:xfrm>
+            <a:off x="857913" y="862362"/>
+            <a:ext cx="7186157" cy="1618489"/>
+          </a:xfrm>
+        </p:spPr>
+        <p:txBody>
+          <a:bodyPr anchor="ctr">
+            <a:normAutofit/>
+          </a:bodyPr>
+          <a:lstStyle/>
+          <a:p>
+            <a:pPr>
+              <a:lnSpc>
+                <a:spcPct val="90000"/>
+              </a:lnSpc>
+            </a:pPr>
+            <a:r>
+              <a:rPr lang="en-US" sz="5400" dirty="0"/>
+              <a:t>Key Features of </a:t>
+            </a:r>
+            <a:r>
+              <a:rPr lang="en-US" sz="5400" dirty="0" err="1"/>
+              <a:t>IBTool</a:t>
+            </a:r>
+            <a:endParaRPr lang="en-US" sz="5400" dirty="0"/>
+          </a:p>
+        </p:txBody>
+      </p:sp>
+      <p:sp>
+        <p:nvSpPr>
+          <p:cNvPr id="3" name="Content Placeholder 2"/>
+          <p:cNvSpPr>
+            <a:spLocks noGrp="1"/>
+          </p:cNvSpPr>
+          <p:nvPr>
+            <p:ph idx="1"/>
+          </p:nvPr>
+        </p:nvSpPr>
+        <p:spPr>
+          <a:xfrm>
+            <a:off x="963930" y="2550532"/>
+            <a:ext cx="6056111" cy="2800395"/>
+          </a:xfrm>
+        </p:spPr>
+        <p:txBody>
+          <a:bodyPr anchor="t">
+            <a:normAutofit/>
+          </a:bodyPr>
+          <a:lstStyle/>
+          <a:p>
+            <a:pPr>
+              <a:defRPr sz="1800"/>
+            </a:pPr>
+            <a:r>
+              <a:rPr lang="en-US" sz="2100" dirty="0"/>
+              <a:t>Core Functions:</a:t>
+            </a:r>
+          </a:p>
+          <a:p>
+            <a:pPr lvl="1">
+              <a:defRPr sz="1800"/>
+            </a:pPr>
+            <a:r>
+              <a:rPr lang="en-US" sz="2100" dirty="0"/>
+              <a:t>Complaint Management: Centralized tracking.</a:t>
+            </a:r>
+          </a:p>
+          <a:p>
+            <a:pPr lvl="1">
+              <a:defRPr sz="1800"/>
+            </a:pPr>
+            <a:r>
+              <a:rPr lang="en-US" sz="2100" dirty="0"/>
+              <a:t>CRUD Operations: Create, read, update, delete complaints.</a:t>
+            </a:r>
+          </a:p>
+          <a:p>
+            <a:pPr lvl="1">
+              <a:defRPr sz="1800"/>
+            </a:pPr>
+            <a:r>
+              <a:rPr lang="en-US" sz="2100" dirty="0"/>
+              <a:t>Automated Workflows: Notifications based on complaint status.</a:t>
+            </a:r>
+          </a:p>
+        </p:txBody>
+      </p:sp>
+    </p:spTree>
+  </p:cSld>
+  <p:clrMapOvr>
+    <a:masterClrMapping/>
+  </p:clrMapOvr>
+</p:sld>
+</file>
+
+<file path=ppt/slides/slide13.xml><?xml version="1.0" encoding="utf-8"?>
+<p:sld xmlns:a="http://schemas.openxmlformats.org/drawingml/2006/main" xmlns:r="http://schemas.openxmlformats.org/officeDocument/2006/relationships" xmlns:p="http://schemas.openxmlformats.org/presentationml/2006/main">
+  <p:cSld>
+    <p:bg>
+      <p:bgPr>
+        <a:solidFill>
+          <a:schemeClr val="bg1"/>
+        </a:solidFill>
+        <a:effectLst/>
+      </p:bgPr>
+    </p:bg>
+    <p:spTree>
+      <p:nvGrpSpPr>
+        <p:cNvPr id="1" name=""/>
+        <p:cNvGrpSpPr/>
+        <p:nvPr/>
+      </p:nvGrpSpPr>
+      <p:grpSpPr>
+        <a:xfrm>
+          <a:off x="0" y="0"/>
+          <a:ext cx="0" cy="0"/>
+          <a:chOff x="0" y="0"/>
+          <a:chExt cx="0" cy="0"/>
+        </a:xfrm>
+      </p:grpSpPr>
+      <p:sp useBgFill="1">
+        <p:nvSpPr>
+          <p:cNvPr id="21" name="Rectangle 20">
+            <a:extLst>
+              <a:ext uri="{FF2B5EF4-FFF2-40B4-BE49-F238E27FC236}">
+                <a16:creationId xmlns:a16="http://schemas.microsoft.com/office/drawing/2014/main" id="{FFB60E8C-7224-44A4-87A0-46A1711DD2ED}"/>
+              </a:ext>
+              <a:ext uri="{C183D7F6-B498-43B3-948B-1728B52AA6E4}">
+                <adec:decorative xmlns:adec="http://schemas.microsoft.com/office/drawing/2017/decorative" val="1"/>
+              </a:ext>
+            </a:extLst>
+          </p:cNvPr>
+          <p:cNvSpPr>
+            <a:spLocks noGrp="1" noRot="1" noChangeAspect="1" noMove="1" noResize="1" noEditPoints="1" noAdjustHandles="1" noChangeArrowheads="1" noChangeShapeType="1" noTextEdit="1"/>
+          </p:cNvSpPr>
+          <p:nvPr>
+            <p:extLst>
+              <p:ext uri="{386F3935-93C4-4BCD-93E2-E3B085C9AB24}">
+                <p16:designElem xmlns:p16="http://schemas.microsoft.com/office/powerpoint/2015/main" val="1"/>
+              </p:ext>
+            </p:extLst>
+          </p:nvPr>
+        </p:nvSpPr>
+        <p:spPr>
+          <a:xfrm>
+            <a:off x="0" y="0"/>
+            <a:ext cx="9143999" cy="6857365"/>
+          </a:xfrm>
+          <a:prstGeom prst="rect">
+            <a:avLst/>
+          </a:prstGeom>
+          <a:ln>
+            <a:noFill/>
+          </a:ln>
+        </p:spPr>
+        <p:style>
+          <a:lnRef idx="2">
+            <a:schemeClr val="accent1">
+              <a:shade val="50000"/>
+            </a:schemeClr>
+          </a:lnRef>
+          <a:fillRef idx="1">
+            <a:schemeClr val="accent1"/>
+          </a:fillRef>
+          <a:effectRef idx="0">
+            <a:schemeClr val="accent1"/>
+          </a:effectRef>
+          <a:fontRef idx="minor">
+            <a:schemeClr val="lt1"/>
+          </a:fontRef>
+        </p:style>
+        <p:txBody>
+          <a:bodyPr rtlCol="0" anchor="ctr"/>
+          <a:lstStyle/>
+          <a:p>
+            <a:pPr algn="ctr"/>
+            <a:endParaRPr lang="en-US"/>
+          </a:p>
+        </p:txBody>
+      </p:sp>
+      <p:sp>
+        <p:nvSpPr>
+          <p:cNvPr id="2" name="Title 1"/>
+          <p:cNvSpPr>
+            <a:spLocks noGrp="1"/>
+          </p:cNvSpPr>
+          <p:nvPr>
+            <p:ph type="title"/>
+          </p:nvPr>
+        </p:nvSpPr>
+        <p:spPr>
+          <a:xfrm>
+            <a:off x="596646" y="386930"/>
+            <a:ext cx="7606349" cy="1300554"/>
+          </a:xfrm>
+        </p:spPr>
+        <p:txBody>
+          <a:bodyPr anchor="b">
+            <a:normAutofit/>
+          </a:bodyPr>
+          <a:lstStyle/>
+          <a:p>
+            <a:r>
+              <a:rPr lang="en-US" sz="4200"/>
+              <a:t>Technical Stack and Components</a:t>
+            </a:r>
+          </a:p>
+        </p:txBody>
+      </p:sp>
+      <p:sp>
+        <p:nvSpPr>
+          <p:cNvPr id="23" name="Rectangle 22">
+            <a:extLst>
+              <a:ext uri="{FF2B5EF4-FFF2-40B4-BE49-F238E27FC236}">
+                <a16:creationId xmlns:a16="http://schemas.microsoft.com/office/drawing/2014/main" id="{5DA32751-37A2-45C0-BE94-63D375E27003}"/>
+              </a:ext>
+              <a:ext uri="{C183D7F6-B498-43B3-948B-1728B52AA6E4}">
+                <adec:decorative xmlns:adec="http://schemas.microsoft.com/office/drawing/2017/decorative" val="1"/>
+              </a:ext>
+            </a:extLst>
+          </p:cNvPr>
+          <p:cNvSpPr>
+            <a:spLocks noGrp="1" noRot="1" noChangeAspect="1" noMove="1" noResize="1" noEditPoints="1" noAdjustHandles="1" noChangeArrowheads="1" noChangeShapeType="1" noTextEdit="1"/>
+          </p:cNvSpPr>
+          <p:nvPr>
+            <p:extLst>
+              <p:ext uri="{386F3935-93C4-4BCD-93E2-E3B085C9AB24}">
+                <p16:designElem xmlns:p16="http://schemas.microsoft.com/office/powerpoint/2015/main" val="1"/>
+              </p:ext>
+            </p:extLst>
+          </p:nvPr>
+        </p:nvSpPr>
+        <p:spPr>
+          <a:xfrm flipH="1" flipV="1">
+            <a:off x="-1" y="1998845"/>
+            <a:ext cx="8590945" cy="781699"/>
+          </a:xfrm>
+          <a:prstGeom prst="rect">
+            <a:avLst/>
+          </a:prstGeom>
+          <a:solidFill>
+            <a:schemeClr val="accent4"/>
+          </a:solidFill>
+          <a:ln>
+            <a:noFill/>
+          </a:ln>
+        </p:spPr>
+        <p:style>
+          <a:lnRef idx="2">
+            <a:schemeClr val="accent1">
+              <a:shade val="50000"/>
+            </a:schemeClr>
+          </a:lnRef>
+          <a:fillRef idx="1">
+            <a:schemeClr val="accent1"/>
+          </a:fillRef>
+          <a:effectRef idx="0">
+            <a:schemeClr val="accent1"/>
+          </a:effectRef>
+          <a:fontRef idx="minor">
+            <a:schemeClr val="lt1"/>
+          </a:fontRef>
+        </p:style>
+        <p:txBody>
+          <a:bodyPr rtlCol="0" anchor="ctr"/>
+          <a:lstStyle/>
+          <a:p>
+            <a:pPr algn="ctr"/>
+            <a:endParaRPr lang="en-US"/>
+          </a:p>
+        </p:txBody>
+      </p:sp>
+      <p:sp>
+        <p:nvSpPr>
+          <p:cNvPr id="25" name="Rectangle 24">
+            <a:extLst>
+              <a:ext uri="{FF2B5EF4-FFF2-40B4-BE49-F238E27FC236}">
+                <a16:creationId xmlns:a16="http://schemas.microsoft.com/office/drawing/2014/main" id="{E659831F-0D9A-4C63-9EBB-8435B85A440F}"/>
+              </a:ext>
+              <a:ext uri="{C183D7F6-B498-43B3-948B-1728B52AA6E4}">
+                <adec:decorative xmlns:adec="http://schemas.microsoft.com/office/drawing/2017/decorative" val="1"/>
+              </a:ext>
+            </a:extLst>
+          </p:cNvPr>
+          <p:cNvSpPr>
+            <a:spLocks noGrp="1" noRot="1" noChangeAspect="1" noMove="1" noResize="1" noEditPoints="1" noAdjustHandles="1" noChangeArrowheads="1" noChangeShapeType="1" noTextEdit="1"/>
+          </p:cNvSpPr>
+          <p:nvPr>
+            <p:extLst>
+              <p:ext uri="{386F3935-93C4-4BCD-93E2-E3B085C9AB24}">
+                <p16:designElem xmlns:p16="http://schemas.microsoft.com/office/powerpoint/2015/main" val="1"/>
+              </p:ext>
+            </p:extLst>
+          </p:nvPr>
+        </p:nvSpPr>
+        <p:spPr>
+          <a:xfrm>
+            <a:off x="0" y="2203079"/>
+            <a:ext cx="8537521" cy="4267991"/>
+          </a:xfrm>
+          <a:prstGeom prst="rect">
+            <a:avLst/>
+          </a:prstGeom>
+          <a:solidFill>
+            <a:schemeClr val="bg1"/>
+          </a:solidFill>
+          <a:ln>
+            <a:noFill/>
+          </a:ln>
+          <a:effectLst>
+            <a:outerShdw blurRad="139700" dist="127000" dir="5400000" algn="t" rotWithShape="0">
+              <a:prstClr val="black">
+                <a:alpha val="15000"/>
+              </a:prstClr>
+            </a:outerShdw>
+          </a:effectLst>
+        </p:spPr>
+        <p:style>
+          <a:lnRef idx="2">
+            <a:schemeClr val="accent1">
+              <a:shade val="50000"/>
+            </a:schemeClr>
+          </a:lnRef>
+          <a:fillRef idx="1">
+            <a:schemeClr val="accent1"/>
+          </a:fillRef>
+          <a:effectRef idx="0">
+            <a:schemeClr val="accent1"/>
+          </a:effectRef>
+          <a:fontRef idx="minor">
+            <a:schemeClr val="lt1"/>
+          </a:fontRef>
+        </p:style>
+        <p:txBody>
+          <a:bodyPr rtlCol="0" anchor="ctr"/>
+          <a:lstStyle/>
+          <a:p>
+            <a:pPr algn="ctr"/>
+            <a:endParaRPr lang="en-US"/>
+          </a:p>
+        </p:txBody>
+      </p:sp>
+      <p:pic>
+        <p:nvPicPr>
+          <p:cNvPr id="5" name="Picture 4">
+            <a:extLst>
+              <a:ext uri="{FF2B5EF4-FFF2-40B4-BE49-F238E27FC236}">
+                <a16:creationId xmlns:a16="http://schemas.microsoft.com/office/drawing/2014/main" id="{D4D40875-660A-FBCC-049F-55B5FC79C2AE}"/>
+              </a:ext>
+            </a:extLst>
+          </p:cNvPr>
+          <p:cNvPicPr>
+            <a:picLocks noChangeAspect="1"/>
+          </p:cNvPicPr>
+          <p:nvPr/>
+        </p:nvPicPr>
+        <p:blipFill>
+          <a:blip r:embed="rId3"/>
+          <a:stretch>
+            <a:fillRect/>
+          </a:stretch>
+        </p:blipFill>
+        <p:spPr>
+          <a:xfrm>
+            <a:off x="246496" y="3428682"/>
+            <a:ext cx="4438822" cy="1686751"/>
+          </a:xfrm>
+          <a:prstGeom prst="rect">
+            <a:avLst/>
+          </a:prstGeom>
+        </p:spPr>
+      </p:pic>
+      <p:sp>
+        <p:nvSpPr>
+          <p:cNvPr id="3" name="Content Placeholder 2"/>
+          <p:cNvSpPr>
+            <a:spLocks noGrp="1"/>
+          </p:cNvSpPr>
+          <p:nvPr>
+            <p:ph idx="1"/>
+          </p:nvPr>
+        </p:nvSpPr>
+        <p:spPr>
+          <a:xfrm>
+            <a:off x="4804821" y="2599509"/>
+            <a:ext cx="3398174" cy="3639450"/>
+          </a:xfrm>
+        </p:spPr>
+        <p:txBody>
+          <a:bodyPr anchor="ctr">
+            <a:normAutofit/>
+          </a:bodyPr>
+          <a:lstStyle/>
+          <a:p>
+            <a:pPr>
+              <a:lnSpc>
+                <a:spcPct val="90000"/>
+              </a:lnSpc>
+              <a:defRPr sz="1800"/>
+            </a:pPr>
+            <a:r>
+              <a:rPr lang="en-US" sz="1300" dirty="0"/>
+              <a:t>Frontend:</a:t>
+            </a:r>
+          </a:p>
+          <a:p>
+            <a:pPr lvl="1">
+              <a:lnSpc>
+                <a:spcPct val="90000"/>
+              </a:lnSpc>
+              <a:defRPr sz="1800"/>
+            </a:pPr>
+            <a:r>
+              <a:rPr lang="en-US" sz="1300" dirty="0"/>
+              <a:t>Initial: HTML, CSS, JS (</a:t>
+            </a:r>
+            <a:r>
+              <a:rPr lang="en-US" sz="1300" dirty="0" err="1"/>
+              <a:t>DevExtreme</a:t>
+            </a:r>
+            <a:r>
+              <a:rPr lang="en-US" sz="1300" dirty="0"/>
+              <a:t>).</a:t>
+            </a:r>
+          </a:p>
+          <a:p>
+            <a:pPr lvl="1">
+              <a:lnSpc>
+                <a:spcPct val="90000"/>
+              </a:lnSpc>
+              <a:defRPr sz="1800"/>
+            </a:pPr>
+            <a:r>
+              <a:rPr lang="en-US" sz="1300" dirty="0"/>
+              <a:t>Improvement: Migrated to React for better performance.</a:t>
+            </a:r>
+          </a:p>
+          <a:p>
+            <a:pPr>
+              <a:lnSpc>
+                <a:spcPct val="90000"/>
+              </a:lnSpc>
+              <a:defRPr sz="1800"/>
+            </a:pPr>
+            <a:r>
+              <a:rPr lang="en-US" sz="1300" dirty="0"/>
+              <a:t>Backend:</a:t>
+            </a:r>
+          </a:p>
+          <a:p>
+            <a:pPr lvl="1">
+              <a:lnSpc>
+                <a:spcPct val="90000"/>
+              </a:lnSpc>
+              <a:defRPr sz="1800"/>
+            </a:pPr>
+            <a:r>
+              <a:rPr lang="en-US" sz="1300" dirty="0"/>
+              <a:t>Node.js, Express.js handling API requests.</a:t>
+            </a:r>
+          </a:p>
+          <a:p>
+            <a:pPr lvl="1">
+              <a:lnSpc>
+                <a:spcPct val="90000"/>
+              </a:lnSpc>
+              <a:defRPr sz="1800"/>
+            </a:pPr>
+            <a:r>
+              <a:rPr lang="en-US" sz="1300" dirty="0"/>
+              <a:t>Enhancements: Middleware, caching (Redis).</a:t>
+            </a:r>
+          </a:p>
+          <a:p>
+            <a:pPr>
+              <a:lnSpc>
+                <a:spcPct val="90000"/>
+              </a:lnSpc>
+              <a:defRPr sz="1800"/>
+            </a:pPr>
+            <a:r>
+              <a:rPr lang="en-US" sz="1300" dirty="0"/>
+              <a:t>Database:</a:t>
+            </a:r>
+          </a:p>
+          <a:p>
+            <a:pPr lvl="1">
+              <a:lnSpc>
+                <a:spcPct val="90000"/>
+              </a:lnSpc>
+              <a:defRPr sz="1800"/>
+            </a:pPr>
+            <a:r>
+              <a:rPr lang="en-US" sz="1300" dirty="0"/>
+              <a:t>MongoDB for scalable data storage.</a:t>
+            </a:r>
+          </a:p>
+          <a:p>
+            <a:pPr lvl="1">
+              <a:lnSpc>
+                <a:spcPct val="90000"/>
+              </a:lnSpc>
+              <a:defRPr sz="1800"/>
+            </a:pPr>
+            <a:r>
+              <a:rPr lang="en-US" sz="1300" dirty="0"/>
+              <a:t>Improvements: Indexing for faster queries.</a:t>
+            </a:r>
+          </a:p>
+          <a:p>
+            <a:pPr>
+              <a:lnSpc>
+                <a:spcPct val="90000"/>
+              </a:lnSpc>
+              <a:defRPr sz="1800"/>
+            </a:pPr>
+            <a:r>
+              <a:rPr lang="en-US" sz="1300" dirty="0"/>
+              <a:t>Placeholder for Image: [Technical Stack Diagram or Component Architecture Diagram]</a:t>
+            </a:r>
+          </a:p>
+        </p:txBody>
+      </p:sp>
+      <p:sp>
+        <p:nvSpPr>
+          <p:cNvPr id="27" name="Rectangle 26">
+            <a:extLst>
+              <a:ext uri="{FF2B5EF4-FFF2-40B4-BE49-F238E27FC236}">
+                <a16:creationId xmlns:a16="http://schemas.microsoft.com/office/drawing/2014/main" id="{5A55FBCD-CD42-40F5-8A1B-3203F9CAEEAA}"/>
+              </a:ext>
+              <a:ext uri="{C183D7F6-B498-43B3-948B-1728B52AA6E4}">
+                <adec:decorative xmlns:adec="http://schemas.microsoft.com/office/drawing/2017/decorative" val="1"/>
+              </a:ext>
+            </a:extLst>
+          </p:cNvPr>
+          <p:cNvSpPr>
+            <a:spLocks noGrp="1" noRot="1" noChangeAspect="1" noMove="1" noResize="1" noEditPoints="1" noAdjustHandles="1" noChangeArrowheads="1" noChangeShapeType="1" noTextEdit="1"/>
+          </p:cNvSpPr>
+          <p:nvPr>
+            <p:extLst>
+              <p:ext uri="{386F3935-93C4-4BCD-93E2-E3B085C9AB24}">
+                <p16:designElem xmlns:p16="http://schemas.microsoft.com/office/powerpoint/2015/main" val="1"/>
+              </p:ext>
+            </p:extLst>
+          </p:nvPr>
+        </p:nvSpPr>
+        <p:spPr>
+          <a:xfrm rot="5400000">
+            <a:off x="8323318" y="2332075"/>
+            <a:ext cx="781700" cy="114287"/>
+          </a:xfrm>
+          <a:prstGeom prst="rect">
+            <a:avLst/>
+          </a:prstGeom>
+          <a:solidFill>
+            <a:schemeClr val="accent4"/>
+          </a:solidFill>
+          <a:ln>
+            <a:noFill/>
+          </a:ln>
+        </p:spPr>
+        <p:style>
+          <a:lnRef idx="2">
+            <a:schemeClr val="accent1">
+              <a:shade val="50000"/>
+            </a:schemeClr>
+          </a:lnRef>
+          <a:fillRef idx="1">
+            <a:schemeClr val="accent1"/>
+          </a:fillRef>
+          <a:effectRef idx="0">
+            <a:schemeClr val="accent1"/>
+          </a:effectRef>
+          <a:fontRef idx="minor">
+            <a:schemeClr val="lt1"/>
+          </a:fontRef>
+        </p:style>
+        <p:txBody>
+          <a:bodyPr rtlCol="0" anchor="ctr"/>
+          <a:lstStyle/>
+          <a:p>
+            <a:pPr algn="ctr"/>
+            <a:endParaRPr lang="en-US"/>
+          </a:p>
+        </p:txBody>
+      </p:sp>
+    </p:spTree>
+  </p:cSld>
+  <p:clrMapOvr>
+    <a:masterClrMapping/>
+  </p:clrMapOvr>
+</p:sld>
+</file>
+
+<file path=ppt/slides/slide14.xml><?xml version="1.0" encoding="utf-8"?>
+<p:sld xmlns:a="http://schemas.openxmlformats.org/drawingml/2006/main" xmlns:r="http://schemas.openxmlformats.org/officeDocument/2006/relationships" xmlns:p="http://schemas.openxmlformats.org/presentationml/2006/main">
+  <p:cSld>
+    <p:bg>
+      <p:bgPr>
+        <a:solidFill>
+          <a:schemeClr val="bg1"/>
+        </a:solidFill>
+        <a:effectLst/>
+      </p:bgPr>
+    </p:bg>
+    <p:spTree>
+      <p:nvGrpSpPr>
+        <p:cNvPr id="1" name=""/>
+        <p:cNvGrpSpPr/>
+        <p:nvPr/>
+      </p:nvGrpSpPr>
+      <p:grpSpPr>
+        <a:xfrm>
+          <a:off x="0" y="0"/>
+          <a:ext cx="0" cy="0"/>
+          <a:chOff x="0" y="0"/>
+          <a:chExt cx="0" cy="0"/>
+        </a:xfrm>
+      </p:grpSpPr>
+      <p:sp useBgFill="1">
+        <p:nvSpPr>
+          <p:cNvPr id="19" name="Rectangle 18">
+            <a:extLst>
+              <a:ext uri="{FF2B5EF4-FFF2-40B4-BE49-F238E27FC236}">
+                <a16:creationId xmlns:a16="http://schemas.microsoft.com/office/drawing/2014/main" id="{3AD318CC-E2A8-4E27-9548-A047A78999B1}"/>
+              </a:ext>
+              <a:ext uri="{C183D7F6-B498-43B3-948B-1728B52AA6E4}">
+                <adec:decorative xmlns:adec="http://schemas.microsoft.com/office/drawing/2017/decorative" val="1"/>
+              </a:ext>
+            </a:extLst>
+          </p:cNvPr>
+          <p:cNvSpPr>
+            <a:spLocks noGrp="1" noRot="1" noChangeAspect="1" noMove="1" noResize="1" noEditPoints="1" noAdjustHandles="1" noChangeArrowheads="1" noChangeShapeType="1" noTextEdit="1"/>
+          </p:cNvSpPr>
+          <p:nvPr>
+            <p:extLst>
+              <p:ext uri="{386F3935-93C4-4BCD-93E2-E3B085C9AB24}">
+                <p16:designElem xmlns:p16="http://schemas.microsoft.com/office/powerpoint/2015/main" val="1"/>
+              </p:ext>
+            </p:extLst>
+          </p:nvPr>
+        </p:nvSpPr>
+        <p:spPr>
+          <a:xfrm>
+            <a:off x="0" y="0"/>
+            <a:ext cx="9143999" cy="6857365"/>
+          </a:xfrm>
+          <a:prstGeom prst="rect">
+            <a:avLst/>
+          </a:prstGeom>
+          <a:ln>
+            <a:noFill/>
+          </a:ln>
+        </p:spPr>
+        <p:style>
+          <a:lnRef idx="2">
+            <a:schemeClr val="accent1">
+              <a:shade val="50000"/>
+            </a:schemeClr>
+          </a:lnRef>
+          <a:fillRef idx="1">
+            <a:schemeClr val="accent1"/>
+          </a:fillRef>
+          <a:effectRef idx="0">
+            <a:schemeClr val="accent1"/>
+          </a:effectRef>
+          <a:fontRef idx="minor">
+            <a:schemeClr val="lt1"/>
+          </a:fontRef>
+        </p:style>
+        <p:txBody>
+          <a:bodyPr rtlCol="0" anchor="ctr"/>
+          <a:lstStyle/>
+          <a:p>
+            <a:pPr algn="ctr"/>
+            <a:endParaRPr lang="en-US"/>
+          </a:p>
+        </p:txBody>
+      </p:sp>
+      <p:sp>
+        <p:nvSpPr>
+          <p:cNvPr id="2" name="Title 1"/>
+          <p:cNvSpPr>
+            <a:spLocks noGrp="1"/>
+          </p:cNvSpPr>
+          <p:nvPr>
+            <p:ph type="title"/>
+          </p:nvPr>
+        </p:nvSpPr>
+        <p:spPr>
+          <a:xfrm>
+            <a:off x="483798" y="1463040"/>
+            <a:ext cx="2847230" cy="2690949"/>
+          </a:xfrm>
+        </p:spPr>
+        <p:txBody>
+          <a:bodyPr anchor="t">
+            <a:normAutofit/>
+          </a:bodyPr>
+          <a:lstStyle/>
+          <a:p>
+            <a:r>
+              <a:rPr lang="en-US" sz="4200"/>
+              <a:t>Motivation for Cloud Migration</a:t>
+            </a:r>
+          </a:p>
+        </p:txBody>
+      </p:sp>
+      <p:grpSp>
+        <p:nvGrpSpPr>
+          <p:cNvPr id="21" name="Group 20">
+            <a:extLst>
+              <a:ext uri="{FF2B5EF4-FFF2-40B4-BE49-F238E27FC236}">
+                <a16:creationId xmlns:a16="http://schemas.microsoft.com/office/drawing/2014/main" id="{B14B560F-9DD7-4302-A60B-EBD3EF59B073}"/>
+              </a:ext>
+              <a:ext uri="{C183D7F6-B498-43B3-948B-1728B52AA6E4}">
+                <adec:decorative xmlns:adec="http://schemas.microsoft.com/office/drawing/2017/decorative" val="1"/>
+              </a:ext>
+            </a:extLst>
+          </p:cNvPr>
+          <p:cNvGrpSpPr>
+            <a:grpSpLocks noGrp="1" noUngrp="1" noRot="1" noChangeAspect="1" noMove="1" noResize="1"/>
+          </p:cNvGrpSpPr>
+          <p:nvPr>
+            <p:extLst>
+              <p:ext uri="{386F3935-93C4-4BCD-93E2-E3B085C9AB24}">
+                <p16:designElem xmlns:p16="http://schemas.microsoft.com/office/powerpoint/2015/main" val="1"/>
+              </p:ext>
+            </p:extLst>
+          </p:nvPr>
+        </p:nvGrpSpPr>
+        <p:grpSpPr>
+          <a:xfrm>
+            <a:off x="157250" y="4415246"/>
+            <a:ext cx="8986749" cy="2087795"/>
+            <a:chOff x="143163" y="5763486"/>
+            <a:chExt cx="11982332" cy="739555"/>
+          </a:xfrm>
+        </p:grpSpPr>
+        <p:sp>
+          <p:nvSpPr>
+            <p:cNvPr id="22" name="Rectangle 21">
+              <a:extLst>
+                <a:ext uri="{FF2B5EF4-FFF2-40B4-BE49-F238E27FC236}">
+                  <a16:creationId xmlns:a16="http://schemas.microsoft.com/office/drawing/2014/main" id="{3A9A4357-BD1D-4622-A4FE-766E6AB8DE84}"/>
+                </a:ext>
+                <a:ext uri="{C183D7F6-B498-43B3-948B-1728B52AA6E4}">
+                  <adec:decorative xmlns:adec="http://schemas.microsoft.com/office/drawing/2017/decorative" val="1"/>
+                </a:ext>
+              </a:extLst>
+            </p:cNvPr>
+            <p:cNvSpPr/>
+            <p:nvPr>
+              <p:extLst>
+                <p:ext uri="{386F3935-93C4-4BCD-93E2-E3B085C9AB24}">
+                  <p16:designElem xmlns:p16="http://schemas.microsoft.com/office/powerpoint/2015/main" val="1"/>
+                </p:ext>
+              </p:extLst>
+            </p:nvPr>
+          </p:nvSpPr>
+          <p:spPr>
+            <a:xfrm flipH="1" flipV="1">
+              <a:off x="357444" y="5763486"/>
+              <a:ext cx="11768051" cy="739555"/>
+            </a:xfrm>
+            <a:prstGeom prst="rect">
+              <a:avLst/>
+            </a:prstGeom>
+            <a:solidFill>
+              <a:schemeClr val="accent4"/>
+            </a:solidFill>
+            <a:ln>
+              <a:noFill/>
+            </a:ln>
+          </p:spPr>
+          <p:style>
+            <a:lnRef idx="2">
+              <a:schemeClr val="accent1">
+                <a:shade val="50000"/>
+              </a:schemeClr>
+            </a:lnRef>
+            <a:fillRef idx="1">
+              <a:schemeClr val="accent1"/>
+            </a:fillRef>
+            <a:effectRef idx="0">
+              <a:schemeClr val="accent1"/>
+            </a:effectRef>
+            <a:fontRef idx="minor">
+              <a:schemeClr val="lt1"/>
+            </a:fontRef>
+          </p:style>
+          <p:txBody>
+            <a:bodyPr rtlCol="0" anchor="ctr"/>
+            <a:lstStyle/>
+            <a:p>
+              <a:pPr algn="ctr"/>
+              <a:endParaRPr lang="en-US"/>
+            </a:p>
+          </p:txBody>
+        </p:sp>
+        <p:cxnSp>
+          <p:nvCxnSpPr>
+            <p:cNvPr id="23" name="Straight Connector 22">
+              <a:extLst>
+                <a:ext uri="{FF2B5EF4-FFF2-40B4-BE49-F238E27FC236}">
+                  <a16:creationId xmlns:a16="http://schemas.microsoft.com/office/drawing/2014/main" id="{C21D6966-343E-49AC-A026-D2497E0C3CA1}"/>
+                </a:ext>
+                <a:ext uri="{C183D7F6-B498-43B3-948B-1728B52AA6E4}">
+                  <adec:decorative xmlns:adec="http://schemas.microsoft.com/office/drawing/2017/decorative" val="1"/>
+                </a:ext>
+              </a:extLst>
+            </p:cNvPr>
+            <p:cNvCxnSpPr>
+              <a:cxnSpLocks/>
+            </p:cNvCxnSpPr>
+            <p:nvPr>
+              <p:extLst>
+                <p:ext uri="{386F3935-93C4-4BCD-93E2-E3B085C9AB24}">
+                  <p16:designElem xmlns:p16="http://schemas.microsoft.com/office/powerpoint/2015/main" val="1"/>
+                </p:ext>
+              </p:extLst>
+            </p:nvPr>
+          </p:nvCxnSpPr>
+          <p:spPr>
+            <a:xfrm flipH="1">
+              <a:off x="143163" y="5763486"/>
+              <a:ext cx="1" cy="739555"/>
+            </a:xfrm>
+            <a:prstGeom prst="line">
+              <a:avLst/>
+            </a:prstGeom>
+            <a:ln w="177800">
+              <a:solidFill>
+                <a:schemeClr val="accent4"/>
+              </a:solidFill>
+            </a:ln>
+          </p:spPr>
+          <p:style>
+            <a:lnRef idx="1">
+              <a:schemeClr val="accent1"/>
+            </a:lnRef>
+            <a:fillRef idx="0">
+              <a:schemeClr val="accent1"/>
+            </a:fillRef>
+            <a:effectRef idx="0">
+              <a:schemeClr val="accent1"/>
+            </a:effectRef>
+            <a:fontRef idx="minor">
+              <a:schemeClr val="tx1"/>
+            </a:fontRef>
+          </p:style>
+        </p:cxnSp>
+      </p:grpSp>
+      <p:sp>
+        <p:nvSpPr>
+          <p:cNvPr id="38" name="Rectangle 37">
+            <a:extLst>
+              <a:ext uri="{FF2B5EF4-FFF2-40B4-BE49-F238E27FC236}">
+                <a16:creationId xmlns:a16="http://schemas.microsoft.com/office/drawing/2014/main" id="{2C1BBA94-3F40-40AA-8BB9-E69E25E537C1}"/>
+              </a:ext>
+              <a:ext uri="{C183D7F6-B498-43B3-948B-1728B52AA6E4}">
+                <adec:decorative xmlns:adec="http://schemas.microsoft.com/office/drawing/2017/decorative" val="1"/>
+              </a:ext>
+            </a:extLst>
+          </p:cNvPr>
+          <p:cNvSpPr>
+            <a:spLocks noGrp="1" noRot="1" noChangeAspect="1" noMove="1" noResize="1" noEditPoints="1" noAdjustHandles="1" noChangeArrowheads="1" noChangeShapeType="1" noTextEdit="1"/>
+          </p:cNvSpPr>
+          <p:nvPr>
+            <p:extLst>
+              <p:ext uri="{386F3935-93C4-4BCD-93E2-E3B085C9AB24}">
+                <p16:designElem xmlns:p16="http://schemas.microsoft.com/office/powerpoint/2015/main" val="1"/>
+              </p:ext>
+            </p:extLst>
+          </p:nvPr>
+        </p:nvSpPr>
+        <p:spPr>
+          <a:xfrm>
+            <a:off x="3850279" y="587829"/>
+            <a:ext cx="4878975" cy="5682342"/>
+          </a:xfrm>
+          <a:prstGeom prst="rect">
+            <a:avLst/>
+          </a:prstGeom>
+          <a:solidFill>
+            <a:schemeClr val="bg1"/>
+          </a:solidFill>
+          <a:ln>
+            <a:noFill/>
+          </a:ln>
+          <a:effectLst>
+            <a:outerShdw blurRad="139700" dist="127000" dir="5400000" algn="t" rotWithShape="0">
+              <a:prstClr val="black">
+                <a:alpha val="15000"/>
+              </a:prstClr>
+            </a:outerShdw>
+          </a:effectLst>
+        </p:spPr>
+        <p:style>
+          <a:lnRef idx="2">
+            <a:schemeClr val="accent1">
+              <a:shade val="50000"/>
+            </a:schemeClr>
+          </a:lnRef>
+          <a:fillRef idx="1">
+            <a:schemeClr val="accent1"/>
+          </a:fillRef>
+          <a:effectRef idx="0">
+            <a:schemeClr val="accent1"/>
+          </a:effectRef>
+          <a:fontRef idx="minor">
+            <a:schemeClr val="lt1"/>
+          </a:fontRef>
+        </p:style>
+        <p:txBody>
+          <a:bodyPr rtlCol="0" anchor="ctr"/>
+          <a:lstStyle/>
+          <a:p>
+            <a:pPr algn="ctr"/>
+            <a:endParaRPr lang="en-US"/>
+          </a:p>
+        </p:txBody>
+      </p:sp>
+      <p:sp>
+        <p:nvSpPr>
+          <p:cNvPr id="3" name="Content Placeholder 2"/>
+          <p:cNvSpPr>
+            <a:spLocks noGrp="1"/>
+          </p:cNvSpPr>
+          <p:nvPr>
+            <p:ph idx="1"/>
+          </p:nvPr>
+        </p:nvSpPr>
+        <p:spPr>
+          <a:xfrm>
             <a:off x="4007530" y="1086679"/>
             <a:ext cx="4652671" cy="5008112"/>
           </a:xfrm>
@@ -17766,25 +18036,184 @@
           <a:chExt cx="0" cy="0"/>
         </a:xfrm>
       </p:grpSpPr>
-      <p:sp>
-        <p:nvSpPr>
-          <p:cNvPr id="2" name="Title 1"/>
-          <p:cNvSpPr>
-            <a:spLocks noGrp="1"/>
-          </p:cNvSpPr>
-          <p:nvPr>
-            <p:ph type="title"/>
+      <p:sp useBgFill="1">
+        <p:nvSpPr>
+          <p:cNvPr id="19" name="Rectangle 18">
+            <a:extLst>
+              <a:ext uri="{FF2B5EF4-FFF2-40B4-BE49-F238E27FC236}">
+                <a16:creationId xmlns:a16="http://schemas.microsoft.com/office/drawing/2014/main" id="{2550BE34-C2B8-49B8-8519-67A8CAD51AE9}"/>
+              </a:ext>
+              <a:ext uri="{C183D7F6-B498-43B3-948B-1728B52AA6E4}">
+                <adec:decorative xmlns:adec="http://schemas.microsoft.com/office/drawing/2017/decorative" val="1"/>
+              </a:ext>
+            </a:extLst>
+          </p:cNvPr>
+          <p:cNvSpPr>
+            <a:spLocks noGrp="1" noRot="1" noChangeAspect="1" noMove="1" noResize="1" noEditPoints="1" noAdjustHandles="1" noChangeArrowheads="1" noChangeShapeType="1" noTextEdit="1"/>
+          </p:cNvSpPr>
+          <p:nvPr>
+            <p:extLst>
+              <p:ext uri="{386F3935-93C4-4BCD-93E2-E3B085C9AB24}">
+                <p16:designElem xmlns:p16="http://schemas.microsoft.com/office/powerpoint/2015/main" val="1"/>
+              </p:ext>
+            </p:extLst>
           </p:nvPr>
         </p:nvSpPr>
         <p:spPr>
           <a:xfrm>
-            <a:off x="356577" y="582375"/>
-            <a:ext cx="4990927" cy="540369"/>
+            <a:off x="0" y="0"/>
+            <a:ext cx="9144000" cy="6858000"/>
+          </a:xfrm>
+          <a:prstGeom prst="rect">
+            <a:avLst/>
+          </a:prstGeom>
+          <a:ln>
+            <a:noFill/>
+          </a:ln>
+        </p:spPr>
+        <p:style>
+          <a:lnRef idx="2">
+            <a:schemeClr val="accent1">
+              <a:shade val="50000"/>
+            </a:schemeClr>
+          </a:lnRef>
+          <a:fillRef idx="1">
+            <a:schemeClr val="accent1"/>
+          </a:fillRef>
+          <a:effectRef idx="0">
+            <a:schemeClr val="accent1"/>
+          </a:effectRef>
+          <a:fontRef idx="minor">
+            <a:schemeClr val="lt1"/>
+          </a:fontRef>
+        </p:style>
+        <p:txBody>
+          <a:bodyPr rtlCol="0" anchor="ctr"/>
+          <a:lstStyle/>
+          <a:p>
+            <a:pPr algn="ctr"/>
+            <a:endParaRPr lang="en-US"/>
+          </a:p>
+        </p:txBody>
+      </p:sp>
+      <p:sp useBgFill="1">
+        <p:nvSpPr>
+          <p:cNvPr id="21" name="Rectangle 20">
+            <a:extLst>
+              <a:ext uri="{FF2B5EF4-FFF2-40B4-BE49-F238E27FC236}">
+                <a16:creationId xmlns:a16="http://schemas.microsoft.com/office/drawing/2014/main" id="{A7457DD9-5A45-400A-AB4B-4B4EDECA25F1}"/>
+              </a:ext>
+              <a:ext uri="{C183D7F6-B498-43B3-948B-1728B52AA6E4}">
+                <adec:decorative xmlns:adec="http://schemas.microsoft.com/office/drawing/2017/decorative" val="1"/>
+              </a:ext>
+            </a:extLst>
+          </p:cNvPr>
+          <p:cNvSpPr>
+            <a:spLocks noGrp="1" noRot="1" noChangeAspect="1" noMove="1" noResize="1" noEditPoints="1" noAdjustHandles="1" noChangeArrowheads="1" noChangeShapeType="1" noTextEdit="1"/>
+          </p:cNvSpPr>
+          <p:nvPr>
+            <p:extLst>
+              <p:ext uri="{386F3935-93C4-4BCD-93E2-E3B085C9AB24}">
+                <p16:designElem xmlns:p16="http://schemas.microsoft.com/office/powerpoint/2015/main" val="1"/>
+              </p:ext>
+            </p:extLst>
+          </p:nvPr>
+        </p:nvSpPr>
+        <p:spPr>
+          <a:xfrm>
+            <a:off x="415812" y="365125"/>
+            <a:ext cx="8375585" cy="2089317"/>
+          </a:xfrm>
+          <a:prstGeom prst="rect">
+            <a:avLst/>
+          </a:prstGeom>
+          <a:ln w="12700">
+            <a:solidFill>
+              <a:srgbClr val="DEDEDE"/>
+            </a:solidFill>
+          </a:ln>
+          <a:effectLst>
+            <a:outerShdw blurRad="50800" dist="38100" dir="2700000" algn="tl" rotWithShape="0">
+              <a:schemeClr val="bg2">
+                <a:lumMod val="85000"/>
+                <a:alpha val="50000"/>
+              </a:schemeClr>
+            </a:outerShdw>
+          </a:effectLst>
+        </p:spPr>
+        <p:style>
+          <a:lnRef idx="2">
+            <a:schemeClr val="accent1">
+              <a:shade val="50000"/>
+            </a:schemeClr>
+          </a:lnRef>
+          <a:fillRef idx="1">
+            <a:schemeClr val="accent1"/>
+          </a:fillRef>
+          <a:effectRef idx="0">
+            <a:schemeClr val="accent1"/>
+          </a:effectRef>
+          <a:fontRef idx="minor">
+            <a:schemeClr val="lt1"/>
+          </a:fontRef>
+        </p:style>
+        <p:txBody>
+          <a:bodyPr rtlCol="0" anchor="ctr"/>
+          <a:lstStyle/>
+          <a:p>
+            <a:pPr marL="0" marR="0" lvl="0" indent="0" algn="ctr" defTabSz="914400" rtl="0" eaLnBrk="1" fontAlgn="auto" latinLnBrk="0" hangingPunct="1">
+              <a:lnSpc>
+                <a:spcPct val="100000"/>
+              </a:lnSpc>
+              <a:spcBef>
+                <a:spcPts val="0"/>
+              </a:spcBef>
+              <a:spcAft>
+                <a:spcPts val="0"/>
+              </a:spcAft>
+              <a:buClrTx/>
+              <a:buSzTx/>
+              <a:buFontTx/>
+              <a:buNone/>
+              <a:tabLst/>
+              <a:defRPr/>
+            </a:pPr>
+            <a:endParaRPr kumimoji="0" lang="en-US" sz="1800" b="0" i="0" u="none" strike="noStrike" kern="1200" cap="none" spc="0" normalizeH="0" baseline="0" noProof="0">
+              <a:ln>
+                <a:noFill/>
+              </a:ln>
+              <a:solidFill>
+                <a:prstClr val="white"/>
+              </a:solidFill>
+              <a:effectLst/>
+              <a:uLnTx/>
+              <a:uFillTx/>
+              <a:latin typeface="Calibri" panose="020F0502020204030204"/>
+              <a:ea typeface="+mn-ea"/>
+              <a:cs typeface="+mn-cs"/>
+            </a:endParaRPr>
+          </a:p>
+        </p:txBody>
+      </p:sp>
+      <p:sp>
+        <p:nvSpPr>
+          <p:cNvPr id="2" name="Title 1"/>
+          <p:cNvSpPr>
+            <a:spLocks noGrp="1"/>
+          </p:cNvSpPr>
+          <p:nvPr>
+            <p:ph type="title"/>
+          </p:nvPr>
+        </p:nvSpPr>
+        <p:spPr>
+          <a:xfrm>
+            <a:off x="785059" y="586822"/>
+            <a:ext cx="2670189" cy="1645920"/>
           </a:xfrm>
         </p:spPr>
         <p:txBody>
-          <a:bodyPr anchor="b">
-            <a:normAutofit fontScale="90000"/>
+          <a:bodyPr>
+            <a:normAutofit/>
           </a:bodyPr>
           <a:lstStyle/>
           <a:p>
@@ -17797,95 +18226,266 @@
       </p:sp>
       <p:sp>
         <p:nvSpPr>
-          <p:cNvPr id="3" name="Content Placeholder 2"/>
-          <p:cNvSpPr>
-            <a:spLocks noGrp="1"/>
-          </p:cNvSpPr>
-          <p:nvPr>
-            <p:ph idx="1"/>
+          <p:cNvPr id="23" name="Rectangle 22">
+            <a:extLst>
+              <a:ext uri="{FF2B5EF4-FFF2-40B4-BE49-F238E27FC236}">
+                <a16:creationId xmlns:a16="http://schemas.microsoft.com/office/drawing/2014/main" id="{441CF7D6-A660-431A-B0BB-140A0D5556B6}"/>
+              </a:ext>
+              <a:ext uri="{C183D7F6-B498-43B3-948B-1728B52AA6E4}">
+                <adec:decorative xmlns:adec="http://schemas.microsoft.com/office/drawing/2017/decorative" val="1"/>
+              </a:ext>
+            </a:extLst>
+          </p:cNvPr>
+          <p:cNvSpPr>
+            <a:spLocks noGrp="1" noRot="1" noChangeAspect="1" noMove="1" noResize="1" noEditPoints="1" noAdjustHandles="1" noChangeArrowheads="1" noChangeShapeType="1" noTextEdit="1"/>
+          </p:cNvSpPr>
+          <p:nvPr>
+            <p:extLst>
+              <p:ext uri="{386F3935-93C4-4BCD-93E2-E3B085C9AB24}">
+                <p16:designElem xmlns:p16="http://schemas.microsoft.com/office/powerpoint/2015/main" val="1"/>
+              </p:ext>
+            </p:extLst>
           </p:nvPr>
         </p:nvSpPr>
         <p:spPr>
           <a:xfrm>
-            <a:off x="356576" y="1655366"/>
-            <a:ext cx="4795190" cy="3865758"/>
+            <a:off x="367806" y="1057739"/>
+            <a:ext cx="96012" cy="704088"/>
+          </a:xfrm>
+          <a:prstGeom prst="rect">
+            <a:avLst/>
+          </a:prstGeom>
+          <a:solidFill>
+            <a:schemeClr val="accent2"/>
+          </a:solidFill>
+          <a:ln>
+            <a:noFill/>
+          </a:ln>
+        </p:spPr>
+        <p:style>
+          <a:lnRef idx="2">
+            <a:schemeClr val="accent1">
+              <a:shade val="50000"/>
+            </a:schemeClr>
+          </a:lnRef>
+          <a:fillRef idx="1">
+            <a:schemeClr val="accent1"/>
+          </a:fillRef>
+          <a:effectRef idx="0">
+            <a:schemeClr val="accent1"/>
+          </a:effectRef>
+          <a:fontRef idx="minor">
+            <a:schemeClr val="lt1"/>
+          </a:fontRef>
+        </p:style>
+        <p:txBody>
+          <a:bodyPr rtlCol="0" anchor="ctr"/>
+          <a:lstStyle/>
+          <a:p>
+            <a:pPr algn="ctr"/>
+            <a:endParaRPr lang="en-US" dirty="0">
+              <a:solidFill>
+                <a:prstClr val="white"/>
+              </a:solidFill>
+              <a:latin typeface="Calibri" panose="020F0502020204030204"/>
+            </a:endParaRPr>
+          </a:p>
+        </p:txBody>
+      </p:sp>
+      <p:sp>
+        <p:nvSpPr>
+          <p:cNvPr id="25" name="Rectangle 24">
+            <a:extLst>
+              <a:ext uri="{FF2B5EF4-FFF2-40B4-BE49-F238E27FC236}">
+                <a16:creationId xmlns:a16="http://schemas.microsoft.com/office/drawing/2014/main" id="{0570A85B-3810-4F95-97B0-CBF4CCDB381C}"/>
+              </a:ext>
+              <a:ext uri="{C183D7F6-B498-43B3-948B-1728B52AA6E4}">
+                <adec:decorative xmlns:adec="http://schemas.microsoft.com/office/drawing/2017/decorative" val="1"/>
+              </a:ext>
+            </a:extLst>
+          </p:cNvPr>
+          <p:cNvSpPr>
+            <a:spLocks noGrp="1" noRot="1" noChangeAspect="1" noMove="1" noResize="1" noEditPoints="1" noAdjustHandles="1" noChangeArrowheads="1" noChangeShapeType="1" noTextEdit="1"/>
+          </p:cNvSpPr>
+          <p:nvPr>
+            <p:extLst>
+              <p:ext uri="{386F3935-93C4-4BCD-93E2-E3B085C9AB24}">
+                <p16:designElem xmlns:p16="http://schemas.microsoft.com/office/powerpoint/2015/main" val="1"/>
+              </p:ext>
+            </p:extLst>
+          </p:nvPr>
+        </p:nvSpPr>
+        <p:spPr>
+          <a:xfrm rot="5400000">
+            <a:off x="2999776" y="1402924"/>
+            <a:ext cx="1463040" cy="13716"/>
+          </a:xfrm>
+          <a:prstGeom prst="rect">
+            <a:avLst/>
+          </a:prstGeom>
+          <a:solidFill>
+            <a:srgbClr val="D5D5D5"/>
+          </a:solidFill>
+          <a:ln w="3175">
+            <a:noFill/>
+          </a:ln>
+          <a:effectLst/>
+        </p:spPr>
+        <p:style>
+          <a:lnRef idx="2">
+            <a:schemeClr val="accent1">
+              <a:shade val="50000"/>
+            </a:schemeClr>
+          </a:lnRef>
+          <a:fillRef idx="1">
+            <a:schemeClr val="accent1"/>
+          </a:fillRef>
+          <a:effectRef idx="0">
+            <a:schemeClr val="accent1"/>
+          </a:effectRef>
+          <a:fontRef idx="minor">
+            <a:schemeClr val="lt1"/>
+          </a:fontRef>
+        </p:style>
+        <p:txBody>
+          <a:bodyPr rtlCol="0" anchor="ctr"/>
+          <a:lstStyle/>
+          <a:p>
+            <a:pPr algn="ctr"/>
+            <a:endParaRPr lang="en-US">
+              <a:solidFill>
+                <a:prstClr val="white"/>
+              </a:solidFill>
+              <a:latin typeface="Calibri" panose="020F0502020204030204"/>
+            </a:endParaRPr>
+          </a:p>
+        </p:txBody>
+      </p:sp>
+      <p:sp>
+        <p:nvSpPr>
+          <p:cNvPr id="3" name="Content Placeholder 2"/>
+          <p:cNvSpPr>
+            <a:spLocks noGrp="1"/>
+          </p:cNvSpPr>
+          <p:nvPr>
+            <p:ph idx="1"/>
+          </p:nvPr>
+        </p:nvSpPr>
+        <p:spPr>
+          <a:xfrm>
+            <a:off x="3699632" y="208553"/>
+            <a:ext cx="5408295" cy="2402457"/>
           </a:xfrm>
         </p:spPr>
         <p:txBody>
-          <a:bodyPr anchor="t">
+          <a:bodyPr anchor="ctr">
             <a:normAutofit/>
           </a:bodyPr>
           <a:lstStyle/>
           <a:p>
             <a:pPr>
+              <a:lnSpc>
+                <a:spcPct val="90000"/>
+              </a:lnSpc>
               <a:defRPr sz="1800"/>
             </a:pPr>
             <a:r>
-              <a:rPr lang="en-US" sz="2000" dirty="0"/>
+              <a:rPr lang="en-US" sz="1400" dirty="0"/>
               <a:t>New Setup:</a:t>
             </a:r>
           </a:p>
           <a:p>
             <a:pPr lvl="1">
+              <a:lnSpc>
+                <a:spcPct val="90000"/>
+              </a:lnSpc>
               <a:defRPr sz="1800"/>
             </a:pPr>
             <a:r>
-              <a:rPr lang="en-US" sz="2000" dirty="0"/>
-              <a:t>Frontend: S3 + CloudFront for fast content delivery.</a:t>
+              <a:rPr lang="en-US" sz="1400" dirty="0"/>
+              <a:t>Frontend: S3 with potential CloudFront for fast delivery. </a:t>
             </a:r>
           </a:p>
           <a:p>
             <a:pPr lvl="1">
+              <a:lnSpc>
+                <a:spcPct val="90000"/>
+              </a:lnSpc>
               <a:defRPr sz="1800"/>
             </a:pPr>
             <a:r>
-              <a:rPr lang="en-US" sz="2000" dirty="0"/>
+              <a:rPr lang="en-US" sz="1400" dirty="0"/>
               <a:t>Backend: </a:t>
             </a:r>
             <a:r>
-              <a:rPr lang="en-US" sz="2000" dirty="0" err="1"/>
+              <a:rPr lang="en-US" sz="1400" dirty="0" err="1"/>
               <a:t>Dockerized</a:t>
             </a:r>
             <a:r>
-              <a:rPr lang="en-US" sz="2000" dirty="0"/>
-              <a:t> services on AWS ECS.</a:t>
+              <a:rPr lang="en-US" sz="1400" dirty="0"/>
+              <a:t> services on ECS with ALB for traffic distribution. </a:t>
             </a:r>
           </a:p>
           <a:p>
             <a:pPr lvl="1">
+              <a:lnSpc>
+                <a:spcPct val="90000"/>
+              </a:lnSpc>
               <a:defRPr sz="1800"/>
             </a:pPr>
             <a:r>
-              <a:rPr lang="en-US" sz="2000" dirty="0"/>
-              <a:t>Database: Managed MongoDB (AWS).</a:t>
+              <a:rPr lang="en-US" sz="1400" dirty="0"/>
+              <a:t>MongoDB: Managed NoSQL database. </a:t>
             </a:r>
           </a:p>
           <a:p>
             <a:pPr lvl="1">
+              <a:lnSpc>
+                <a:spcPct val="90000"/>
+              </a:lnSpc>
               <a:defRPr sz="1800"/>
             </a:pPr>
             <a:r>
-              <a:rPr lang="en-US" sz="2000" dirty="0"/>
-              <a:t>Load Balancer: ALB for traffic distribution.</a:t>
-            </a:r>
-          </a:p>
-          <a:p>
-            <a:pPr>
+              <a:rPr lang="en-US" sz="1400" dirty="0"/>
+              <a:t>CI/CD: </a:t>
+            </a:r>
+            <a:r>
+              <a:rPr lang="en-US" sz="1400" dirty="0" err="1"/>
+              <a:t>CodePipeline</a:t>
+            </a:r>
+            <a:r>
+              <a:rPr lang="en-US" sz="1400" dirty="0"/>
+              <a:t> and </a:t>
+            </a:r>
+            <a:r>
+              <a:rPr lang="en-US" sz="1400" dirty="0" err="1"/>
+              <a:t>CodeBuild</a:t>
+            </a:r>
+            <a:r>
+              <a:rPr lang="en-US" sz="1400" dirty="0"/>
+              <a:t> manage continuous deployments. </a:t>
+            </a:r>
+          </a:p>
+          <a:p>
+            <a:pPr lvl="1">
+              <a:lnSpc>
+                <a:spcPct val="90000"/>
+              </a:lnSpc>
               <a:defRPr sz="1800"/>
             </a:pPr>
             <a:r>
-              <a:rPr lang="en-US" sz="2000" dirty="0"/>
-              <a:t>Placeholder for Image: [Cloud-Native Architecture Diagram]</a:t>
+              <a:rPr lang="en-US" sz="1400" dirty="0"/>
+              <a:t>CloudWatch &amp; KMS: Monitor performance and manage encryption.</a:t>
             </a:r>
           </a:p>
         </p:txBody>
       </p:sp>
       <p:pic>
         <p:nvPicPr>
-          <p:cNvPr id="7" name="Picture 6" descr="A diagram of a software system&#10;&#10;Description automatically generated">
+          <p:cNvPr id="5" name="Picture 4" descr="A diagram of a company&#10;&#10;Description automatically generated">
             <a:extLst>
               <a:ext uri="{FF2B5EF4-FFF2-40B4-BE49-F238E27FC236}">
-                <a16:creationId xmlns:a16="http://schemas.microsoft.com/office/drawing/2014/main" id="{D42DE99F-735B-0944-48D2-2D75884D81B9}"/>
+                <a16:creationId xmlns:a16="http://schemas.microsoft.com/office/drawing/2014/main" id="{469D207C-4695-6F62-25AE-44A32739691D}"/>
               </a:ext>
             </a:extLst>
           </p:cNvPr>
@@ -17902,191 +18502,14 @@
         </p:blipFill>
         <p:spPr>
           <a:xfrm>
-            <a:off x="5256014" y="215666"/>
-            <a:ext cx="3691216" cy="5678793"/>
+            <a:off x="1222754" y="2767580"/>
+            <a:ext cx="6699689" cy="3450340"/>
           </a:xfrm>
           <a:prstGeom prst="rect">
             <a:avLst/>
           </a:prstGeom>
         </p:spPr>
       </p:pic>
-      <p:grpSp>
-        <p:nvGrpSpPr>
-          <p:cNvPr id="12" name="Group 11">
-            <a:extLst>
-              <a:ext uri="{FF2B5EF4-FFF2-40B4-BE49-F238E27FC236}">
-                <a16:creationId xmlns:a16="http://schemas.microsoft.com/office/drawing/2014/main" id="{C54A2A4D-19EF-3552-F383-6AD9587C8AFC}"/>
-              </a:ext>
-              <a:ext uri="{C183D7F6-B498-43B3-948B-1728B52AA6E4}">
-                <adec:decorative xmlns:adec="http://schemas.microsoft.com/office/drawing/2017/decorative" val="1"/>
-              </a:ext>
-            </a:extLst>
-          </p:cNvPr>
-          <p:cNvGrpSpPr>
-            <a:grpSpLocks noGrp="1" noUngrp="1" noRot="1" noChangeAspect="1" noMove="1" noResize="1"/>
-          </p:cNvGrpSpPr>
-          <p:nvPr>
-            <p:extLst>
-              <p:ext uri="{386F3935-93C4-4BCD-93E2-E3B085C9AB24}">
-                <p16:designElem xmlns:p16="http://schemas.microsoft.com/office/powerpoint/2015/main" val="1"/>
-              </p:ext>
-            </p:extLst>
-          </p:nvPr>
-        </p:nvGrpSpPr>
-        <p:grpSpPr>
-          <a:xfrm flipH="1">
-            <a:off x="9051478" y="0"/>
-            <a:ext cx="92522" cy="6858000"/>
-            <a:chOff x="12068638" y="0"/>
-            <a:chExt cx="123362" cy="6858000"/>
-          </a:xfrm>
-        </p:grpSpPr>
-        <p:sp>
-          <p:nvSpPr>
-            <p:cNvPr id="13" name="Rectangle 12">
-              <a:extLst>
-                <a:ext uri="{FF2B5EF4-FFF2-40B4-BE49-F238E27FC236}">
-                  <a16:creationId xmlns:a16="http://schemas.microsoft.com/office/drawing/2014/main" id="{A9208F0F-2734-3945-8FD0-EEB19CF41A38}"/>
-                </a:ext>
-                <a:ext uri="{C183D7F6-B498-43B3-948B-1728B52AA6E4}">
-                  <adec:decorative xmlns:adec="http://schemas.microsoft.com/office/drawing/2017/decorative" val="1"/>
-                </a:ext>
-              </a:extLst>
-            </p:cNvPr>
-            <p:cNvSpPr/>
-            <p:nvPr>
-              <p:extLst>
-                <p:ext uri="{386F3935-93C4-4BCD-93E2-E3B085C9AB24}">
-                  <p16:designElem xmlns:p16="http://schemas.microsoft.com/office/powerpoint/2015/main" val="1"/>
-                </p:ext>
-              </p:extLst>
-            </p:nvPr>
-          </p:nvSpPr>
-          <p:spPr>
-            <a:xfrm>
-              <a:off x="12068638" y="0"/>
-              <a:ext cx="123362" cy="6858000"/>
-            </a:xfrm>
-            <a:prstGeom prst="rect">
-              <a:avLst/>
-            </a:prstGeom>
-            <a:gradFill>
-              <a:gsLst>
-                <a:gs pos="0">
-                  <a:schemeClr val="accent2"/>
-                </a:gs>
-                <a:gs pos="100000">
-                  <a:schemeClr val="accent5"/>
-                </a:gs>
-              </a:gsLst>
-              <a:lin ang="1800000" scaled="0"/>
-            </a:gradFill>
-            <a:ln>
-              <a:noFill/>
-            </a:ln>
-          </p:spPr>
-          <p:style>
-            <a:lnRef idx="2">
-              <a:schemeClr val="accent1">
-                <a:shade val="50000"/>
-              </a:schemeClr>
-            </a:lnRef>
-            <a:fillRef idx="1">
-              <a:schemeClr val="accent1"/>
-            </a:fillRef>
-            <a:effectRef idx="0">
-              <a:schemeClr val="accent1"/>
-            </a:effectRef>
-            <a:fontRef idx="minor">
-              <a:schemeClr val="lt1"/>
-            </a:fontRef>
-          </p:style>
-          <p:txBody>
-            <a:bodyPr rtlCol="0" anchor="ctr"/>
-            <a:lstStyle/>
-            <a:p>
-              <a:pPr algn="ctr"/>
-              <a:endParaRPr lang="en-US"/>
-            </a:p>
-          </p:txBody>
-        </p:sp>
-        <p:sp>
-          <p:nvSpPr>
-            <p:cNvPr id="14" name="Rectangle 13">
-              <a:extLst>
-                <a:ext uri="{FF2B5EF4-FFF2-40B4-BE49-F238E27FC236}">
-                  <a16:creationId xmlns:a16="http://schemas.microsoft.com/office/drawing/2014/main" id="{62CFF5D9-43B9-9D58-6F3F-25041716D93B}"/>
-                </a:ext>
-                <a:ext uri="{C183D7F6-B498-43B3-948B-1728B52AA6E4}">
-                  <adec:decorative xmlns:adec="http://schemas.microsoft.com/office/drawing/2017/decorative" val="1"/>
-                </a:ext>
-              </a:extLst>
-            </p:cNvPr>
-            <p:cNvSpPr/>
-            <p:nvPr>
-              <p:extLst>
-                <p:ext uri="{386F3935-93C4-4BCD-93E2-E3B085C9AB24}">
-                  <p16:designElem xmlns:p16="http://schemas.microsoft.com/office/powerpoint/2015/main" val="1"/>
-                </p:ext>
-              </p:extLst>
-            </p:nvPr>
-          </p:nvSpPr>
-          <p:spPr>
-            <a:xfrm>
-              <a:off x="12068638" y="3527553"/>
-              <a:ext cx="123362" cy="3330447"/>
-            </a:xfrm>
-            <a:prstGeom prst="rect">
-              <a:avLst/>
-            </a:prstGeom>
-            <a:gradFill>
-              <a:gsLst>
-                <a:gs pos="19000">
-                  <a:schemeClr val="accent5">
-                    <a:lumMod val="60000"/>
-                    <a:lumOff val="40000"/>
-                    <a:alpha val="0"/>
-                  </a:schemeClr>
-                </a:gs>
-                <a:gs pos="100000">
-                  <a:schemeClr val="accent5">
-                    <a:lumMod val="60000"/>
-                    <a:lumOff val="40000"/>
-                  </a:schemeClr>
-                </a:gs>
-              </a:gsLst>
-              <a:lin ang="600000" scaled="0"/>
-            </a:gradFill>
-            <a:ln>
-              <a:noFill/>
-            </a:ln>
-          </p:spPr>
-          <p:style>
-            <a:lnRef idx="2">
-              <a:schemeClr val="accent1">
-                <a:shade val="50000"/>
-              </a:schemeClr>
-            </a:lnRef>
-            <a:fillRef idx="1">
-              <a:schemeClr val="accent1"/>
-            </a:fillRef>
-            <a:effectRef idx="0">
-              <a:schemeClr val="accent1"/>
-            </a:effectRef>
-            <a:fontRef idx="minor">
-              <a:schemeClr val="lt1"/>
-            </a:fontRef>
-          </p:style>
-          <p:txBody>
-            <a:bodyPr rtlCol="0" anchor="ctr"/>
-            <a:lstStyle/>
-            <a:p>
-              <a:pPr algn="ctr"/>
-              <a:endParaRPr lang="en-US"/>
-            </a:p>
-          </p:txBody>
-        </p:sp>
-      </p:grpSp>
     </p:spTree>
   </p:cSld>
   <p:clrMapOvr>
@@ -18120,20 +18543,80 @@
           <a:chExt cx="0" cy="0"/>
         </a:xfrm>
       </p:grpSpPr>
-      <p:sp>
-        <p:nvSpPr>
-          <p:cNvPr id="2" name="Title 1"/>
-          <p:cNvSpPr>
-            <a:spLocks noGrp="1"/>
-          </p:cNvSpPr>
-          <p:nvPr>
-            <p:ph type="title"/>
+      <p:sp useBgFill="1">
+        <p:nvSpPr>
+          <p:cNvPr id="24" name="Rectangle 23">
+            <a:extLst>
+              <a:ext uri="{FF2B5EF4-FFF2-40B4-BE49-F238E27FC236}">
+                <a16:creationId xmlns:a16="http://schemas.microsoft.com/office/drawing/2014/main" id="{3AD318CC-E2A8-4E27-9548-A047A78999B1}"/>
+              </a:ext>
+              <a:ext uri="{C183D7F6-B498-43B3-948B-1728B52AA6E4}">
+                <adec:decorative xmlns:adec="http://schemas.microsoft.com/office/drawing/2017/decorative" val="1"/>
+              </a:ext>
+            </a:extLst>
+          </p:cNvPr>
+          <p:cNvSpPr>
+            <a:spLocks noGrp="1" noRot="1" noChangeAspect="1" noMove="1" noResize="1" noEditPoints="1" noAdjustHandles="1" noChangeArrowheads="1" noChangeShapeType="1" noTextEdit="1"/>
+          </p:cNvSpPr>
+          <p:nvPr>
+            <p:extLst>
+              <p:ext uri="{386F3935-93C4-4BCD-93E2-E3B085C9AB24}">
+                <p16:designElem xmlns:p16="http://schemas.microsoft.com/office/powerpoint/2015/main" val="1"/>
+              </p:ext>
+            </p:extLst>
           </p:nvPr>
         </p:nvSpPr>
         <p:spPr>
           <a:xfrm>
-            <a:off x="628650" y="800993"/>
-            <a:ext cx="2765618" cy="1594189"/>
+            <a:off x="0" y="0"/>
+            <a:ext cx="9143999" cy="6857365"/>
+          </a:xfrm>
+          <a:prstGeom prst="rect">
+            <a:avLst/>
+          </a:prstGeom>
+          <a:ln>
+            <a:noFill/>
+          </a:ln>
+        </p:spPr>
+        <p:style>
+          <a:lnRef idx="2">
+            <a:schemeClr val="accent1">
+              <a:shade val="50000"/>
+            </a:schemeClr>
+          </a:lnRef>
+          <a:fillRef idx="1">
+            <a:schemeClr val="accent1"/>
+          </a:fillRef>
+          <a:effectRef idx="0">
+            <a:schemeClr val="accent1"/>
+          </a:effectRef>
+          <a:fontRef idx="minor">
+            <a:schemeClr val="lt1"/>
+          </a:fontRef>
+        </p:style>
+        <p:txBody>
+          <a:bodyPr rtlCol="0" anchor="ctr"/>
+          <a:lstStyle/>
+          <a:p>
+            <a:pPr algn="ctr"/>
+            <a:endParaRPr lang="en-US"/>
+          </a:p>
+        </p:txBody>
+      </p:sp>
+      <p:sp>
+        <p:nvSpPr>
+          <p:cNvPr id="2" name="Title 1"/>
+          <p:cNvSpPr>
+            <a:spLocks noGrp="1"/>
+          </p:cNvSpPr>
+          <p:nvPr>
+            <p:ph type="title"/>
+          </p:nvPr>
+        </p:nvSpPr>
+        <p:spPr>
+          <a:xfrm>
+            <a:off x="483798" y="1463040"/>
+            <a:ext cx="2847230" cy="2690949"/>
           </a:xfrm>
         </p:spPr>
         <p:txBody>
@@ -18143,113 +18626,18 @@
           <a:lstStyle/>
           <a:p>
             <a:r>
-              <a:rPr lang="en-US" sz="2800"/>
+              <a:rPr lang="en-US" sz="4200"/>
               <a:t>AWS Services Used</a:t>
-            </a:r>
-          </a:p>
-        </p:txBody>
-      </p:sp>
-      <p:sp>
-        <p:nvSpPr>
-          <p:cNvPr id="3" name="Content Placeholder 2"/>
-          <p:cNvSpPr>
-            <a:spLocks noGrp="1"/>
-          </p:cNvSpPr>
-          <p:nvPr>
-            <p:ph idx="1"/>
-          </p:nvPr>
-        </p:nvSpPr>
-        <p:spPr>
-          <a:xfrm>
-            <a:off x="4006159" y="751555"/>
-            <a:ext cx="4509191" cy="1766458"/>
-          </a:xfrm>
-        </p:spPr>
-        <p:txBody>
-          <a:bodyPr anchor="t">
-            <a:normAutofit/>
-          </a:bodyPr>
-          <a:lstStyle/>
-          <a:p>
-            <a:pPr>
-              <a:lnSpc>
-                <a:spcPct val="90000"/>
-              </a:lnSpc>
-              <a:defRPr sz="1800"/>
-            </a:pPr>
-            <a:r>
-              <a:rPr lang="en-US" sz="1600"/>
-              <a:t>Key AWS Services:</a:t>
-            </a:r>
-          </a:p>
-          <a:p>
-            <a:pPr lvl="1">
-              <a:lnSpc>
-                <a:spcPct val="90000"/>
-              </a:lnSpc>
-              <a:defRPr sz="1800"/>
-            </a:pPr>
-            <a:r>
-              <a:rPr lang="en-US" sz="1600"/>
-              <a:t>S3: Static file storage for frontend.</a:t>
-            </a:r>
-          </a:p>
-          <a:p>
-            <a:pPr lvl="1">
-              <a:lnSpc>
-                <a:spcPct val="90000"/>
-              </a:lnSpc>
-              <a:defRPr sz="1800"/>
-            </a:pPr>
-            <a:r>
-              <a:rPr lang="en-US" sz="1600"/>
-              <a:t>ECS: Container orchestration for backend.</a:t>
-            </a:r>
-          </a:p>
-          <a:p>
-            <a:pPr lvl="1">
-              <a:lnSpc>
-                <a:spcPct val="90000"/>
-              </a:lnSpc>
-              <a:defRPr sz="1800"/>
-            </a:pPr>
-            <a:r>
-              <a:rPr lang="en-US" sz="1600"/>
-              <a:t>RDS: Managed MongoDB.</a:t>
-            </a:r>
-          </a:p>
-          <a:p>
-            <a:pPr lvl="1">
-              <a:lnSpc>
-                <a:spcPct val="90000"/>
-              </a:lnSpc>
-              <a:defRPr sz="1800"/>
-            </a:pPr>
-            <a:r>
-              <a:rPr lang="en-US" sz="1600"/>
-              <a:t>ALB: Distributes traffic.</a:t>
-            </a:r>
-          </a:p>
-          <a:p>
-            <a:pPr lvl="1">
-              <a:lnSpc>
-                <a:spcPct val="90000"/>
-              </a:lnSpc>
-              <a:defRPr sz="1800"/>
-            </a:pPr>
-            <a:r>
-              <a:rPr lang="en-US" sz="1600"/>
-              <a:t>IAM: Access control.</a:t>
             </a:r>
           </a:p>
         </p:txBody>
       </p:sp>
       <p:grpSp>
         <p:nvGrpSpPr>
-          <p:cNvPr id="10" name="Group 9">
+          <p:cNvPr id="25" name="Group 24">
             <a:extLst>
               <a:ext uri="{FF2B5EF4-FFF2-40B4-BE49-F238E27FC236}">
-                <a16:creationId xmlns:a16="http://schemas.microsoft.com/office/drawing/2014/main" id="{F2221BB3-7B5D-C899-7745-66D7AC3232A7}"/>
+                <a16:creationId xmlns:a16="http://schemas.microsoft.com/office/drawing/2014/main" id="{B14B560F-9DD7-4302-A60B-EBD3EF59B073}"/>
               </a:ext>
               <a:ext uri="{C183D7F6-B498-43B3-948B-1728B52AA6E4}">
                 <adec:decorative xmlns:adec="http://schemas.microsoft.com/office/drawing/2017/decorative" val="1"/>
@@ -18269,18 +18657,18 @@
         </p:nvGrpSpPr>
         <p:grpSpPr>
           <a:xfrm>
-            <a:off x="-3768" y="6737718"/>
-            <a:ext cx="9155399" cy="123363"/>
-            <a:chOff x="-5025" y="6737718"/>
-            <a:chExt cx="12207200" cy="123363"/>
+            <a:off x="157250" y="4415246"/>
+            <a:ext cx="8986749" cy="2087795"/>
+            <a:chOff x="143163" y="5763486"/>
+            <a:chExt cx="11982332" cy="739555"/>
           </a:xfrm>
         </p:grpSpPr>
         <p:sp>
           <p:nvSpPr>
-            <p:cNvPr id="11" name="Rectangle 10">
+            <p:cNvPr id="20" name="Rectangle 19">
               <a:extLst>
                 <a:ext uri="{FF2B5EF4-FFF2-40B4-BE49-F238E27FC236}">
-                  <a16:creationId xmlns:a16="http://schemas.microsoft.com/office/drawing/2014/main" id="{3FD2D571-38D7-DB0F-166C-14FEDA700543}"/>
+                  <a16:creationId xmlns:a16="http://schemas.microsoft.com/office/drawing/2014/main" id="{3A9A4357-BD1D-4622-A4FE-766E6AB8DE84}"/>
                 </a:ext>
                 <a:ext uri="{C183D7F6-B498-43B3-948B-1728B52AA6E4}">
                   <adec:decorative xmlns:adec="http://schemas.microsoft.com/office/drawing/2017/decorative" val="1"/>
@@ -18297,24 +18685,16 @@
             </p:nvPr>
           </p:nvSpPr>
           <p:spPr>
-            <a:xfrm rot="5400000" flipH="1">
-              <a:off x="6036894" y="695800"/>
-              <a:ext cx="123362" cy="12207199"/>
+            <a:xfrm flipH="1" flipV="1">
+              <a:off x="357444" y="5763486"/>
+              <a:ext cx="11768051" cy="739555"/>
             </a:xfrm>
             <a:prstGeom prst="rect">
               <a:avLst/>
             </a:prstGeom>
-            <a:gradFill>
-              <a:gsLst>
-                <a:gs pos="0">
-                  <a:schemeClr val="accent5"/>
-                </a:gs>
-                <a:gs pos="100000">
-                  <a:schemeClr val="accent2"/>
-                </a:gs>
-              </a:gsLst>
-              <a:lin ang="1800000" scaled="0"/>
-            </a:gradFill>
+            <a:solidFill>
+              <a:schemeClr val="accent4"/>
+            </a:solidFill>
             <a:ln>
               <a:noFill/>
             </a:ln>
@@ -18344,19 +18724,21 @@
             </a:p>
           </p:txBody>
         </p:sp>
-        <p:sp>
-          <p:nvSpPr>
-            <p:cNvPr id="12" name="Rectangle 11">
+        <p:cxnSp>
+          <p:nvCxnSpPr>
+            <p:cNvPr id="26" name="Straight Connector 25">
               <a:extLst>
                 <a:ext uri="{FF2B5EF4-FFF2-40B4-BE49-F238E27FC236}">
-                  <a16:creationId xmlns:a16="http://schemas.microsoft.com/office/drawing/2014/main" id="{B88AEF72-50CD-C201-F6BF-C595BBBED8DC}"/>
+                  <a16:creationId xmlns:a16="http://schemas.microsoft.com/office/drawing/2014/main" id="{C21D6966-343E-49AC-A026-D2497E0C3CA1}"/>
                 </a:ext>
                 <a:ext uri="{C183D7F6-B498-43B3-948B-1728B52AA6E4}">
                   <adec:decorative xmlns:adec="http://schemas.microsoft.com/office/drawing/2017/decorative" val="1"/>
                 </a:ext>
               </a:extLst>
             </p:cNvPr>
-            <p:cNvSpPr/>
+            <p:cNvCxnSpPr>
+              <a:cxnSpLocks/>
+            </p:cNvCxnSpPr>
             <p:nvPr>
               <p:extLst>
                 <p:ext uri="{386F3935-93C4-4BCD-93E2-E3B085C9AB24}">
@@ -18364,91 +18746,227 @@
                 </p:ext>
               </p:extLst>
             </p:nvPr>
-          </p:nvSpPr>
+          </p:nvCxnSpPr>
           <p:spPr>
-            <a:xfrm rot="16200000">
-              <a:off x="9176406" y="3835311"/>
-              <a:ext cx="123362" cy="5928176"/>
+            <a:xfrm flipH="1">
+              <a:off x="143163" y="5763486"/>
+              <a:ext cx="1" cy="739555"/>
             </a:xfrm>
-            <a:prstGeom prst="rect">
+            <a:prstGeom prst="line">
               <a:avLst/>
             </a:prstGeom>
-            <a:gradFill>
-              <a:gsLst>
-                <a:gs pos="19000">
-                  <a:schemeClr val="accent5">
-                    <a:alpha val="0"/>
-                  </a:schemeClr>
-                </a:gs>
-                <a:gs pos="100000">
-                  <a:schemeClr val="accent5">
-                    <a:lumMod val="60000"/>
-                    <a:lumOff val="40000"/>
-                  </a:schemeClr>
-                </a:gs>
-              </a:gsLst>
-              <a:lin ang="600000" scaled="0"/>
-            </a:gradFill>
-            <a:ln>
-              <a:noFill/>
+            <a:ln w="177800">
+              <a:solidFill>
+                <a:schemeClr val="accent4"/>
+              </a:solidFill>
             </a:ln>
           </p:spPr>
           <p:style>
-            <a:lnRef idx="2">
-              <a:schemeClr val="accent1">
-                <a:shade val="50000"/>
-              </a:schemeClr>
+            <a:lnRef idx="1">
+              <a:schemeClr val="accent1"/>
             </a:lnRef>
-            <a:fillRef idx="1">
+            <a:fillRef idx="0">
               <a:schemeClr val="accent1"/>
             </a:fillRef>
             <a:effectRef idx="0">
               <a:schemeClr val="accent1"/>
             </a:effectRef>
             <a:fontRef idx="minor">
-              <a:schemeClr val="lt1"/>
+              <a:schemeClr val="tx1"/>
             </a:fontRef>
           </p:style>
-          <p:txBody>
-            <a:bodyPr rtlCol="0" anchor="ctr"/>
-            <a:lstStyle/>
-            <a:p>
-              <a:pPr algn="ctr"/>
-              <a:endParaRPr lang="en-US"/>
-            </a:p>
-          </p:txBody>
-        </p:sp>
+        </p:cxnSp>
       </p:grpSp>
-      <p:pic>
-        <p:nvPicPr>
-          <p:cNvPr id="7" name="Picture 6" descr="A diagram of a company&#10;&#10;Description automatically generated">
+      <p:sp>
+        <p:nvSpPr>
+          <p:cNvPr id="23" name="Rectangle 22">
             <a:extLst>
               <a:ext uri="{FF2B5EF4-FFF2-40B4-BE49-F238E27FC236}">
-                <a16:creationId xmlns:a16="http://schemas.microsoft.com/office/drawing/2014/main" id="{FDF67978-0198-8B40-EB79-7C39968ED4CF}"/>
+                <a16:creationId xmlns:a16="http://schemas.microsoft.com/office/drawing/2014/main" id="{2C1BBA94-3F40-40AA-8BB9-E69E25E537C1}"/>
+              </a:ext>
+              <a:ext uri="{C183D7F6-B498-43B3-948B-1728B52AA6E4}">
+                <adec:decorative xmlns:adec="http://schemas.microsoft.com/office/drawing/2017/decorative" val="1"/>
               </a:ext>
             </a:extLst>
           </p:cNvPr>
-          <p:cNvPicPr>
-            <a:picLocks noChangeAspect="1"/>
-          </p:cNvPicPr>
-          <p:nvPr/>
-        </p:nvPicPr>
-        <p:blipFill>
-          <a:blip r:embed="rId3"/>
-          <a:stretch>
-            <a:fillRect/>
-          </a:stretch>
-        </p:blipFill>
+          <p:cNvSpPr>
+            <a:spLocks noGrp="1" noRot="1" noChangeAspect="1" noMove="1" noResize="1" noEditPoints="1" noAdjustHandles="1" noChangeArrowheads="1" noChangeShapeType="1" noTextEdit="1"/>
+          </p:cNvSpPr>
+          <p:nvPr>
+            <p:extLst>
+              <p:ext uri="{386F3935-93C4-4BCD-93E2-E3B085C9AB24}">
+                <p16:designElem xmlns:p16="http://schemas.microsoft.com/office/powerpoint/2015/main" val="1"/>
+              </p:ext>
+            </p:extLst>
+          </p:nvPr>
+        </p:nvSpPr>
         <p:spPr>
           <a:xfrm>
-            <a:off x="506977" y="2421731"/>
-            <a:ext cx="8397043" cy="4315987"/>
+            <a:off x="3850279" y="587829"/>
+            <a:ext cx="4878975" cy="5682342"/>
           </a:xfrm>
           <a:prstGeom prst="rect">
             <a:avLst/>
           </a:prstGeom>
+          <a:solidFill>
+            <a:schemeClr val="bg1"/>
+          </a:solidFill>
+          <a:ln>
+            <a:noFill/>
+          </a:ln>
+          <a:effectLst>
+            <a:outerShdw blurRad="139700" dist="127000" dir="5400000" algn="t" rotWithShape="0">
+              <a:prstClr val="black">
+                <a:alpha val="15000"/>
+              </a:prstClr>
+            </a:outerShdw>
+          </a:effectLst>
         </p:spPr>
-      </p:pic>
+        <p:style>
+          <a:lnRef idx="2">
+            <a:schemeClr val="accent1">
+              <a:shade val="50000"/>
+            </a:schemeClr>
+          </a:lnRef>
+          <a:fillRef idx="1">
+            <a:schemeClr val="accent1"/>
+          </a:fillRef>
+          <a:effectRef idx="0">
+            <a:schemeClr val="accent1"/>
+          </a:effectRef>
+          <a:fontRef idx="minor">
+            <a:schemeClr val="lt1"/>
+          </a:fontRef>
+        </p:style>
+        <p:txBody>
+          <a:bodyPr rtlCol="0" anchor="ctr"/>
+          <a:lstStyle/>
+          <a:p>
+            <a:pPr algn="ctr"/>
+            <a:endParaRPr lang="en-US"/>
+          </a:p>
+        </p:txBody>
+      </p:sp>
+      <p:sp>
+        <p:nvSpPr>
+          <p:cNvPr id="3" name="Content Placeholder 2"/>
+          <p:cNvSpPr>
+            <a:spLocks noGrp="1"/>
+          </p:cNvSpPr>
+          <p:nvPr>
+            <p:ph idx="1"/>
+          </p:nvPr>
+        </p:nvSpPr>
+        <p:spPr>
+          <a:xfrm>
+            <a:off x="4242163" y="1463039"/>
+            <a:ext cx="4156790" cy="4300447"/>
+          </a:xfrm>
+        </p:spPr>
+        <p:txBody>
+          <a:bodyPr anchor="t">
+            <a:normAutofit/>
+          </a:bodyPr>
+          <a:lstStyle/>
+          <a:p>
+            <a:pPr>
+              <a:lnSpc>
+                <a:spcPct val="90000"/>
+              </a:lnSpc>
+              <a:defRPr sz="1800"/>
+            </a:pPr>
+            <a:r>
+              <a:rPr lang="en-US" sz="1600"/>
+              <a:t>Key AWS Services:</a:t>
+            </a:r>
+          </a:p>
+          <a:p>
+            <a:pPr lvl="1">
+              <a:lnSpc>
+                <a:spcPct val="90000"/>
+              </a:lnSpc>
+              <a:defRPr sz="1800"/>
+            </a:pPr>
+            <a:r>
+              <a:rPr lang="en-US" sz="1600"/>
+              <a:t>S3: Static file storage for the frontend.</a:t>
+            </a:r>
+          </a:p>
+          <a:p>
+            <a:pPr lvl="1">
+              <a:lnSpc>
+                <a:spcPct val="90000"/>
+              </a:lnSpc>
+              <a:defRPr sz="1800"/>
+            </a:pPr>
+            <a:r>
+              <a:rPr lang="en-US" sz="1600"/>
+              <a:t>ECS: Container orchestration for backend. </a:t>
+            </a:r>
+          </a:p>
+          <a:p>
+            <a:pPr lvl="1">
+              <a:lnSpc>
+                <a:spcPct val="90000"/>
+              </a:lnSpc>
+              <a:defRPr sz="1800"/>
+            </a:pPr>
+            <a:r>
+              <a:rPr lang="en-US" sz="1600"/>
+              <a:t>MongoDB: Managed database (if applicable). </a:t>
+            </a:r>
+          </a:p>
+          <a:p>
+            <a:pPr lvl="1">
+              <a:lnSpc>
+                <a:spcPct val="90000"/>
+              </a:lnSpc>
+              <a:defRPr sz="1800"/>
+            </a:pPr>
+            <a:r>
+              <a:rPr lang="en-US" sz="1600"/>
+              <a:t>ALB: Distributes traffic to backend services. </a:t>
+            </a:r>
+          </a:p>
+          <a:p>
+            <a:pPr lvl="1">
+              <a:lnSpc>
+                <a:spcPct val="90000"/>
+              </a:lnSpc>
+              <a:defRPr sz="1800"/>
+            </a:pPr>
+            <a:r>
+              <a:rPr lang="en-US" sz="1600"/>
+              <a:t>CodePipeline: Automates deployment workflow. </a:t>
+            </a:r>
+          </a:p>
+          <a:p>
+            <a:pPr lvl="1">
+              <a:lnSpc>
+                <a:spcPct val="90000"/>
+              </a:lnSpc>
+              <a:defRPr sz="1800"/>
+            </a:pPr>
+            <a:r>
+              <a:rPr lang="en-US" sz="1600"/>
+              <a:t>CloudWatch: Monitors performance. </a:t>
+            </a:r>
+          </a:p>
+          <a:p>
+            <a:pPr lvl="1">
+              <a:lnSpc>
+                <a:spcPct val="90000"/>
+              </a:lnSpc>
+              <a:defRPr sz="1800"/>
+            </a:pPr>
+            <a:r>
+              <a:rPr lang="en-US" sz="1600"/>
+              <a:t>KMS &amp; ACM: Ensures data encryption and certificate management.</a:t>
+            </a:r>
+            <a:endParaRPr lang="en-US" sz="1600" dirty="0"/>
+          </a:p>
+        </p:txBody>
+      </p:sp>
     </p:spTree>
   </p:cSld>
   <p:clrMapOvr>
@@ -18510,9 +19028,6 @@
           <a:bodyPr/>
           <a:lstStyle/>
           <a:p>
-            <a:endParaRPr dirty="0"/>
-          </a:p>
-          <a:p>
             <a:pPr>
               <a:defRPr sz="1800"/>
             </a:pPr>
@@ -18538,6 +19053,74 @@
               <a:rPr dirty="0"/>
               <a:t>CD: Automate deployment to production.</a:t>
             </a:r>
+            <a:endParaRPr lang="en-US" dirty="0"/>
+          </a:p>
+          <a:p>
+            <a:pPr>
+              <a:defRPr sz="1800"/>
+            </a:pPr>
+            <a:r>
+              <a:rPr lang="en-US" dirty="0"/>
+              <a:t>CI/CD Pipeline: </a:t>
+            </a:r>
+          </a:p>
+          <a:p>
+            <a:pPr lvl="1">
+              <a:defRPr sz="1800"/>
+            </a:pPr>
+            <a:r>
+              <a:rPr lang="en-US" dirty="0" err="1"/>
+              <a:t>CodeCommit</a:t>
+            </a:r>
+            <a:r>
+              <a:rPr lang="en-US" dirty="0"/>
+              <a:t>: Source code repository. </a:t>
+            </a:r>
+          </a:p>
+          <a:p>
+            <a:pPr lvl="1">
+              <a:defRPr sz="1800"/>
+            </a:pPr>
+            <a:r>
+              <a:rPr lang="en-US" dirty="0" err="1"/>
+              <a:t>CodeBuild</a:t>
+            </a:r>
+            <a:r>
+              <a:rPr lang="en-US" dirty="0"/>
+              <a:t>: Automated builds and tests. </a:t>
+            </a:r>
+          </a:p>
+          <a:p>
+            <a:pPr lvl="1">
+              <a:defRPr sz="1800"/>
+            </a:pPr>
+            <a:r>
+              <a:rPr lang="en-US" dirty="0" err="1"/>
+              <a:t>CodePipeline</a:t>
+            </a:r>
+            <a:r>
+              <a:rPr lang="en-US" dirty="0"/>
+              <a:t>: Orchestrates the workflow from commit to deployment. </a:t>
+            </a:r>
+          </a:p>
+          <a:p>
+            <a:pPr lvl="1">
+              <a:defRPr sz="1800"/>
+            </a:pPr>
+            <a:r>
+              <a:rPr lang="en-US" dirty="0"/>
+              <a:t>ECR: Stores Docker images for ECS deployment. </a:t>
+            </a:r>
+          </a:p>
+          <a:p>
+            <a:pPr lvl="1">
+              <a:defRPr sz="1800"/>
+            </a:pPr>
+            <a:r>
+              <a:rPr lang="en-US" dirty="0"/>
+              <a:t>CloudWatch: Monitors the pipeline and system performance.</a:t>
+            </a:r>
+            <a:endParaRPr dirty="0"/>
           </a:p>
           <a:p>
             <a:pPr>
@@ -18572,7 +19155,7 @@
         </p:blipFill>
         <p:spPr>
           <a:xfrm>
-            <a:off x="457200" y="4215749"/>
+            <a:off x="526648" y="5304710"/>
             <a:ext cx="8090704" cy="453198"/>
           </a:xfrm>
           <a:prstGeom prst="rect">
@@ -18911,6 +19494,14 @@
 <file path=ppt/slides/slide2.xml><?xml version="1.0" encoding="utf-8"?>
 <p:sld xmlns:a="http://schemas.openxmlformats.org/drawingml/2006/main" xmlns:r="http://schemas.openxmlformats.org/officeDocument/2006/relationships" xmlns:p="http://schemas.openxmlformats.org/presentationml/2006/main">
   <p:cSld>
+    <p:bg>
+      <p:bgPr>
+        <a:solidFill>
+          <a:schemeClr val="bg1"/>
+        </a:solidFill>
+        <a:effectLst/>
+      </p:bgPr>
+    </p:bg>
     <p:spTree>
       <p:nvGrpSpPr>
         <p:cNvPr id="1" name=""/>
@@ -18925,6 +19516,66 @@
           <a:chExt cx="0" cy="0"/>
         </a:xfrm>
       </p:grpSpPr>
+      <p:sp useBgFill="1">
+        <p:nvSpPr>
+          <p:cNvPr id="8" name="Rectangle 7">
+            <a:extLst>
+              <a:ext uri="{FF2B5EF4-FFF2-40B4-BE49-F238E27FC236}">
+                <a16:creationId xmlns:a16="http://schemas.microsoft.com/office/drawing/2014/main" id="{3AD318CC-E2A8-4E27-9548-A047A78999B1}"/>
+              </a:ext>
+              <a:ext uri="{C183D7F6-B498-43B3-948B-1728B52AA6E4}">
+                <adec:decorative xmlns:adec="http://schemas.microsoft.com/office/drawing/2017/decorative" val="1"/>
+              </a:ext>
+            </a:extLst>
+          </p:cNvPr>
+          <p:cNvSpPr>
+            <a:spLocks noGrp="1" noRot="1" noChangeAspect="1" noMove="1" noResize="1" noEditPoints="1" noAdjustHandles="1" noChangeArrowheads="1" noChangeShapeType="1" noTextEdit="1"/>
+          </p:cNvSpPr>
+          <p:nvPr>
+            <p:extLst>
+              <p:ext uri="{386F3935-93C4-4BCD-93E2-E3B085C9AB24}">
+                <p16:designElem xmlns:p16="http://schemas.microsoft.com/office/powerpoint/2015/main" val="1"/>
+              </p:ext>
+            </p:extLst>
+          </p:nvPr>
+        </p:nvSpPr>
+        <p:spPr>
+          <a:xfrm>
+            <a:off x="0" y="0"/>
+            <a:ext cx="9143999" cy="6857365"/>
+          </a:xfrm>
+          <a:prstGeom prst="rect">
+            <a:avLst/>
+          </a:prstGeom>
+          <a:ln>
+            <a:noFill/>
+          </a:ln>
+        </p:spPr>
+        <p:style>
+          <a:lnRef idx="2">
+            <a:schemeClr val="accent1">
+              <a:shade val="50000"/>
+            </a:schemeClr>
+          </a:lnRef>
+          <a:fillRef idx="1">
+            <a:schemeClr val="accent1"/>
+          </a:fillRef>
+          <a:effectRef idx="0">
+            <a:schemeClr val="accent1"/>
+          </a:effectRef>
+          <a:fontRef idx="minor">
+            <a:schemeClr val="lt1"/>
+          </a:fontRef>
+        </p:style>
+        <p:txBody>
+          <a:bodyPr rtlCol="0" anchor="ctr"/>
+          <a:lstStyle/>
+          <a:p>
+            <a:pPr algn="ctr"/>
+            <a:endParaRPr lang="en-US"/>
+          </a:p>
+        </p:txBody>
+      </p:sp>
       <p:sp>
         <p:nvSpPr>
           <p:cNvPr id="2" name="Title 1"/>
@@ -18935,19 +19586,242 @@
             <p:ph type="title"/>
           </p:nvPr>
         </p:nvSpPr>
-        <p:spPr/>
+        <p:spPr>
+          <a:xfrm>
+            <a:off x="483798" y="1463040"/>
+            <a:ext cx="2847230" cy="2690949"/>
+          </a:xfrm>
+        </p:spPr>
         <p:txBody>
-          <a:bodyPr/>
+          <a:bodyPr anchor="t">
+            <a:normAutofit/>
+          </a:bodyPr>
           <a:lstStyle/>
           <a:p>
             <a:r>
+              <a:rPr lang="en-US" sz="4200"/>
               <a:t>Agenda</a:t>
             </a:r>
           </a:p>
         </p:txBody>
       </p:sp>
+      <p:grpSp>
+        <p:nvGrpSpPr>
+          <p:cNvPr id="10" name="Group 9">
+            <a:extLst>
+              <a:ext uri="{FF2B5EF4-FFF2-40B4-BE49-F238E27FC236}">
+                <a16:creationId xmlns:a16="http://schemas.microsoft.com/office/drawing/2014/main" id="{B14B560F-9DD7-4302-A60B-EBD3EF59B073}"/>
+              </a:ext>
+              <a:ext uri="{C183D7F6-B498-43B3-948B-1728B52AA6E4}">
+                <adec:decorative xmlns:adec="http://schemas.microsoft.com/office/drawing/2017/decorative" val="1"/>
+              </a:ext>
+            </a:extLst>
+          </p:cNvPr>
+          <p:cNvGrpSpPr>
+            <a:grpSpLocks noGrp="1" noUngrp="1" noRot="1" noChangeAspect="1" noMove="1" noResize="1"/>
+          </p:cNvGrpSpPr>
+          <p:nvPr>
+            <p:extLst>
+              <p:ext uri="{386F3935-93C4-4BCD-93E2-E3B085C9AB24}">
+                <p16:designElem xmlns:p16="http://schemas.microsoft.com/office/powerpoint/2015/main" val="1"/>
+              </p:ext>
+            </p:extLst>
+          </p:nvPr>
+        </p:nvGrpSpPr>
+        <p:grpSpPr>
+          <a:xfrm>
+            <a:off x="157250" y="4415246"/>
+            <a:ext cx="8986749" cy="2087795"/>
+            <a:chOff x="143163" y="5763486"/>
+            <a:chExt cx="11982332" cy="739555"/>
+          </a:xfrm>
+        </p:grpSpPr>
+        <p:sp>
+          <p:nvSpPr>
+            <p:cNvPr id="11" name="Rectangle 10">
+              <a:extLst>
+                <a:ext uri="{FF2B5EF4-FFF2-40B4-BE49-F238E27FC236}">
+                  <a16:creationId xmlns:a16="http://schemas.microsoft.com/office/drawing/2014/main" id="{3A9A4357-BD1D-4622-A4FE-766E6AB8DE84}"/>
+                </a:ext>
+                <a:ext uri="{C183D7F6-B498-43B3-948B-1728B52AA6E4}">
+                  <adec:decorative xmlns:adec="http://schemas.microsoft.com/office/drawing/2017/decorative" val="1"/>
+                </a:ext>
+              </a:extLst>
+            </p:cNvPr>
+            <p:cNvSpPr/>
+            <p:nvPr>
+              <p:extLst>
+                <p:ext uri="{386F3935-93C4-4BCD-93E2-E3B085C9AB24}">
+                  <p16:designElem xmlns:p16="http://schemas.microsoft.com/office/powerpoint/2015/main" val="1"/>
+                </p:ext>
+              </p:extLst>
+            </p:nvPr>
+          </p:nvSpPr>
+          <p:spPr>
+            <a:xfrm flipH="1" flipV="1">
+              <a:off x="357444" y="5763486"/>
+              <a:ext cx="11768051" cy="739555"/>
+            </a:xfrm>
+            <a:prstGeom prst="rect">
+              <a:avLst/>
+            </a:prstGeom>
+            <a:solidFill>
+              <a:schemeClr val="accent4"/>
+            </a:solidFill>
+            <a:ln>
+              <a:noFill/>
+            </a:ln>
+          </p:spPr>
+          <p:style>
+            <a:lnRef idx="2">
+              <a:schemeClr val="accent1">
+                <a:shade val="50000"/>
+              </a:schemeClr>
+            </a:lnRef>
+            <a:fillRef idx="1">
+              <a:schemeClr val="accent1"/>
+            </a:fillRef>
+            <a:effectRef idx="0">
+              <a:schemeClr val="accent1"/>
+            </a:effectRef>
+            <a:fontRef idx="minor">
+              <a:schemeClr val="lt1"/>
+            </a:fontRef>
+          </p:style>
+          <p:txBody>
+            <a:bodyPr rtlCol="0" anchor="ctr"/>
+            <a:lstStyle/>
+            <a:p>
+              <a:pPr algn="ctr"/>
+              <a:endParaRPr lang="en-US"/>
+            </a:p>
+          </p:txBody>
+        </p:sp>
+        <p:cxnSp>
+          <p:nvCxnSpPr>
+            <p:cNvPr id="12" name="Straight Connector 11">
+              <a:extLst>
+                <a:ext uri="{FF2B5EF4-FFF2-40B4-BE49-F238E27FC236}">
+                  <a16:creationId xmlns:a16="http://schemas.microsoft.com/office/drawing/2014/main" id="{C21D6966-343E-49AC-A026-D2497E0C3CA1}"/>
+                </a:ext>
+                <a:ext uri="{C183D7F6-B498-43B3-948B-1728B52AA6E4}">
+                  <adec:decorative xmlns:adec="http://schemas.microsoft.com/office/drawing/2017/decorative" val="1"/>
+                </a:ext>
+              </a:extLst>
+            </p:cNvPr>
+            <p:cNvCxnSpPr>
+              <a:cxnSpLocks/>
+            </p:cNvCxnSpPr>
+            <p:nvPr>
+              <p:extLst>
+                <p:ext uri="{386F3935-93C4-4BCD-93E2-E3B085C9AB24}">
+                  <p16:designElem xmlns:p16="http://schemas.microsoft.com/office/powerpoint/2015/main" val="1"/>
+                </p:ext>
+              </p:extLst>
+            </p:nvPr>
+          </p:nvCxnSpPr>
+          <p:spPr>
+            <a:xfrm flipH="1">
+              <a:off x="143163" y="5763486"/>
+              <a:ext cx="1" cy="739555"/>
+            </a:xfrm>
+            <a:prstGeom prst="line">
+              <a:avLst/>
+            </a:prstGeom>
+            <a:ln w="177800">
+              <a:solidFill>
+                <a:schemeClr val="accent4"/>
+              </a:solidFill>
+            </a:ln>
+          </p:spPr>
+          <p:style>
+            <a:lnRef idx="1">
+              <a:schemeClr val="accent1"/>
+            </a:lnRef>
+            <a:fillRef idx="0">
+              <a:schemeClr val="accent1"/>
+            </a:fillRef>
+            <a:effectRef idx="0">
+              <a:schemeClr val="accent1"/>
+            </a:effectRef>
+            <a:fontRef idx="minor">
+              <a:schemeClr val="tx1"/>
+            </a:fontRef>
+          </p:style>
+        </p:cxnSp>
+      </p:grpSp>
       <p:sp>
         <p:nvSpPr>
+          <p:cNvPr id="14" name="Rectangle 13">
+            <a:extLst>
+              <a:ext uri="{FF2B5EF4-FFF2-40B4-BE49-F238E27FC236}">
+                <a16:creationId xmlns:a16="http://schemas.microsoft.com/office/drawing/2014/main" id="{2C1BBA94-3F40-40AA-8BB9-E69E25E537C1}"/>
+              </a:ext>
+              <a:ext uri="{C183D7F6-B498-43B3-948B-1728B52AA6E4}">
+                <adec:decorative xmlns:adec="http://schemas.microsoft.com/office/drawing/2017/decorative" val="1"/>
+              </a:ext>
+            </a:extLst>
+          </p:cNvPr>
+          <p:cNvSpPr>
+            <a:spLocks noGrp="1" noRot="1" noChangeAspect="1" noMove="1" noResize="1" noEditPoints="1" noAdjustHandles="1" noChangeArrowheads="1" noChangeShapeType="1" noTextEdit="1"/>
+          </p:cNvSpPr>
+          <p:nvPr>
+            <p:extLst>
+              <p:ext uri="{386F3935-93C4-4BCD-93E2-E3B085C9AB24}">
+                <p16:designElem xmlns:p16="http://schemas.microsoft.com/office/powerpoint/2015/main" val="1"/>
+              </p:ext>
+            </p:extLst>
+          </p:nvPr>
+        </p:nvSpPr>
+        <p:spPr>
+          <a:xfrm>
+            <a:off x="3850279" y="587829"/>
+            <a:ext cx="4878975" cy="5682342"/>
+          </a:xfrm>
+          <a:prstGeom prst="rect">
+            <a:avLst/>
+          </a:prstGeom>
+          <a:solidFill>
+            <a:schemeClr val="bg1"/>
+          </a:solidFill>
+          <a:ln>
+            <a:noFill/>
+          </a:ln>
+          <a:effectLst>
+            <a:outerShdw blurRad="139700" dist="127000" dir="5400000" algn="t" rotWithShape="0">
+              <a:prstClr val="black">
+                <a:alpha val="15000"/>
+              </a:prstClr>
+            </a:outerShdw>
+          </a:effectLst>
+        </p:spPr>
+        <p:style>
+          <a:lnRef idx="2">
+            <a:schemeClr val="accent1">
+              <a:shade val="50000"/>
+            </a:schemeClr>
+          </a:lnRef>
+          <a:fillRef idx="1">
+            <a:schemeClr val="accent1"/>
+          </a:fillRef>
+          <a:effectRef idx="0">
+            <a:schemeClr val="accent1"/>
+          </a:effectRef>
+          <a:fontRef idx="minor">
+            <a:schemeClr val="lt1"/>
+          </a:fontRef>
+        </p:style>
+        <p:txBody>
+          <a:bodyPr rtlCol="0" anchor="ctr"/>
+          <a:lstStyle/>
+          <a:p>
+            <a:pPr algn="ctr"/>
+            <a:endParaRPr lang="en-US"/>
+          </a:p>
+        </p:txBody>
+      </p:sp>
+      <p:sp>
+        <p:nvSpPr>
           <p:cNvPr id="3" name="Content Placeholder 2"/>
           <p:cNvSpPr>
             <a:spLocks noGrp="1"/>
@@ -18956,16 +19830,23 @@
             <p:ph idx="1"/>
           </p:nvPr>
         </p:nvSpPr>
-        <p:spPr/>
+        <p:spPr>
+          <a:xfrm>
+            <a:off x="4211371" y="724418"/>
+            <a:ext cx="4156790" cy="5408527"/>
+          </a:xfrm>
+        </p:spPr>
         <p:txBody>
-          <a:bodyPr/>
+          <a:bodyPr anchor="t">
+            <a:normAutofit fontScale="92500"/>
+          </a:bodyPr>
           <a:lstStyle/>
           <a:p>
             <a:pPr>
               <a:defRPr sz="1800"/>
             </a:pPr>
             <a:r>
-              <a:rPr dirty="0"/>
+              <a:rPr lang="en-US" sz="2800" dirty="0"/>
               <a:t>Introduction and Context</a:t>
             </a:r>
           </a:p>
@@ -18974,7 +19855,7 @@
               <a:defRPr sz="1800"/>
             </a:pPr>
             <a:r>
-              <a:rPr dirty="0"/>
+              <a:rPr lang="en-US" sz="2800" dirty="0"/>
               <a:t>Problem Statement</a:t>
             </a:r>
           </a:p>
@@ -18983,7 +19864,7 @@
               <a:defRPr sz="1800"/>
             </a:pPr>
             <a:r>
-              <a:rPr dirty="0"/>
+              <a:rPr lang="en-US" sz="2800" dirty="0"/>
               <a:t>Methodologies</a:t>
             </a:r>
           </a:p>
@@ -18992,11 +19873,11 @@
               <a:defRPr sz="1800"/>
             </a:pPr>
             <a:r>
-              <a:rPr dirty="0" err="1"/>
+              <a:rPr lang="en-US" sz="2800" dirty="0" err="1"/>
               <a:t>IBTool</a:t>
             </a:r>
             <a:r>
-              <a:rPr dirty="0"/>
+              <a:rPr lang="en-US" sz="2800" dirty="0"/>
               <a:t> Development</a:t>
             </a:r>
           </a:p>
@@ -19005,7 +19886,7 @@
               <a:defRPr sz="1800"/>
             </a:pPr>
             <a:r>
-              <a:rPr dirty="0"/>
+              <a:rPr lang="en-US" sz="2800" dirty="0"/>
               <a:t>Cloud Migration</a:t>
             </a:r>
           </a:p>
@@ -19014,7 +19895,7 @@
               <a:defRPr sz="1800"/>
             </a:pPr>
             <a:r>
-              <a:rPr dirty="0"/>
+              <a:rPr lang="en-US" sz="2800" dirty="0"/>
               <a:t>CI/CD Pipeline</a:t>
             </a:r>
           </a:p>
@@ -19023,7 +19904,7 @@
               <a:defRPr sz="1800"/>
             </a:pPr>
             <a:r>
-              <a:rPr dirty="0"/>
+              <a:rPr lang="en-US" sz="2800" dirty="0"/>
               <a:t>Security and Performance</a:t>
             </a:r>
           </a:p>
@@ -19032,7 +19913,7 @@
               <a:defRPr sz="1800"/>
             </a:pPr>
             <a:r>
-              <a:rPr dirty="0"/>
+              <a:rPr lang="en-US" sz="2800" dirty="0"/>
               <a:t>Results and Benefits</a:t>
             </a:r>
           </a:p>
@@ -19041,7 +19922,7 @@
               <a:defRPr sz="1800"/>
             </a:pPr>
             <a:r>
-              <a:rPr dirty="0"/>
+              <a:rPr lang="en-US" sz="2800" dirty="0"/>
               <a:t>Challenges and Lessons</a:t>
             </a:r>
           </a:p>
@@ -19050,7 +19931,7 @@
               <a:defRPr sz="1800"/>
             </a:pPr>
             <a:r>
-              <a:rPr dirty="0"/>
+              <a:rPr lang="en-US" sz="2800" dirty="0"/>
               <a:t>Future Improvements and Conclusion</a:t>
             </a:r>
           </a:p>
@@ -19194,7 +20075,7 @@
             <p:ph idx="1"/>
             <p:extLst>
               <p:ext uri="{D42A27DB-BD31-4B8C-83A1-F6EECF244321}">
-                <p14:modId xmlns:p14="http://schemas.microsoft.com/office/powerpoint/2010/main" val="1403192375"/>
+                <p14:modId xmlns:p14="http://schemas.microsoft.com/office/powerpoint/2010/main" val="558140165"/>
               </p:ext>
             </p:extLst>
           </p:nvPr>
@@ -26925,23 +27806,15 @@
         </p:nvSpPr>
         <p:spPr>
           <a:xfrm>
-            <a:off x="4242163" y="1463039"/>
+            <a:off x="4211371" y="930476"/>
             <a:ext cx="4156790" cy="4300447"/>
           </a:xfrm>
         </p:spPr>
         <p:txBody>
           <a:bodyPr anchor="t">
-            <a:normAutofit/>
+            <a:noAutofit/>
           </a:bodyPr>
           <a:lstStyle/>
-          <a:p>
-            <a:pPr>
-              <a:lnSpc>
-                <a:spcPct val="90000"/>
-              </a:lnSpc>
-            </a:pPr>
-            <a:endParaRPr lang="en-US" sz="1900"/>
-          </a:p>
           <a:p>
             <a:pPr>
               <a:lnSpc>
@@ -26950,7 +27823,7 @@
               <a:defRPr sz="1800"/>
             </a:pPr>
             <a:r>
-              <a:rPr lang="en-US" sz="1900"/>
+              <a:rPr lang="en-US" sz="1800" dirty="0"/>
               <a:t>Cloud Migration:</a:t>
             </a:r>
           </a:p>
@@ -26962,7 +27835,7 @@
               <a:defRPr sz="1800"/>
             </a:pPr>
             <a:r>
-              <a:rPr lang="en-US" sz="1900"/>
+              <a:rPr lang="en-US" sz="1800" dirty="0"/>
               <a:t>Lift and Shift: Initial migration to AWS.</a:t>
             </a:r>
           </a:p>
@@ -26974,7 +27847,7 @@
               <a:defRPr sz="1800"/>
             </a:pPr>
             <a:r>
-              <a:rPr lang="en-US" sz="1900"/>
+              <a:rPr lang="en-US" sz="1800" dirty="0"/>
               <a:t>Post-Migration: Optimize with auto-scaling and managed services.</a:t>
             </a:r>
           </a:p>
@@ -26986,7 +27859,7 @@
               <a:defRPr sz="1800"/>
             </a:pPr>
             <a:r>
-              <a:rPr lang="en-US" sz="1900"/>
+              <a:rPr lang="en-US" sz="1800" dirty="0"/>
               <a:t>Steps:</a:t>
             </a:r>
           </a:p>
@@ -26998,8 +27871,8 @@
               <a:defRPr sz="1800"/>
             </a:pPr>
             <a:r>
-              <a:rPr lang="en-US" sz="1900"/>
-              <a:t>Assessment: Evaluate components.</a:t>
+              <a:rPr lang="en-US" sz="1800" dirty="0"/>
+              <a:t>ECS Deployment: Orchestrating containerized services with ALB distributing traffic. </a:t>
             </a:r>
           </a:p>
           <a:p>
@@ -27010,8 +27883,28 @@
               <a:defRPr sz="1800"/>
             </a:pPr>
             <a:r>
-              <a:rPr lang="en-US" sz="1900"/>
-              <a:t>Containerization: Docker for easy deployment.</a:t>
+              <a:rPr lang="en-US" sz="1800" dirty="0" err="1"/>
+              <a:t>CodeCommit</a:t>
+            </a:r>
+            <a:r>
+              <a:rPr lang="en-US" sz="1800" dirty="0"/>
+              <a:t>, </a:t>
+            </a:r>
+            <a:r>
+              <a:rPr lang="en-US" sz="1800" dirty="0" err="1"/>
+              <a:t>CodePipeline</a:t>
+            </a:r>
+            <a:r>
+              <a:rPr lang="en-US" sz="1800" dirty="0"/>
+              <a:t>, and </a:t>
+            </a:r>
+            <a:r>
+              <a:rPr lang="en-US" sz="1800" dirty="0" err="1"/>
+              <a:t>CodeBuild</a:t>
+            </a:r>
+            <a:r>
+              <a:rPr lang="en-US" sz="1800" dirty="0"/>
+              <a:t> automate the CI/CD pipeline.</a:t>
             </a:r>
           </a:p>
           <a:p>
@@ -27022,8 +27915,8 @@
               <a:defRPr sz="1800"/>
             </a:pPr>
             <a:r>
-              <a:rPr lang="en-US" sz="1900"/>
-              <a:t>ECS Deployment: Orchestration and scaling.</a:t>
+              <a:rPr lang="en-US" sz="1800" dirty="0"/>
+              <a:t>CloudWatch monitors performance, and KMS ensures data encryption.</a:t>
             </a:r>
           </a:p>
         </p:txBody>
